--- a/static/images/kyverno_website_graphics.pptx
+++ b/static/images/kyverno_website_graphics.pptx
@@ -15451,7 +15451,7 @@
               <a:buNone/>
             </a:pPr>
             <a:r>
-              <a:rPr lang="en-US" sz="2400" b="1" i="0" u="none" strike="noStrike" cap="none" dirty="0">
+              <a:rPr lang="en-US" sz="2400" b="1" i="0" u="none" strike="noStrike" cap="none">
                 <a:solidFill>
                   <a:schemeClr val="lt1"/>
                 </a:solidFill>
@@ -15460,7 +15460,7 @@
                 <a:cs typeface="Arial"/>
                 <a:sym typeface="Arial"/>
               </a:rPr>
-              <a:t>Webhook</a:t>
+              <a:t>Webhook Server</a:t>
             </a:r>
             <a:endParaRPr sz="1400" b="1" i="0" u="none" strike="noStrike" cap="none" dirty="0">
               <a:solidFill>
@@ -17645,7 +17645,7 @@
           </a:xfrm>
           <a:prstGeom prst="bentConnector3">
             <a:avLst>
-              <a:gd name="adj1" fmla="val 50000"/>
+              <a:gd name="adj1" fmla="val 41234"/>
             </a:avLst>
           </a:prstGeom>
           <a:noFill/>
@@ -18060,42 +18060,6 @@
           </a:p>
         </p:txBody>
       </p:sp>
-      <p:cxnSp>
-        <p:nvCxnSpPr>
-          <p:cNvPr id="188" name="Google Shape;122;gdea865f612_0_48">
-            <a:extLst>
-              <a:ext uri="{FF2B5EF4-FFF2-40B4-BE49-F238E27FC236}">
-                <a16:creationId xmlns:a16="http://schemas.microsoft.com/office/drawing/2014/main" id="{DF9FEEF8-2DAD-A49D-928A-C7DA192C324F}"/>
-              </a:ext>
-            </a:extLst>
-          </p:cNvPr>
-          <p:cNvCxnSpPr>
-            <a:cxnSpLocks/>
-          </p:cNvCxnSpPr>
-          <p:nvPr/>
-        </p:nvCxnSpPr>
-        <p:spPr>
-          <a:xfrm flipH="1">
-            <a:off x="8591811" y="5750008"/>
-            <a:ext cx="354809" cy="2382"/>
-          </a:xfrm>
-          <a:prstGeom prst="straightConnector1">
-            <a:avLst/>
-          </a:prstGeom>
-          <a:noFill/>
-          <a:ln w="19050" cap="flat" cmpd="sng">
-            <a:solidFill>
-              <a:schemeClr val="bg1">
-                <a:lumMod val="50000"/>
-              </a:schemeClr>
-            </a:solidFill>
-            <a:prstDash val="dash"/>
-            <a:miter lim="800000"/>
-            <a:headEnd type="none" w="med" len="med"/>
-            <a:tailEnd type="none" w="med" len="med"/>
-          </a:ln>
-        </p:spPr>
-      </p:cxnSp>
       <p:cxnSp>
         <p:nvCxnSpPr>
           <p:cNvPr id="194" name="Google Shape;122;gdea865f612_0_48">
@@ -18189,11 +18153,164 @@
         </p:nvCxnSpPr>
         <p:spPr>
           <a:xfrm rot="16200000" flipV="1">
-            <a:off x="4255460" y="4054215"/>
-            <a:ext cx="2215004" cy="318368"/>
+            <a:off x="4187616" y="4122059"/>
+            <a:ext cx="2222600" cy="190276"/>
           </a:xfrm>
           <a:prstGeom prst="bentConnector2">
             <a:avLst/>
+          </a:prstGeom>
+          <a:noFill/>
+          <a:ln w="19050" cap="flat" cmpd="sng">
+            <a:solidFill>
+              <a:schemeClr val="bg1">
+                <a:lumMod val="50000"/>
+              </a:schemeClr>
+            </a:solidFill>
+            <a:prstDash val="dash"/>
+            <a:miter lim="800000"/>
+            <a:headEnd type="none" w="med" len="med"/>
+            <a:tailEnd type="triangle" w="med" len="med"/>
+          </a:ln>
+        </p:spPr>
+      </p:cxnSp>
+      <p:cxnSp>
+        <p:nvCxnSpPr>
+          <p:cNvPr id="6" name="Google Shape;122;gdea865f612_0_48">
+            <a:extLst>
+              <a:ext uri="{FF2B5EF4-FFF2-40B4-BE49-F238E27FC236}">
+                <a16:creationId xmlns:a16="http://schemas.microsoft.com/office/drawing/2014/main" id="{03E6513F-D639-2770-487D-025C4951EB3D}"/>
+              </a:ext>
+            </a:extLst>
+          </p:cNvPr>
+          <p:cNvCxnSpPr>
+            <a:cxnSpLocks/>
+          </p:cNvCxnSpPr>
+          <p:nvPr/>
+        </p:nvCxnSpPr>
+        <p:spPr>
+          <a:xfrm rot="16200000" flipH="1">
+            <a:off x="7395201" y="2852032"/>
+            <a:ext cx="1489147" cy="3435890"/>
+          </a:xfrm>
+          <a:prstGeom prst="bentConnector3">
+            <a:avLst>
+              <a:gd name="adj1" fmla="val 77681"/>
+            </a:avLst>
+          </a:prstGeom>
+          <a:noFill/>
+          <a:ln w="19050" cap="flat" cmpd="sng">
+            <a:solidFill>
+              <a:schemeClr val="bg1">
+                <a:lumMod val="50000"/>
+              </a:schemeClr>
+            </a:solidFill>
+            <a:prstDash val="dash"/>
+            <a:miter lim="800000"/>
+            <a:headEnd type="triangle" w="med" len="med"/>
+            <a:tailEnd type="none" w="med" len="med"/>
+          </a:ln>
+        </p:spPr>
+      </p:cxnSp>
+      <p:cxnSp>
+        <p:nvCxnSpPr>
+          <p:cNvPr id="32" name="Google Shape;122;gdea865f612_0_48">
+            <a:extLst>
+              <a:ext uri="{FF2B5EF4-FFF2-40B4-BE49-F238E27FC236}">
+                <a16:creationId xmlns:a16="http://schemas.microsoft.com/office/drawing/2014/main" id="{C7A2BD17-7C80-93E8-ECF2-01C228B9FC26}"/>
+              </a:ext>
+            </a:extLst>
+          </p:cNvPr>
+          <p:cNvCxnSpPr>
+            <a:cxnSpLocks/>
+          </p:cNvCxnSpPr>
+          <p:nvPr/>
+        </p:nvCxnSpPr>
+        <p:spPr>
+          <a:xfrm rot="10800000">
+            <a:off x="8428946" y="2518953"/>
+            <a:ext cx="2112341" cy="1385742"/>
+          </a:xfrm>
+          <a:prstGeom prst="bentConnector3">
+            <a:avLst>
+              <a:gd name="adj1" fmla="val 44288"/>
+            </a:avLst>
+          </a:prstGeom>
+          <a:noFill/>
+          <a:ln w="19050" cap="flat" cmpd="sng">
+            <a:solidFill>
+              <a:schemeClr val="bg1">
+                <a:lumMod val="50000"/>
+              </a:schemeClr>
+            </a:solidFill>
+            <a:prstDash val="dash"/>
+            <a:miter lim="800000"/>
+            <a:headEnd type="triangle" w="med" len="med"/>
+            <a:tailEnd type="none" w="med" len="med"/>
+          </a:ln>
+        </p:spPr>
+      </p:cxnSp>
+      <p:cxnSp>
+        <p:nvCxnSpPr>
+          <p:cNvPr id="39" name="Google Shape;122;gdea865f612_0_48">
+            <a:extLst>
+              <a:ext uri="{FF2B5EF4-FFF2-40B4-BE49-F238E27FC236}">
+                <a16:creationId xmlns:a16="http://schemas.microsoft.com/office/drawing/2014/main" id="{AF47D618-9968-12D5-3D18-9A4CF7DC68C7}"/>
+              </a:ext>
+            </a:extLst>
+          </p:cNvPr>
+          <p:cNvCxnSpPr>
+            <a:cxnSpLocks/>
+            <a:endCxn id="49" idx="0"/>
+          </p:cNvCxnSpPr>
+          <p:nvPr/>
+        </p:nvCxnSpPr>
+        <p:spPr>
+          <a:xfrm rot="16200000" flipH="1">
+            <a:off x="5519506" y="4569213"/>
+            <a:ext cx="1489146" cy="1529"/>
+          </a:xfrm>
+          <a:prstGeom prst="bentConnector3">
+            <a:avLst>
+              <a:gd name="adj1" fmla="val 50000"/>
+            </a:avLst>
+          </a:prstGeom>
+          <a:noFill/>
+          <a:ln w="19050" cap="flat" cmpd="sng">
+            <a:solidFill>
+              <a:schemeClr val="bg1">
+                <a:lumMod val="50000"/>
+              </a:schemeClr>
+            </a:solidFill>
+            <a:prstDash val="dash"/>
+            <a:miter lim="800000"/>
+            <a:headEnd type="triangle" w="med" len="med"/>
+            <a:tailEnd type="none" w="med" len="med"/>
+          </a:ln>
+        </p:spPr>
+      </p:cxnSp>
+      <p:cxnSp>
+        <p:nvCxnSpPr>
+          <p:cNvPr id="53" name="Google Shape;122;gdea865f612_0_48">
+            <a:extLst>
+              <a:ext uri="{FF2B5EF4-FFF2-40B4-BE49-F238E27FC236}">
+                <a16:creationId xmlns:a16="http://schemas.microsoft.com/office/drawing/2014/main" id="{5AC9D5BB-CD7A-1CF6-8EA4-6E9AA7AFFFD1}"/>
+              </a:ext>
+            </a:extLst>
+          </p:cNvPr>
+          <p:cNvCxnSpPr>
+            <a:cxnSpLocks/>
+          </p:cNvCxnSpPr>
+          <p:nvPr/>
+        </p:nvCxnSpPr>
+        <p:spPr>
+          <a:xfrm rot="16200000" flipV="1">
+            <a:off x="4212788" y="3961202"/>
+            <a:ext cx="2677164" cy="5325"/>
+          </a:xfrm>
+          <a:prstGeom prst="bentConnector3">
+            <a:avLst>
+              <a:gd name="adj1" fmla="val 48933"/>
+            </a:avLst>
           </a:prstGeom>
           <a:noFill/>
           <a:ln w="19050" cap="flat" cmpd="sng">
@@ -18242,8 +18359,8 @@
         </p:nvSpPr>
         <p:spPr>
           <a:xfrm>
-            <a:off x="3274635" y="247830"/>
-            <a:ext cx="7310804" cy="4572191"/>
+            <a:off x="4540727" y="463827"/>
+            <a:ext cx="7310804" cy="6165573"/>
           </a:xfrm>
           <a:prstGeom prst="roundRect">
             <a:avLst>
@@ -18306,8 +18423,8 @@
         </p:nvSpPr>
         <p:spPr>
           <a:xfrm>
-            <a:off x="3712563" y="3238919"/>
-            <a:ext cx="1333721" cy="927544"/>
+            <a:off x="4970789" y="2382386"/>
+            <a:ext cx="1125212" cy="712506"/>
           </a:xfrm>
           <a:prstGeom prst="rect">
             <a:avLst/>
@@ -18349,7 +18466,7 @@
               <a:buNone/>
             </a:pPr>
             <a:r>
-              <a:rPr lang="en-US" sz="2200" b="1" i="0" u="none" strike="noStrike" cap="none">
+              <a:rPr lang="en-US" b="1" i="0" u="none" strike="noStrike" cap="none">
                 <a:solidFill>
                   <a:schemeClr val="lt1"/>
                 </a:solidFill>
@@ -18358,9 +18475,9 @@
                 <a:cs typeface="Arial"/>
                 <a:sym typeface="Arial"/>
               </a:rPr>
-              <a:t>Kyverno Service</a:t>
+              <a:t>Admission Controller Service</a:t>
             </a:r>
-            <a:endParaRPr sz="1200" b="1" i="0" u="none" strike="noStrike" cap="none">
+            <a:endParaRPr b="1" i="0" u="none" strike="noStrike" cap="none">
               <a:solidFill>
                 <a:schemeClr val="lt1"/>
               </a:solidFill>
@@ -18380,8 +18497,8 @@
         </p:nvSpPr>
         <p:spPr>
           <a:xfrm>
-            <a:off x="6272366" y="3296856"/>
-            <a:ext cx="1505171" cy="846948"/>
+            <a:off x="8392052" y="2302557"/>
+            <a:ext cx="1074679" cy="673407"/>
           </a:xfrm>
           <a:prstGeom prst="rect">
             <a:avLst/>
@@ -18454,8 +18571,8 @@
         </p:nvSpPr>
         <p:spPr>
           <a:xfrm>
-            <a:off x="6434624" y="3471915"/>
-            <a:ext cx="1505171" cy="846948"/>
+            <a:off x="8441952" y="2399953"/>
+            <a:ext cx="1074679" cy="673407"/>
           </a:xfrm>
           <a:prstGeom prst="rect">
             <a:avLst/>
@@ -18496,18 +18613,6 @@
               <a:buFont typeface="Arial"/>
               <a:buNone/>
             </a:pPr>
-            <a:r>
-              <a:rPr lang="en-US" sz="2400" b="1" i="0" u="none" strike="noStrike" cap="none">
-                <a:solidFill>
-                  <a:schemeClr val="lt1"/>
-                </a:solidFill>
-                <a:latin typeface="Arial"/>
-                <a:ea typeface="Arial"/>
-                <a:cs typeface="Arial"/>
-                <a:sym typeface="Arial"/>
-              </a:rPr>
-              <a:t>Pod</a:t>
-            </a:r>
             <a:endParaRPr sz="1400" b="1" i="0" u="none" strike="noStrike" cap="none">
               <a:solidFill>
                 <a:schemeClr val="lt1"/>
@@ -18528,8 +18633,8 @@
         </p:nvSpPr>
         <p:spPr>
           <a:xfrm>
-            <a:off x="6587024" y="3624315"/>
-            <a:ext cx="1505171" cy="846948"/>
+            <a:off x="8516800" y="2491630"/>
+            <a:ext cx="1106163" cy="673407"/>
           </a:xfrm>
           <a:prstGeom prst="rect">
             <a:avLst/>
@@ -18571,7 +18676,7 @@
               <a:buNone/>
             </a:pPr>
             <a:r>
-              <a:rPr lang="en-US" sz="2200" b="1" i="0" u="none" strike="noStrike" cap="none">
+              <a:rPr lang="en-US" b="1" i="0" u="none" strike="noStrike" cap="none">
                 <a:solidFill>
                   <a:schemeClr val="lt1"/>
                 </a:solidFill>
@@ -18580,9 +18685,9 @@
                 <a:cs typeface="Arial"/>
                 <a:sym typeface="Arial"/>
               </a:rPr>
-              <a:t>Kyverno Pod</a:t>
+              <a:t>Admission Controller Pod</a:t>
             </a:r>
-            <a:endParaRPr sz="2200" b="1" i="0" u="none" strike="noStrike" cap="none">
+            <a:endParaRPr b="1" i="0" u="none" strike="noStrike" cap="none">
               <a:solidFill>
                 <a:schemeClr val="lt1"/>
               </a:solidFill>
@@ -18602,7 +18707,7 @@
         </p:nvSpPr>
         <p:spPr>
           <a:xfrm>
-            <a:off x="1274053" y="3238919"/>
+            <a:off x="2578726" y="2274867"/>
             <a:ext cx="1333721" cy="927544"/>
           </a:xfrm>
           <a:prstGeom prst="rect">
@@ -18645,7 +18750,7 @@
               <a:buNone/>
             </a:pPr>
             <a:r>
-              <a:rPr lang="en-US" sz="2400" b="1" i="0" u="none" strike="noStrike" cap="none">
+              <a:rPr lang="en-US" sz="2000" b="1" i="0" u="none" strike="noStrike" cap="none">
                 <a:solidFill>
                   <a:schemeClr val="lt1"/>
                 </a:solidFill>
@@ -18656,7 +18761,7 @@
               </a:rPr>
               <a:t>API Server</a:t>
             </a:r>
-            <a:endParaRPr sz="1400" b="1" i="0" u="none" strike="noStrike" cap="none">
+            <a:endParaRPr sz="2000" b="1" i="0" u="none" strike="noStrike" cap="none">
               <a:solidFill>
                 <a:schemeClr val="lt1"/>
               </a:solidFill>
@@ -18672,6 +18777,7 @@
         <p:nvCxnSpPr>
           <p:cNvPr id="137" name="Google Shape;137;p2"/>
           <p:cNvCxnSpPr>
+            <a:cxnSpLocks/>
             <a:stCxn id="136" idx="3"/>
             <a:endCxn id="130" idx="1"/>
           </p:cNvCxnSpPr>
@@ -18679,8 +18785,8 @@
         </p:nvCxnSpPr>
         <p:spPr>
           <a:xfrm>
-            <a:off x="2607774" y="3702691"/>
-            <a:ext cx="1104900" cy="0"/>
+            <a:off x="3912447" y="2738639"/>
+            <a:ext cx="1058342" cy="0"/>
           </a:xfrm>
           <a:prstGeom prst="straightConnector1">
             <a:avLst/>
@@ -18701,15 +18807,16 @@
         <p:nvCxnSpPr>
           <p:cNvPr id="138" name="Google Shape;138;p2"/>
           <p:cNvCxnSpPr>
+            <a:cxnSpLocks/>
             <a:stCxn id="131" idx="1"/>
-            <a:endCxn id="130" idx="3"/>
+            <a:endCxn id="151" idx="3"/>
           </p:cNvCxnSpPr>
           <p:nvPr/>
         </p:nvCxnSpPr>
         <p:spPr>
-          <a:xfrm rot="10800000">
-            <a:off x="5046266" y="3702630"/>
-            <a:ext cx="1226100" cy="17700"/>
+          <a:xfrm flipH="1">
+            <a:off x="7897703" y="2639261"/>
+            <a:ext cx="494349" cy="99378"/>
           </a:xfrm>
           <a:prstGeom prst="straightConnector1">
             <a:avLst/>
@@ -18730,15 +18837,16 @@
         <p:nvCxnSpPr>
           <p:cNvPr id="139" name="Google Shape;139;p2"/>
           <p:cNvCxnSpPr>
+            <a:cxnSpLocks/>
             <a:stCxn id="132" idx="1"/>
-            <a:endCxn id="130" idx="3"/>
+            <a:endCxn id="151" idx="3"/>
           </p:cNvCxnSpPr>
           <p:nvPr/>
         </p:nvCxnSpPr>
         <p:spPr>
-          <a:xfrm rot="10800000">
-            <a:off x="5046224" y="3702789"/>
-            <a:ext cx="1388400" cy="192600"/>
+          <a:xfrm flipH="1">
+            <a:off x="7897703" y="2736657"/>
+            <a:ext cx="544249" cy="1982"/>
           </a:xfrm>
           <a:prstGeom prst="straightConnector1">
             <a:avLst/>
@@ -18759,15 +18867,16 @@
         <p:nvCxnSpPr>
           <p:cNvPr id="140" name="Google Shape;140;p2"/>
           <p:cNvCxnSpPr>
+            <a:cxnSpLocks/>
             <a:stCxn id="133" idx="1"/>
-            <a:endCxn id="130" idx="3"/>
+            <a:endCxn id="151" idx="3"/>
           </p:cNvCxnSpPr>
           <p:nvPr/>
         </p:nvCxnSpPr>
         <p:spPr>
-          <a:xfrm rot="10800000">
-            <a:off x="5046224" y="3702789"/>
-            <a:ext cx="1540800" cy="345000"/>
+          <a:xfrm flipH="1" flipV="1">
+            <a:off x="7897703" y="2738639"/>
+            <a:ext cx="619097" cy="89695"/>
           </a:xfrm>
           <a:prstGeom prst="straightConnector1">
             <a:avLst/>
@@ -18792,7 +18901,7 @@
         </p:nvSpPr>
         <p:spPr>
           <a:xfrm>
-            <a:off x="7327836" y="5044792"/>
+            <a:off x="283132" y="4929241"/>
             <a:ext cx="2725615" cy="374410"/>
           </a:xfrm>
           <a:prstGeom prst="rect">
@@ -18854,7 +18963,7 @@
         </p:nvSpPr>
         <p:spPr>
           <a:xfrm>
-            <a:off x="6805608" y="5779676"/>
+            <a:off x="354938" y="3546613"/>
             <a:ext cx="1242571" cy="414657"/>
           </a:xfrm>
           <a:prstGeom prst="rect">
@@ -18916,7 +19025,7 @@
         </p:nvSpPr>
         <p:spPr>
           <a:xfrm>
-            <a:off x="8254082" y="5767959"/>
+            <a:off x="315608" y="4210155"/>
             <a:ext cx="1978490" cy="414657"/>
           </a:xfrm>
           <a:prstGeom prst="rect">
@@ -18978,7 +19087,7 @@
         </p:nvSpPr>
         <p:spPr>
           <a:xfrm>
-            <a:off x="8609642" y="3526678"/>
+            <a:off x="9960730" y="4469916"/>
             <a:ext cx="1566794" cy="369301"/>
           </a:xfrm>
           <a:prstGeom prst="rect">
@@ -19052,7 +19161,7 @@
         </p:nvSpPr>
         <p:spPr>
           <a:xfrm>
-            <a:off x="8616608" y="3059198"/>
+            <a:off x="9967696" y="4002436"/>
             <a:ext cx="1552862" cy="369301"/>
           </a:xfrm>
           <a:prstGeom prst="rect">
@@ -19126,7 +19235,7 @@
         </p:nvSpPr>
         <p:spPr>
           <a:xfrm>
-            <a:off x="7432982" y="5150866"/>
+            <a:off x="388278" y="5035315"/>
             <a:ext cx="2725615" cy="374410"/>
           </a:xfrm>
           <a:prstGeom prst="rect">
@@ -19200,7 +19309,7 @@
         </p:nvSpPr>
         <p:spPr>
           <a:xfrm>
-            <a:off x="8369940" y="5874552"/>
+            <a:off x="431466" y="4316748"/>
             <a:ext cx="1978490" cy="414657"/>
           </a:xfrm>
           <a:prstGeom prst="rect">
@@ -19274,7 +19383,7 @@
         </p:nvSpPr>
         <p:spPr>
           <a:xfrm>
-            <a:off x="6903574" y="5874552"/>
+            <a:off x="452904" y="3641489"/>
             <a:ext cx="1242571" cy="414657"/>
           </a:xfrm>
           <a:prstGeom prst="rect">
@@ -19348,7 +19457,7 @@
         </p:nvSpPr>
         <p:spPr>
           <a:xfrm>
-            <a:off x="7766074" y="79477"/>
+            <a:off x="9032166" y="295474"/>
             <a:ext cx="2447400" cy="369300"/>
           </a:xfrm>
           <a:prstGeom prst="rect">
@@ -19416,7 +19525,7 @@
         </p:nvSpPr>
         <p:spPr>
           <a:xfrm>
-            <a:off x="8603291" y="3994158"/>
+            <a:off x="9954379" y="4937396"/>
             <a:ext cx="1566794" cy="369301"/>
           </a:xfrm>
           <a:prstGeom prst="rect">
@@ -19490,8 +19599,8 @@
         </p:nvSpPr>
         <p:spPr>
           <a:xfrm>
-            <a:off x="6129890" y="2448390"/>
-            <a:ext cx="2019046" cy="698649"/>
+            <a:off x="6691398" y="2401935"/>
+            <a:ext cx="1206305" cy="673407"/>
           </a:xfrm>
           <a:prstGeom prst="rect">
             <a:avLst/>
@@ -19533,7 +19642,7 @@
               <a:buNone/>
             </a:pPr>
             <a:r>
-              <a:rPr lang="en-US" sz="2200" b="1" i="0" u="none" strike="noStrike" cap="none">
+              <a:rPr lang="en-US" b="1" i="0" u="none" strike="noStrike" cap="none">
                 <a:solidFill>
                   <a:schemeClr val="lt1"/>
                 </a:solidFill>
@@ -19542,7 +19651,7 @@
                 <a:cs typeface="Arial"/>
                 <a:sym typeface="Arial"/>
               </a:rPr>
-              <a:t>Kyverno</a:t>
+              <a:t>Admission Controller</a:t>
             </a:r>
           </a:p>
           <a:p>
@@ -19564,7 +19673,7 @@
               <a:buNone/>
             </a:pPr>
             <a:r>
-              <a:rPr lang="en-US" sz="2200" b="1" i="0" u="none" strike="noStrike" cap="none">
+              <a:rPr lang="en-US" b="1" i="0" u="none" strike="noStrike" cap="none">
                 <a:solidFill>
                   <a:schemeClr val="lt1"/>
                 </a:solidFill>
@@ -19575,7 +19684,7 @@
               </a:rPr>
               <a:t>Deployment</a:t>
             </a:r>
-            <a:endParaRPr sz="1200" b="1" i="0" u="none" strike="noStrike" cap="none">
+            <a:endParaRPr b="1" i="0" u="none" strike="noStrike" cap="none">
               <a:solidFill>
                 <a:schemeClr val="lt1"/>
               </a:solidFill>
@@ -19594,8 +19703,8 @@
           <p:nvPr/>
         </p:nvSpPr>
         <p:spPr>
-          <a:xfrm>
-            <a:off x="10350479" y="4925748"/>
+          <a:xfrm rot="16200000">
+            <a:off x="795363" y="2401258"/>
             <a:ext cx="453711" cy="1684422"/>
           </a:xfrm>
           <a:prstGeom prst="rightBrace">
@@ -19653,7 +19762,7 @@
         </p:nvSpPr>
         <p:spPr>
           <a:xfrm>
-            <a:off x="10716824" y="5506349"/>
+            <a:off x="355010" y="2481585"/>
             <a:ext cx="1334417" cy="523220"/>
           </a:xfrm>
           <a:prstGeom prst="rect">
@@ -19670,7 +19779,7 @@
           </a:bodyPr>
           <a:lstStyle/>
           <a:p>
-            <a:pPr marL="0" marR="0" lvl="0" indent="0" algn="l" rtl="0">
+            <a:pPr marL="0" marR="0" lvl="0" indent="0" algn="ctr" rtl="0">
               <a:lnSpc>
                 <a:spcPct val="100000"/>
               </a:lnSpc>
@@ -19712,8 +19821,8 @@
         </p:nvSpPr>
         <p:spPr>
           <a:xfrm>
-            <a:off x="6010892" y="2330512"/>
-            <a:ext cx="2355080" cy="2312037"/>
+            <a:off x="6424202" y="2197845"/>
+            <a:ext cx="3314534" cy="1179264"/>
           </a:xfrm>
           <a:prstGeom prst="rect">
             <a:avLst/>
@@ -19759,8 +19868,8 @@
         </p:nvSpPr>
         <p:spPr>
           <a:xfrm>
-            <a:off x="3712502" y="1085687"/>
-            <a:ext cx="1333721" cy="927544"/>
+            <a:off x="4978594" y="1301684"/>
+            <a:ext cx="991383" cy="507979"/>
           </a:xfrm>
           <a:prstGeom prst="rect">
             <a:avLst/>
@@ -19802,38 +19911,7 @@
               <a:buNone/>
             </a:pPr>
             <a:r>
-              <a:rPr lang="en-US" sz="1800" b="1" i="0" u="none" strike="noStrike" cap="none">
-                <a:solidFill>
-                  <a:schemeClr val="lt1"/>
-                </a:solidFill>
-                <a:latin typeface="Arial"/>
-                <a:ea typeface="Arial"/>
-                <a:cs typeface="Arial"/>
-                <a:sym typeface="Arial"/>
-              </a:rPr>
-              <a:t>Kyverno</a:t>
-            </a:r>
-          </a:p>
-          <a:p>
-            <a:pPr marL="0" marR="0" lvl="0" indent="0" algn="ctr" rtl="0">
-              <a:lnSpc>
-                <a:spcPct val="100000"/>
-              </a:lnSpc>
-              <a:spcBef>
-                <a:spcPts val="0"/>
-              </a:spcBef>
-              <a:spcAft>
-                <a:spcPts val="0"/>
-              </a:spcAft>
-              <a:buClr>
-                <a:srgbClr val="000000"/>
-              </a:buClr>
-              <a:buSzPts val="2200"/>
-              <a:buFont typeface="Arial"/>
-              <a:buNone/>
-            </a:pPr>
-            <a:r>
-              <a:rPr lang="en-US" sz="1800" b="1">
+              <a:rPr lang="en-US" b="1">
                 <a:solidFill>
                   <a:schemeClr val="lt1"/>
                 </a:solidFill>
@@ -19841,7 +19919,7 @@
               <a:t>Cleanup</a:t>
             </a:r>
             <a:r>
-              <a:rPr lang="en-US" sz="1800" b="1" i="0" u="none" strike="noStrike" cap="none">
+              <a:rPr lang="en-US" b="1" i="0" u="none" strike="noStrike" cap="none">
                 <a:solidFill>
                   <a:schemeClr val="lt1"/>
                 </a:solidFill>
@@ -19852,7 +19930,7 @@
               </a:rPr>
               <a:t> Service</a:t>
             </a:r>
-            <a:endParaRPr sz="1050" b="1" i="0" u="none" strike="noStrike" cap="none">
+            <a:endParaRPr b="1" i="0" u="none" strike="noStrike" cap="none">
               <a:solidFill>
                 <a:schemeClr val="lt1"/>
               </a:solidFill>
@@ -19878,8 +19956,8 @@
         </p:nvSpPr>
         <p:spPr>
           <a:xfrm>
-            <a:off x="6349923" y="1441298"/>
-            <a:ext cx="1505171" cy="562466"/>
+            <a:off x="8491781" y="1277959"/>
+            <a:ext cx="917218" cy="411968"/>
           </a:xfrm>
           <a:prstGeom prst="rect">
             <a:avLst/>
@@ -19946,8 +20024,8 @@
         </p:nvSpPr>
         <p:spPr>
           <a:xfrm>
-            <a:off x="6129890" y="565856"/>
-            <a:ext cx="2019046" cy="820607"/>
+            <a:off x="6591800" y="1336037"/>
+            <a:ext cx="1282026" cy="453073"/>
           </a:xfrm>
           <a:prstGeom prst="rect">
             <a:avLst/>
@@ -19989,45 +20067,14 @@
               <a:buNone/>
             </a:pPr>
             <a:r>
-              <a:rPr lang="en-US" sz="1800" b="1" i="0" u="none" strike="noStrike" cap="none">
-                <a:solidFill>
-                  <a:schemeClr val="lt1"/>
-                </a:solidFill>
-                <a:latin typeface="Arial"/>
-                <a:ea typeface="Arial"/>
-                <a:cs typeface="Arial"/>
-                <a:sym typeface="Arial"/>
-              </a:rPr>
-              <a:t>Kyverno</a:t>
-            </a:r>
-          </a:p>
-          <a:p>
-            <a:pPr marL="0" marR="0" lvl="0" indent="0" algn="ctr" rtl="0">
-              <a:lnSpc>
-                <a:spcPct val="100000"/>
-              </a:lnSpc>
-              <a:spcBef>
-                <a:spcPts val="0"/>
-              </a:spcBef>
-              <a:spcAft>
-                <a:spcPts val="0"/>
-              </a:spcAft>
-              <a:buClr>
-                <a:srgbClr val="000000"/>
-              </a:buClr>
-              <a:buSzPts val="2200"/>
-              <a:buFont typeface="Arial"/>
-              <a:buNone/>
-            </a:pPr>
-            <a:r>
-              <a:rPr lang="en-US" sz="1800" b="1">
+              <a:rPr lang="en-US" b="1">
                 <a:solidFill>
                   <a:schemeClr val="lt1"/>
                 </a:solidFill>
               </a:rPr>
               <a:t>Cleanup</a:t>
             </a:r>
-            <a:endParaRPr lang="en-US" sz="1800" b="1" i="0" u="none" strike="noStrike" cap="none">
+            <a:endParaRPr lang="en-US" b="1" i="0" u="none" strike="noStrike" cap="none">
               <a:solidFill>
                 <a:schemeClr val="lt1"/>
               </a:solidFill>
@@ -20056,7 +20103,7 @@
               <a:buNone/>
             </a:pPr>
             <a:r>
-              <a:rPr lang="en-US" sz="1800" b="1" i="0" u="none" strike="noStrike" cap="none">
+              <a:rPr lang="en-US" b="1" i="0" u="none" strike="noStrike" cap="none">
                 <a:solidFill>
                   <a:schemeClr val="lt1"/>
                 </a:solidFill>
@@ -20067,7 +20114,7 @@
               </a:rPr>
               <a:t>Deployment</a:t>
             </a:r>
-            <a:endParaRPr sz="1050" b="1" i="0" u="none" strike="noStrike" cap="none">
+            <a:endParaRPr b="1" i="0" u="none" strike="noStrike" cap="none">
               <a:solidFill>
                 <a:schemeClr val="lt1"/>
               </a:solidFill>
@@ -20093,8 +20140,8 @@
         </p:nvSpPr>
         <p:spPr>
           <a:xfrm>
-            <a:off x="6009668" y="448777"/>
-            <a:ext cx="2355080" cy="1750061"/>
+            <a:off x="6428171" y="1161687"/>
+            <a:ext cx="3328757" cy="829231"/>
           </a:xfrm>
           <a:prstGeom prst="rect">
             <a:avLst/>
@@ -20137,15 +20184,15 @@
           </p:cNvPr>
           <p:cNvCxnSpPr>
             <a:cxnSpLocks/>
-            <a:stCxn id="3" idx="3"/>
+            <a:stCxn id="5" idx="3"/>
             <a:endCxn id="4" idx="1"/>
           </p:cNvCxnSpPr>
           <p:nvPr/>
         </p:nvCxnSpPr>
         <p:spPr>
-          <a:xfrm>
-            <a:off x="5046223" y="1549459"/>
-            <a:ext cx="1303700" cy="173072"/>
+          <a:xfrm flipV="1">
+            <a:off x="7873826" y="1483943"/>
+            <a:ext cx="617955" cy="78631"/>
           </a:xfrm>
           <a:prstGeom prst="straightConnector1">
             <a:avLst/>
@@ -20180,8 +20227,8 @@
         </p:nvCxnSpPr>
         <p:spPr>
           <a:xfrm rot="10800000" flipV="1">
-            <a:off x="1940914" y="1549459"/>
-            <a:ext cx="1771588" cy="1689460"/>
+            <a:off x="3245588" y="1555673"/>
+            <a:ext cx="1733007" cy="719193"/>
           </a:xfrm>
           <a:prstGeom prst="bentConnector2">
             <a:avLst/>
@@ -20212,7 +20259,7 @@
         </p:nvSpPr>
         <p:spPr>
           <a:xfrm>
-            <a:off x="8616608" y="2591718"/>
+            <a:off x="9967696" y="3534956"/>
             <a:ext cx="1552862" cy="369301"/>
           </a:xfrm>
           <a:prstGeom prst="rect">
@@ -20292,7 +20339,7 @@
         </p:nvSpPr>
         <p:spPr>
           <a:xfrm>
-            <a:off x="8616608" y="2124238"/>
+            <a:off x="9967696" y="3067476"/>
             <a:ext cx="1552862" cy="369301"/>
           </a:xfrm>
           <a:prstGeom prst="rect">
@@ -20372,7 +20419,7 @@
         </p:nvSpPr>
         <p:spPr>
           <a:xfrm>
-            <a:off x="8631339" y="1651346"/>
+            <a:off x="9982427" y="2594584"/>
             <a:ext cx="1552862" cy="369301"/>
           </a:xfrm>
           <a:prstGeom prst="rect">
@@ -20452,7 +20499,7 @@
         </p:nvSpPr>
         <p:spPr>
           <a:xfrm>
-            <a:off x="8623574" y="1183866"/>
+            <a:off x="9974662" y="2127104"/>
             <a:ext cx="1552862" cy="369301"/>
           </a:xfrm>
           <a:prstGeom prst="rect">
@@ -20532,7 +20579,7 @@
         </p:nvSpPr>
         <p:spPr>
           <a:xfrm>
-            <a:off x="8631339" y="716386"/>
+            <a:off x="9982427" y="1659624"/>
             <a:ext cx="1552862" cy="369301"/>
           </a:xfrm>
           <a:prstGeom prst="rect">
@@ -20612,8 +20659,8 @@
         </p:nvSpPr>
         <p:spPr>
           <a:xfrm>
-            <a:off x="6434231" y="1519929"/>
-            <a:ext cx="1505171" cy="562466"/>
+            <a:off x="8576089" y="1356590"/>
+            <a:ext cx="917218" cy="411968"/>
           </a:xfrm>
           <a:prstGeom prst="rect">
             <a:avLst/>
@@ -20680,8 +20727,8 @@
         </p:nvSpPr>
         <p:spPr>
           <a:xfrm>
-            <a:off x="6521700" y="1593668"/>
-            <a:ext cx="1505171" cy="562466"/>
+            <a:off x="8663558" y="1430329"/>
+            <a:ext cx="917218" cy="411968"/>
           </a:xfrm>
           <a:prstGeom prst="rect">
             <a:avLst/>
@@ -20723,7 +20770,7 @@
               <a:buNone/>
             </a:pPr>
             <a:r>
-              <a:rPr lang="en-US" sz="1800" b="1" i="0" u="none" strike="noStrike" cap="none">
+              <a:rPr lang="en-US" b="1" i="0" u="none" strike="noStrike" cap="none">
                 <a:solidFill>
                   <a:schemeClr val="lt1"/>
                 </a:solidFill>
@@ -20734,7 +20781,7 @@
               </a:rPr>
               <a:t>Cleanup Pod</a:t>
             </a:r>
-            <a:endParaRPr sz="1800" b="1" i="0" u="none" strike="noStrike" cap="none">
+            <a:endParaRPr b="1" i="0" u="none" strike="noStrike" cap="none">
               <a:solidFill>
                 <a:schemeClr val="lt1"/>
               </a:solidFill>
@@ -20757,15 +20804,15 @@
           </p:cNvPr>
           <p:cNvCxnSpPr>
             <a:cxnSpLocks/>
-            <a:stCxn id="3" idx="3"/>
+            <a:stCxn id="5" idx="3"/>
             <a:endCxn id="23" idx="1"/>
           </p:cNvCxnSpPr>
           <p:nvPr/>
         </p:nvCxnSpPr>
         <p:spPr>
           <a:xfrm>
-            <a:off x="5046223" y="1549459"/>
-            <a:ext cx="1388008" cy="251703"/>
+            <a:off x="7873826" y="1562574"/>
+            <a:ext cx="702263" cy="0"/>
           </a:xfrm>
           <a:prstGeom prst="straightConnector1">
             <a:avLst/>
@@ -20793,15 +20840,15 @@
           </p:cNvPr>
           <p:cNvCxnSpPr>
             <a:cxnSpLocks/>
-            <a:stCxn id="3" idx="3"/>
+            <a:stCxn id="5" idx="3"/>
             <a:endCxn id="22" idx="1"/>
           </p:cNvCxnSpPr>
           <p:nvPr/>
         </p:nvCxnSpPr>
         <p:spPr>
           <a:xfrm>
-            <a:off x="5046223" y="1549459"/>
-            <a:ext cx="1475477" cy="325442"/>
+            <a:off x="7873826" y="1562574"/>
+            <a:ext cx="789732" cy="73739"/>
           </a:xfrm>
           <a:prstGeom prst="straightConnector1">
             <a:avLst/>
@@ -20832,7 +20879,7 @@
         </p:nvSpPr>
         <p:spPr>
           <a:xfrm>
-            <a:off x="3437168" y="5064339"/>
+            <a:off x="264358" y="5519812"/>
             <a:ext cx="3150434" cy="408472"/>
           </a:xfrm>
           <a:prstGeom prst="rect">
@@ -20900,7 +20947,7 @@
         </p:nvSpPr>
         <p:spPr>
           <a:xfrm>
-            <a:off x="3427208" y="5793015"/>
+            <a:off x="254398" y="6248488"/>
             <a:ext cx="3150434" cy="408472"/>
           </a:xfrm>
           <a:prstGeom prst="rect">
@@ -20968,7 +21015,7 @@
         </p:nvSpPr>
         <p:spPr>
           <a:xfrm>
-            <a:off x="3525174" y="5862835"/>
+            <a:off x="352364" y="6318308"/>
             <a:ext cx="3150434" cy="408472"/>
           </a:xfrm>
           <a:prstGeom prst="rect">
@@ -21048,7 +21095,7 @@
         </p:nvSpPr>
         <p:spPr>
           <a:xfrm>
-            <a:off x="3513279" y="5152607"/>
+            <a:off x="340469" y="5608080"/>
             <a:ext cx="3150434" cy="408472"/>
           </a:xfrm>
           <a:prstGeom prst="rect">
@@ -21114,6 +21161,1124 @@
           </a:p>
         </p:txBody>
       </p:sp>
+      <p:cxnSp>
+        <p:nvCxnSpPr>
+          <p:cNvPr id="174" name="Google Shape;139;p2">
+            <a:extLst>
+              <a:ext uri="{FF2B5EF4-FFF2-40B4-BE49-F238E27FC236}">
+                <a16:creationId xmlns:a16="http://schemas.microsoft.com/office/drawing/2014/main" id="{7D39C663-1059-3E30-BCC6-5613A0EB1AE8}"/>
+              </a:ext>
+            </a:extLst>
+          </p:cNvPr>
+          <p:cNvCxnSpPr>
+            <a:cxnSpLocks/>
+            <a:stCxn id="5" idx="1"/>
+            <a:endCxn id="3" idx="3"/>
+          </p:cNvCxnSpPr>
+          <p:nvPr/>
+        </p:nvCxnSpPr>
+        <p:spPr>
+          <a:xfrm flipH="1" flipV="1">
+            <a:off x="5969977" y="1555674"/>
+            <a:ext cx="621823" cy="6900"/>
+          </a:xfrm>
+          <a:prstGeom prst="straightConnector1">
+            <a:avLst/>
+          </a:prstGeom>
+          <a:noFill/>
+          <a:ln w="19050" cap="flat" cmpd="sng">
+            <a:solidFill>
+              <a:schemeClr val="dk1"/>
+            </a:solidFill>
+            <a:prstDash val="solid"/>
+            <a:miter lim="800000"/>
+            <a:headEnd type="triangle" w="med" len="med"/>
+            <a:tailEnd type="none" w="med" len="med"/>
+          </a:ln>
+        </p:spPr>
+      </p:cxnSp>
+      <p:cxnSp>
+        <p:nvCxnSpPr>
+          <p:cNvPr id="183" name="Google Shape;139;p2">
+            <a:extLst>
+              <a:ext uri="{FF2B5EF4-FFF2-40B4-BE49-F238E27FC236}">
+                <a16:creationId xmlns:a16="http://schemas.microsoft.com/office/drawing/2014/main" id="{F4C02A81-6B6C-721B-9253-986EA4419DEA}"/>
+              </a:ext>
+            </a:extLst>
+          </p:cNvPr>
+          <p:cNvCxnSpPr>
+            <a:cxnSpLocks/>
+            <a:stCxn id="151" idx="1"/>
+            <a:endCxn id="130" idx="3"/>
+          </p:cNvCxnSpPr>
+          <p:nvPr/>
+        </p:nvCxnSpPr>
+        <p:spPr>
+          <a:xfrm flipH="1">
+            <a:off x="6096001" y="2738639"/>
+            <a:ext cx="595397" cy="0"/>
+          </a:xfrm>
+          <a:prstGeom prst="straightConnector1">
+            <a:avLst/>
+          </a:prstGeom>
+          <a:noFill/>
+          <a:ln w="19050" cap="flat" cmpd="sng">
+            <a:solidFill>
+              <a:schemeClr val="dk1"/>
+            </a:solidFill>
+            <a:prstDash val="solid"/>
+            <a:miter lim="800000"/>
+            <a:headEnd type="triangle" w="med" len="med"/>
+            <a:tailEnd type="none" w="med" len="med"/>
+          </a:ln>
+        </p:spPr>
+      </p:cxnSp>
+      <p:sp>
+        <p:nvSpPr>
+          <p:cNvPr id="206" name="Google Shape;133;p2">
+            <a:extLst>
+              <a:ext uri="{FF2B5EF4-FFF2-40B4-BE49-F238E27FC236}">
+                <a16:creationId xmlns:a16="http://schemas.microsoft.com/office/drawing/2014/main" id="{378FEDDD-791E-0098-AE40-B822B989F93F}"/>
+              </a:ext>
+            </a:extLst>
+          </p:cNvPr>
+          <p:cNvSpPr/>
+          <p:nvPr/>
+        </p:nvSpPr>
+        <p:spPr>
+          <a:xfrm>
+            <a:off x="8473589" y="3829595"/>
+            <a:ext cx="917218" cy="411968"/>
+          </a:xfrm>
+          <a:prstGeom prst="rect">
+            <a:avLst/>
+          </a:prstGeom>
+          <a:solidFill>
+            <a:srgbClr val="00B050"/>
+          </a:solidFill>
+          <a:ln w="12700" cap="flat" cmpd="sng">
+            <a:solidFill>
+              <a:srgbClr val="31538F"/>
+            </a:solidFill>
+            <a:prstDash val="solid"/>
+            <a:miter lim="800000"/>
+            <a:headEnd type="none" w="sm" len="sm"/>
+            <a:tailEnd type="none" w="sm" len="sm"/>
+          </a:ln>
+        </p:spPr>
+        <p:txBody>
+          <a:bodyPr spcFirstLastPara="1" wrap="square" lIns="91425" tIns="45700" rIns="91425" bIns="45700" anchor="ctr" anchorCtr="0">
+            <a:noAutofit/>
+          </a:bodyPr>
+          <a:lstStyle/>
+          <a:p>
+            <a:pPr marL="0" marR="0" lvl="0" indent="0" algn="ctr" rtl="0">
+              <a:lnSpc>
+                <a:spcPct val="100000"/>
+              </a:lnSpc>
+              <a:spcBef>
+                <a:spcPts val="0"/>
+              </a:spcBef>
+              <a:spcAft>
+                <a:spcPts val="0"/>
+              </a:spcAft>
+              <a:buClr>
+                <a:srgbClr val="000000"/>
+              </a:buClr>
+              <a:buSzPts val="2200"/>
+              <a:buFont typeface="Arial"/>
+              <a:buNone/>
+            </a:pPr>
+            <a:endParaRPr sz="1800" b="1" i="0" u="none" strike="noStrike" cap="none">
+              <a:solidFill>
+                <a:schemeClr val="lt1"/>
+              </a:solidFill>
+              <a:latin typeface="Arial"/>
+              <a:ea typeface="Arial"/>
+              <a:cs typeface="Arial"/>
+              <a:sym typeface="Arial"/>
+            </a:endParaRPr>
+          </a:p>
+        </p:txBody>
+      </p:sp>
+      <p:sp>
+        <p:nvSpPr>
+          <p:cNvPr id="207" name="Google Shape;151;p2">
+            <a:extLst>
+              <a:ext uri="{FF2B5EF4-FFF2-40B4-BE49-F238E27FC236}">
+                <a16:creationId xmlns:a16="http://schemas.microsoft.com/office/drawing/2014/main" id="{741D5F72-4436-F802-FD9F-BBB59D02E37E}"/>
+              </a:ext>
+            </a:extLst>
+          </p:cNvPr>
+          <p:cNvSpPr/>
+          <p:nvPr/>
+        </p:nvSpPr>
+        <p:spPr>
+          <a:xfrm>
+            <a:off x="6573608" y="3887673"/>
+            <a:ext cx="1282026" cy="453073"/>
+          </a:xfrm>
+          <a:prstGeom prst="rect">
+            <a:avLst/>
+          </a:prstGeom>
+          <a:solidFill>
+            <a:srgbClr val="00B050"/>
+          </a:solidFill>
+          <a:ln w="12700" cap="flat" cmpd="sng">
+            <a:solidFill>
+              <a:srgbClr val="31538F"/>
+            </a:solidFill>
+            <a:prstDash val="solid"/>
+            <a:miter lim="800000"/>
+            <a:headEnd type="none" w="sm" len="sm"/>
+            <a:tailEnd type="none" w="sm" len="sm"/>
+          </a:ln>
+        </p:spPr>
+        <p:txBody>
+          <a:bodyPr spcFirstLastPara="1" wrap="square" lIns="91425" tIns="45700" rIns="91425" bIns="45700" anchor="ctr" anchorCtr="0">
+            <a:noAutofit/>
+          </a:bodyPr>
+          <a:lstStyle/>
+          <a:p>
+            <a:pPr marL="0" marR="0" lvl="0" indent="0" algn="ctr" rtl="0">
+              <a:lnSpc>
+                <a:spcPct val="100000"/>
+              </a:lnSpc>
+              <a:spcBef>
+                <a:spcPts val="0"/>
+              </a:spcBef>
+              <a:spcAft>
+                <a:spcPts val="0"/>
+              </a:spcAft>
+              <a:buClr>
+                <a:srgbClr val="000000"/>
+              </a:buClr>
+              <a:buSzPts val="2200"/>
+              <a:buFont typeface="Arial"/>
+              <a:buNone/>
+            </a:pPr>
+            <a:r>
+              <a:rPr lang="en-US" b="1">
+                <a:solidFill>
+                  <a:schemeClr val="lt1"/>
+                </a:solidFill>
+              </a:rPr>
+              <a:t>Reports</a:t>
+            </a:r>
+            <a:endParaRPr lang="en-US" b="1" i="0" u="none" strike="noStrike" cap="none">
+              <a:solidFill>
+                <a:schemeClr val="lt1"/>
+              </a:solidFill>
+              <a:latin typeface="Arial"/>
+              <a:ea typeface="Arial"/>
+              <a:cs typeface="Arial"/>
+              <a:sym typeface="Arial"/>
+            </a:endParaRPr>
+          </a:p>
+          <a:p>
+            <a:pPr marL="0" marR="0" lvl="0" indent="0" algn="ctr" rtl="0">
+              <a:lnSpc>
+                <a:spcPct val="100000"/>
+              </a:lnSpc>
+              <a:spcBef>
+                <a:spcPts val="0"/>
+              </a:spcBef>
+              <a:spcAft>
+                <a:spcPts val="0"/>
+              </a:spcAft>
+              <a:buClr>
+                <a:srgbClr val="000000"/>
+              </a:buClr>
+              <a:buSzPts val="2200"/>
+              <a:buFont typeface="Arial"/>
+              <a:buNone/>
+            </a:pPr>
+            <a:r>
+              <a:rPr lang="en-US" b="1" i="0" u="none" strike="noStrike" cap="none">
+                <a:solidFill>
+                  <a:schemeClr val="lt1"/>
+                </a:solidFill>
+                <a:latin typeface="Arial"/>
+                <a:ea typeface="Arial"/>
+                <a:cs typeface="Arial"/>
+                <a:sym typeface="Arial"/>
+              </a:rPr>
+              <a:t>Deployment</a:t>
+            </a:r>
+            <a:endParaRPr b="1" i="0" u="none" strike="noStrike" cap="none">
+              <a:solidFill>
+                <a:schemeClr val="lt1"/>
+              </a:solidFill>
+              <a:latin typeface="Arial"/>
+              <a:ea typeface="Arial"/>
+              <a:cs typeface="Arial"/>
+              <a:sym typeface="Arial"/>
+            </a:endParaRPr>
+          </a:p>
+        </p:txBody>
+      </p:sp>
+      <p:sp>
+        <p:nvSpPr>
+          <p:cNvPr id="208" name="Rectangle 207">
+            <a:extLst>
+              <a:ext uri="{FF2B5EF4-FFF2-40B4-BE49-F238E27FC236}">
+                <a16:creationId xmlns:a16="http://schemas.microsoft.com/office/drawing/2014/main" id="{49CE36E8-EAF3-623E-2D04-5FCC4B9A7842}"/>
+              </a:ext>
+            </a:extLst>
+          </p:cNvPr>
+          <p:cNvSpPr/>
+          <p:nvPr/>
+        </p:nvSpPr>
+        <p:spPr>
+          <a:xfrm>
+            <a:off x="6409979" y="3713323"/>
+            <a:ext cx="3328757" cy="829231"/>
+          </a:xfrm>
+          <a:prstGeom prst="rect">
+            <a:avLst/>
+          </a:prstGeom>
+          <a:noFill/>
+        </p:spPr>
+        <p:style>
+          <a:lnRef idx="2">
+            <a:schemeClr val="accent1">
+              <a:shade val="50000"/>
+            </a:schemeClr>
+          </a:lnRef>
+          <a:fillRef idx="1">
+            <a:schemeClr val="accent1"/>
+          </a:fillRef>
+          <a:effectRef idx="0">
+            <a:schemeClr val="accent1"/>
+          </a:effectRef>
+          <a:fontRef idx="minor">
+            <a:schemeClr val="lt1"/>
+          </a:fontRef>
+        </p:style>
+        <p:txBody>
+          <a:bodyPr rtlCol="0" anchor="ctr"/>
+          <a:lstStyle/>
+          <a:p>
+            <a:pPr algn="ctr"/>
+            <a:endParaRPr lang="en-US"/>
+          </a:p>
+        </p:txBody>
+      </p:sp>
+      <p:cxnSp>
+        <p:nvCxnSpPr>
+          <p:cNvPr id="209" name="Google Shape;137;p2">
+            <a:extLst>
+              <a:ext uri="{FF2B5EF4-FFF2-40B4-BE49-F238E27FC236}">
+                <a16:creationId xmlns:a16="http://schemas.microsoft.com/office/drawing/2014/main" id="{07AD83EA-9757-39C2-1D96-2AD6D1F876B1}"/>
+              </a:ext>
+            </a:extLst>
+          </p:cNvPr>
+          <p:cNvCxnSpPr>
+            <a:cxnSpLocks/>
+            <a:stCxn id="207" idx="3"/>
+            <a:endCxn id="206" idx="1"/>
+          </p:cNvCxnSpPr>
+          <p:nvPr/>
+        </p:nvCxnSpPr>
+        <p:spPr>
+          <a:xfrm flipV="1">
+            <a:off x="7855634" y="4035579"/>
+            <a:ext cx="617955" cy="78631"/>
+          </a:xfrm>
+          <a:prstGeom prst="straightConnector1">
+            <a:avLst/>
+          </a:prstGeom>
+          <a:noFill/>
+          <a:ln w="19050" cap="flat" cmpd="sng">
+            <a:solidFill>
+              <a:schemeClr val="dk1"/>
+            </a:solidFill>
+            <a:prstDash val="solid"/>
+            <a:miter lim="800000"/>
+            <a:headEnd type="none" w="med" len="med"/>
+            <a:tailEnd type="triangle" w="med" len="med"/>
+          </a:ln>
+        </p:spPr>
+      </p:cxnSp>
+      <p:sp>
+        <p:nvSpPr>
+          <p:cNvPr id="210" name="Google Shape;133;p2">
+            <a:extLst>
+              <a:ext uri="{FF2B5EF4-FFF2-40B4-BE49-F238E27FC236}">
+                <a16:creationId xmlns:a16="http://schemas.microsoft.com/office/drawing/2014/main" id="{FF35BDA5-472B-5D9E-0CBD-C20EF30101E2}"/>
+              </a:ext>
+            </a:extLst>
+          </p:cNvPr>
+          <p:cNvSpPr/>
+          <p:nvPr/>
+        </p:nvSpPr>
+        <p:spPr>
+          <a:xfrm>
+            <a:off x="8557897" y="3908226"/>
+            <a:ext cx="917218" cy="411968"/>
+          </a:xfrm>
+          <a:prstGeom prst="rect">
+            <a:avLst/>
+          </a:prstGeom>
+          <a:solidFill>
+            <a:srgbClr val="00B050"/>
+          </a:solidFill>
+          <a:ln w="12700" cap="flat" cmpd="sng">
+            <a:solidFill>
+              <a:srgbClr val="31538F"/>
+            </a:solidFill>
+            <a:prstDash val="solid"/>
+            <a:miter lim="800000"/>
+            <a:headEnd type="none" w="sm" len="sm"/>
+            <a:tailEnd type="none" w="sm" len="sm"/>
+          </a:ln>
+        </p:spPr>
+        <p:txBody>
+          <a:bodyPr spcFirstLastPara="1" wrap="square" lIns="91425" tIns="45700" rIns="91425" bIns="45700" anchor="ctr" anchorCtr="0">
+            <a:noAutofit/>
+          </a:bodyPr>
+          <a:lstStyle/>
+          <a:p>
+            <a:pPr marL="0" marR="0" lvl="0" indent="0" algn="ctr" rtl="0">
+              <a:lnSpc>
+                <a:spcPct val="100000"/>
+              </a:lnSpc>
+              <a:spcBef>
+                <a:spcPts val="0"/>
+              </a:spcBef>
+              <a:spcAft>
+                <a:spcPts val="0"/>
+              </a:spcAft>
+              <a:buClr>
+                <a:srgbClr val="000000"/>
+              </a:buClr>
+              <a:buSzPts val="2200"/>
+              <a:buFont typeface="Arial"/>
+              <a:buNone/>
+            </a:pPr>
+            <a:endParaRPr sz="1800" b="1" i="0" u="none" strike="noStrike" cap="none">
+              <a:solidFill>
+                <a:schemeClr val="lt1"/>
+              </a:solidFill>
+              <a:latin typeface="Arial"/>
+              <a:ea typeface="Arial"/>
+              <a:cs typeface="Arial"/>
+              <a:sym typeface="Arial"/>
+            </a:endParaRPr>
+          </a:p>
+        </p:txBody>
+      </p:sp>
+      <p:sp>
+        <p:nvSpPr>
+          <p:cNvPr id="211" name="Google Shape;133;p2">
+            <a:extLst>
+              <a:ext uri="{FF2B5EF4-FFF2-40B4-BE49-F238E27FC236}">
+                <a16:creationId xmlns:a16="http://schemas.microsoft.com/office/drawing/2014/main" id="{96FA9F33-90F4-2AAA-8849-1318A31944B3}"/>
+              </a:ext>
+            </a:extLst>
+          </p:cNvPr>
+          <p:cNvSpPr/>
+          <p:nvPr/>
+        </p:nvSpPr>
+        <p:spPr>
+          <a:xfrm>
+            <a:off x="8645366" y="3981965"/>
+            <a:ext cx="917218" cy="411968"/>
+          </a:xfrm>
+          <a:prstGeom prst="rect">
+            <a:avLst/>
+          </a:prstGeom>
+          <a:solidFill>
+            <a:srgbClr val="00B050"/>
+          </a:solidFill>
+          <a:ln w="12700" cap="flat" cmpd="sng">
+            <a:solidFill>
+              <a:srgbClr val="31538F"/>
+            </a:solidFill>
+            <a:prstDash val="solid"/>
+            <a:miter lim="800000"/>
+            <a:headEnd type="none" w="sm" len="sm"/>
+            <a:tailEnd type="none" w="sm" len="sm"/>
+          </a:ln>
+        </p:spPr>
+        <p:txBody>
+          <a:bodyPr spcFirstLastPara="1" wrap="square" lIns="91425" tIns="45700" rIns="91425" bIns="45700" anchor="ctr" anchorCtr="0">
+            <a:noAutofit/>
+          </a:bodyPr>
+          <a:lstStyle/>
+          <a:p>
+            <a:pPr marL="0" marR="0" lvl="0" indent="0" algn="ctr" rtl="0">
+              <a:lnSpc>
+                <a:spcPct val="100000"/>
+              </a:lnSpc>
+              <a:spcBef>
+                <a:spcPts val="0"/>
+              </a:spcBef>
+              <a:spcAft>
+                <a:spcPts val="0"/>
+              </a:spcAft>
+              <a:buClr>
+                <a:srgbClr val="000000"/>
+              </a:buClr>
+              <a:buSzPts val="2200"/>
+              <a:buFont typeface="Arial"/>
+              <a:buNone/>
+            </a:pPr>
+            <a:r>
+              <a:rPr lang="en-US" b="1" i="0" u="none" strike="noStrike" cap="none">
+                <a:solidFill>
+                  <a:schemeClr val="lt1"/>
+                </a:solidFill>
+                <a:latin typeface="Arial"/>
+                <a:ea typeface="Arial"/>
+                <a:cs typeface="Arial"/>
+                <a:sym typeface="Arial"/>
+              </a:rPr>
+              <a:t>Reports Pod</a:t>
+            </a:r>
+            <a:endParaRPr b="1" i="0" u="none" strike="noStrike" cap="none">
+              <a:solidFill>
+                <a:schemeClr val="lt1"/>
+              </a:solidFill>
+              <a:latin typeface="Arial"/>
+              <a:ea typeface="Arial"/>
+              <a:cs typeface="Arial"/>
+              <a:sym typeface="Arial"/>
+            </a:endParaRPr>
+          </a:p>
+        </p:txBody>
+      </p:sp>
+      <p:cxnSp>
+        <p:nvCxnSpPr>
+          <p:cNvPr id="212" name="Google Shape;137;p2">
+            <a:extLst>
+              <a:ext uri="{FF2B5EF4-FFF2-40B4-BE49-F238E27FC236}">
+                <a16:creationId xmlns:a16="http://schemas.microsoft.com/office/drawing/2014/main" id="{36AB902F-C65F-85CC-5CE1-3D96B3E3E3FD}"/>
+              </a:ext>
+            </a:extLst>
+          </p:cNvPr>
+          <p:cNvCxnSpPr>
+            <a:cxnSpLocks/>
+            <a:stCxn id="207" idx="3"/>
+            <a:endCxn id="210" idx="1"/>
+          </p:cNvCxnSpPr>
+          <p:nvPr/>
+        </p:nvCxnSpPr>
+        <p:spPr>
+          <a:xfrm>
+            <a:off x="7855634" y="4114210"/>
+            <a:ext cx="702263" cy="0"/>
+          </a:xfrm>
+          <a:prstGeom prst="straightConnector1">
+            <a:avLst/>
+          </a:prstGeom>
+          <a:noFill/>
+          <a:ln w="19050" cap="flat" cmpd="sng">
+            <a:solidFill>
+              <a:schemeClr val="dk1"/>
+            </a:solidFill>
+            <a:prstDash val="solid"/>
+            <a:miter lim="800000"/>
+            <a:headEnd type="none" w="med" len="med"/>
+            <a:tailEnd type="triangle" w="med" len="med"/>
+          </a:ln>
+        </p:spPr>
+      </p:cxnSp>
+      <p:cxnSp>
+        <p:nvCxnSpPr>
+          <p:cNvPr id="213" name="Google Shape;137;p2">
+            <a:extLst>
+              <a:ext uri="{FF2B5EF4-FFF2-40B4-BE49-F238E27FC236}">
+                <a16:creationId xmlns:a16="http://schemas.microsoft.com/office/drawing/2014/main" id="{1CB07AFF-51FF-8063-EC5D-03EA3FA50EEA}"/>
+              </a:ext>
+            </a:extLst>
+          </p:cNvPr>
+          <p:cNvCxnSpPr>
+            <a:cxnSpLocks/>
+            <a:stCxn id="207" idx="3"/>
+            <a:endCxn id="211" idx="1"/>
+          </p:cNvCxnSpPr>
+          <p:nvPr/>
+        </p:nvCxnSpPr>
+        <p:spPr>
+          <a:xfrm>
+            <a:off x="7855634" y="4114210"/>
+            <a:ext cx="789732" cy="73739"/>
+          </a:xfrm>
+          <a:prstGeom prst="straightConnector1">
+            <a:avLst/>
+          </a:prstGeom>
+          <a:noFill/>
+          <a:ln w="19050" cap="flat" cmpd="sng">
+            <a:solidFill>
+              <a:schemeClr val="dk1"/>
+            </a:solidFill>
+            <a:prstDash val="solid"/>
+            <a:miter lim="800000"/>
+            <a:headEnd type="none" w="med" len="med"/>
+            <a:tailEnd type="triangle" w="med" len="med"/>
+          </a:ln>
+        </p:spPr>
+      </p:cxnSp>
+      <p:sp>
+        <p:nvSpPr>
+          <p:cNvPr id="217" name="Google Shape;151;p2">
+            <a:extLst>
+              <a:ext uri="{FF2B5EF4-FFF2-40B4-BE49-F238E27FC236}">
+                <a16:creationId xmlns:a16="http://schemas.microsoft.com/office/drawing/2014/main" id="{B15F36A7-C1DE-6E03-E44F-6CFC51BC3671}"/>
+              </a:ext>
+            </a:extLst>
+          </p:cNvPr>
+          <p:cNvSpPr/>
+          <p:nvPr/>
+        </p:nvSpPr>
+        <p:spPr>
+          <a:xfrm>
+            <a:off x="6600399" y="4991542"/>
+            <a:ext cx="1282026" cy="453073"/>
+          </a:xfrm>
+          <a:prstGeom prst="rect">
+            <a:avLst/>
+          </a:prstGeom>
+          <a:solidFill>
+            <a:srgbClr val="FF0000"/>
+          </a:solidFill>
+          <a:ln w="12700" cap="flat" cmpd="sng">
+            <a:solidFill>
+              <a:srgbClr val="31538F"/>
+            </a:solidFill>
+            <a:prstDash val="solid"/>
+            <a:miter lim="800000"/>
+            <a:headEnd type="none" w="sm" len="sm"/>
+            <a:tailEnd type="none" w="sm" len="sm"/>
+          </a:ln>
+        </p:spPr>
+        <p:txBody>
+          <a:bodyPr spcFirstLastPara="1" wrap="square" lIns="91425" tIns="45700" rIns="91425" bIns="45700" anchor="ctr" anchorCtr="0">
+            <a:noAutofit/>
+          </a:bodyPr>
+          <a:lstStyle/>
+          <a:p>
+            <a:pPr marL="0" marR="0" lvl="0" indent="0" algn="ctr" rtl="0">
+              <a:lnSpc>
+                <a:spcPct val="100000"/>
+              </a:lnSpc>
+              <a:spcBef>
+                <a:spcPts val="0"/>
+              </a:spcBef>
+              <a:spcAft>
+                <a:spcPts val="0"/>
+              </a:spcAft>
+              <a:buClr>
+                <a:srgbClr val="000000"/>
+              </a:buClr>
+              <a:buSzPts val="2200"/>
+              <a:buFont typeface="Arial"/>
+              <a:buNone/>
+            </a:pPr>
+            <a:r>
+              <a:rPr lang="en-US" b="1">
+                <a:solidFill>
+                  <a:schemeClr val="lt1"/>
+                </a:solidFill>
+              </a:rPr>
+              <a:t>Background</a:t>
+            </a:r>
+            <a:endParaRPr lang="en-US" b="1" i="0" u="none" strike="noStrike" cap="none">
+              <a:solidFill>
+                <a:schemeClr val="lt1"/>
+              </a:solidFill>
+              <a:latin typeface="Arial"/>
+              <a:ea typeface="Arial"/>
+              <a:cs typeface="Arial"/>
+              <a:sym typeface="Arial"/>
+            </a:endParaRPr>
+          </a:p>
+          <a:p>
+            <a:pPr marL="0" marR="0" lvl="0" indent="0" algn="ctr" rtl="0">
+              <a:lnSpc>
+                <a:spcPct val="100000"/>
+              </a:lnSpc>
+              <a:spcBef>
+                <a:spcPts val="0"/>
+              </a:spcBef>
+              <a:spcAft>
+                <a:spcPts val="0"/>
+              </a:spcAft>
+              <a:buClr>
+                <a:srgbClr val="000000"/>
+              </a:buClr>
+              <a:buSzPts val="2200"/>
+              <a:buFont typeface="Arial"/>
+              <a:buNone/>
+            </a:pPr>
+            <a:r>
+              <a:rPr lang="en-US" b="1" i="0" u="none" strike="noStrike" cap="none">
+                <a:solidFill>
+                  <a:schemeClr val="lt1"/>
+                </a:solidFill>
+                <a:latin typeface="Arial"/>
+                <a:ea typeface="Arial"/>
+                <a:cs typeface="Arial"/>
+                <a:sym typeface="Arial"/>
+              </a:rPr>
+              <a:t>Deployment</a:t>
+            </a:r>
+            <a:endParaRPr b="1" i="0" u="none" strike="noStrike" cap="none">
+              <a:solidFill>
+                <a:schemeClr val="lt1"/>
+              </a:solidFill>
+              <a:latin typeface="Arial"/>
+              <a:ea typeface="Arial"/>
+              <a:cs typeface="Arial"/>
+              <a:sym typeface="Arial"/>
+            </a:endParaRPr>
+          </a:p>
+        </p:txBody>
+      </p:sp>
+      <p:sp>
+        <p:nvSpPr>
+          <p:cNvPr id="218" name="Rectangle 217">
+            <a:extLst>
+              <a:ext uri="{FF2B5EF4-FFF2-40B4-BE49-F238E27FC236}">
+                <a16:creationId xmlns:a16="http://schemas.microsoft.com/office/drawing/2014/main" id="{91F1F6DB-B5C9-B530-1B51-4FB19DE9D8FF}"/>
+              </a:ext>
+            </a:extLst>
+          </p:cNvPr>
+          <p:cNvSpPr/>
+          <p:nvPr/>
+        </p:nvSpPr>
+        <p:spPr>
+          <a:xfrm>
+            <a:off x="6436770" y="4817192"/>
+            <a:ext cx="3328757" cy="829231"/>
+          </a:xfrm>
+          <a:prstGeom prst="rect">
+            <a:avLst/>
+          </a:prstGeom>
+          <a:noFill/>
+        </p:spPr>
+        <p:style>
+          <a:lnRef idx="2">
+            <a:schemeClr val="accent1">
+              <a:shade val="50000"/>
+            </a:schemeClr>
+          </a:lnRef>
+          <a:fillRef idx="1">
+            <a:schemeClr val="accent1"/>
+          </a:fillRef>
+          <a:effectRef idx="0">
+            <a:schemeClr val="accent1"/>
+          </a:effectRef>
+          <a:fontRef idx="minor">
+            <a:schemeClr val="lt1"/>
+          </a:fontRef>
+        </p:style>
+        <p:txBody>
+          <a:bodyPr rtlCol="0" anchor="ctr"/>
+          <a:lstStyle/>
+          <a:p>
+            <a:pPr algn="ctr"/>
+            <a:endParaRPr lang="en-US"/>
+          </a:p>
+        </p:txBody>
+      </p:sp>
+      <p:cxnSp>
+        <p:nvCxnSpPr>
+          <p:cNvPr id="219" name="Google Shape;137;p2">
+            <a:extLst>
+              <a:ext uri="{FF2B5EF4-FFF2-40B4-BE49-F238E27FC236}">
+                <a16:creationId xmlns:a16="http://schemas.microsoft.com/office/drawing/2014/main" id="{96199D86-EF9E-AF67-093D-5CD94D4FB1B8}"/>
+              </a:ext>
+            </a:extLst>
+          </p:cNvPr>
+          <p:cNvCxnSpPr>
+            <a:cxnSpLocks/>
+            <a:stCxn id="217" idx="3"/>
+            <a:endCxn id="229" idx="1"/>
+          </p:cNvCxnSpPr>
+          <p:nvPr/>
+        </p:nvCxnSpPr>
+        <p:spPr>
+          <a:xfrm flipV="1">
+            <a:off x="7882425" y="5149992"/>
+            <a:ext cx="474810" cy="68087"/>
+          </a:xfrm>
+          <a:prstGeom prst="straightConnector1">
+            <a:avLst/>
+          </a:prstGeom>
+          <a:noFill/>
+          <a:ln w="19050" cap="flat" cmpd="sng">
+            <a:solidFill>
+              <a:schemeClr val="dk1"/>
+            </a:solidFill>
+            <a:prstDash val="solid"/>
+            <a:miter lim="800000"/>
+            <a:headEnd type="none" w="med" len="med"/>
+            <a:tailEnd type="triangle" w="med" len="med"/>
+          </a:ln>
+        </p:spPr>
+      </p:cxnSp>
+      <p:sp>
+        <p:nvSpPr>
+          <p:cNvPr id="229" name="Google Shape;133;p2">
+            <a:extLst>
+              <a:ext uri="{FF2B5EF4-FFF2-40B4-BE49-F238E27FC236}">
+                <a16:creationId xmlns:a16="http://schemas.microsoft.com/office/drawing/2014/main" id="{49D430D6-56DE-121D-C1B3-401047DF8BF9}"/>
+              </a:ext>
+            </a:extLst>
+          </p:cNvPr>
+          <p:cNvSpPr/>
+          <p:nvPr/>
+        </p:nvSpPr>
+        <p:spPr>
+          <a:xfrm>
+            <a:off x="8357235" y="4944008"/>
+            <a:ext cx="1238355" cy="411968"/>
+          </a:xfrm>
+          <a:prstGeom prst="rect">
+            <a:avLst/>
+          </a:prstGeom>
+          <a:solidFill>
+            <a:srgbClr val="FF0000"/>
+          </a:solidFill>
+          <a:ln w="12700" cap="flat" cmpd="sng">
+            <a:solidFill>
+              <a:srgbClr val="31538F"/>
+            </a:solidFill>
+            <a:prstDash val="solid"/>
+            <a:miter lim="800000"/>
+            <a:headEnd type="none" w="sm" len="sm"/>
+            <a:tailEnd type="none" w="sm" len="sm"/>
+          </a:ln>
+        </p:spPr>
+        <p:txBody>
+          <a:bodyPr spcFirstLastPara="1" wrap="square" lIns="91425" tIns="45700" rIns="91425" bIns="45700" anchor="ctr" anchorCtr="0">
+            <a:noAutofit/>
+          </a:bodyPr>
+          <a:lstStyle/>
+          <a:p>
+            <a:pPr marL="0" marR="0" lvl="0" indent="0" algn="ctr" rtl="0">
+              <a:lnSpc>
+                <a:spcPct val="100000"/>
+              </a:lnSpc>
+              <a:spcBef>
+                <a:spcPts val="0"/>
+              </a:spcBef>
+              <a:spcAft>
+                <a:spcPts val="0"/>
+              </a:spcAft>
+              <a:buClr>
+                <a:srgbClr val="000000"/>
+              </a:buClr>
+              <a:buSzPts val="2200"/>
+              <a:buFont typeface="Arial"/>
+              <a:buNone/>
+            </a:pPr>
+            <a:endParaRPr b="1" i="0" u="none" strike="noStrike" cap="none">
+              <a:solidFill>
+                <a:schemeClr val="lt1"/>
+              </a:solidFill>
+              <a:latin typeface="Arial"/>
+              <a:ea typeface="Arial"/>
+              <a:cs typeface="Arial"/>
+              <a:sym typeface="Arial"/>
+            </a:endParaRPr>
+          </a:p>
+        </p:txBody>
+      </p:sp>
+      <p:sp>
+        <p:nvSpPr>
+          <p:cNvPr id="230" name="Google Shape;133;p2">
+            <a:extLst>
+              <a:ext uri="{FF2B5EF4-FFF2-40B4-BE49-F238E27FC236}">
+                <a16:creationId xmlns:a16="http://schemas.microsoft.com/office/drawing/2014/main" id="{1D37DE63-1FD4-F9EC-9778-5A9B3388201E}"/>
+              </a:ext>
+            </a:extLst>
+          </p:cNvPr>
+          <p:cNvSpPr/>
+          <p:nvPr/>
+        </p:nvSpPr>
+        <p:spPr>
+          <a:xfrm>
+            <a:off x="8424730" y="5012094"/>
+            <a:ext cx="1238355" cy="411968"/>
+          </a:xfrm>
+          <a:prstGeom prst="rect">
+            <a:avLst/>
+          </a:prstGeom>
+          <a:solidFill>
+            <a:srgbClr val="FF0000"/>
+          </a:solidFill>
+          <a:ln w="12700" cap="flat" cmpd="sng">
+            <a:solidFill>
+              <a:srgbClr val="31538F"/>
+            </a:solidFill>
+            <a:prstDash val="solid"/>
+            <a:miter lim="800000"/>
+            <a:headEnd type="none" w="sm" len="sm"/>
+            <a:tailEnd type="none" w="sm" len="sm"/>
+          </a:ln>
+        </p:spPr>
+        <p:txBody>
+          <a:bodyPr spcFirstLastPara="1" wrap="square" lIns="91425" tIns="45700" rIns="91425" bIns="45700" anchor="ctr" anchorCtr="0">
+            <a:noAutofit/>
+          </a:bodyPr>
+          <a:lstStyle/>
+          <a:p>
+            <a:pPr marL="0" marR="0" lvl="0" indent="0" algn="ctr" rtl="0">
+              <a:lnSpc>
+                <a:spcPct val="100000"/>
+              </a:lnSpc>
+              <a:spcBef>
+                <a:spcPts val="0"/>
+              </a:spcBef>
+              <a:spcAft>
+                <a:spcPts val="0"/>
+              </a:spcAft>
+              <a:buClr>
+                <a:srgbClr val="000000"/>
+              </a:buClr>
+              <a:buSzPts val="2200"/>
+              <a:buFont typeface="Arial"/>
+              <a:buNone/>
+            </a:pPr>
+            <a:endParaRPr b="1" i="0" u="none" strike="noStrike" cap="none">
+              <a:solidFill>
+                <a:schemeClr val="lt1"/>
+              </a:solidFill>
+              <a:latin typeface="Arial"/>
+              <a:ea typeface="Arial"/>
+              <a:cs typeface="Arial"/>
+              <a:sym typeface="Arial"/>
+            </a:endParaRPr>
+          </a:p>
+        </p:txBody>
+      </p:sp>
+      <p:sp>
+        <p:nvSpPr>
+          <p:cNvPr id="221" name="Google Shape;133;p2">
+            <a:extLst>
+              <a:ext uri="{FF2B5EF4-FFF2-40B4-BE49-F238E27FC236}">
+                <a16:creationId xmlns:a16="http://schemas.microsoft.com/office/drawing/2014/main" id="{FAFF8400-BF40-9060-48A2-6A0A575008CA}"/>
+              </a:ext>
+            </a:extLst>
+          </p:cNvPr>
+          <p:cNvSpPr/>
+          <p:nvPr/>
+        </p:nvSpPr>
+        <p:spPr>
+          <a:xfrm>
+            <a:off x="8491781" y="5076728"/>
+            <a:ext cx="1238355" cy="411968"/>
+          </a:xfrm>
+          <a:prstGeom prst="rect">
+            <a:avLst/>
+          </a:prstGeom>
+          <a:solidFill>
+            <a:srgbClr val="FF0000"/>
+          </a:solidFill>
+          <a:ln w="12700" cap="flat" cmpd="sng">
+            <a:solidFill>
+              <a:srgbClr val="31538F"/>
+            </a:solidFill>
+            <a:prstDash val="solid"/>
+            <a:miter lim="800000"/>
+            <a:headEnd type="none" w="sm" len="sm"/>
+            <a:tailEnd type="none" w="sm" len="sm"/>
+          </a:ln>
+        </p:spPr>
+        <p:txBody>
+          <a:bodyPr spcFirstLastPara="1" wrap="square" lIns="91425" tIns="45700" rIns="91425" bIns="45700" anchor="ctr" anchorCtr="0">
+            <a:noAutofit/>
+          </a:bodyPr>
+          <a:lstStyle/>
+          <a:p>
+            <a:pPr marL="0" marR="0" lvl="0" indent="0" algn="ctr" rtl="0">
+              <a:lnSpc>
+                <a:spcPct val="100000"/>
+              </a:lnSpc>
+              <a:spcBef>
+                <a:spcPts val="0"/>
+              </a:spcBef>
+              <a:spcAft>
+                <a:spcPts val="0"/>
+              </a:spcAft>
+              <a:buClr>
+                <a:srgbClr val="000000"/>
+              </a:buClr>
+              <a:buSzPts val="2200"/>
+              <a:buFont typeface="Arial"/>
+              <a:buNone/>
+            </a:pPr>
+            <a:r>
+              <a:rPr lang="en-US" b="1" i="0" u="none" strike="noStrike" cap="none">
+                <a:solidFill>
+                  <a:schemeClr val="lt1"/>
+                </a:solidFill>
+                <a:latin typeface="Arial"/>
+                <a:ea typeface="Arial"/>
+                <a:cs typeface="Arial"/>
+                <a:sym typeface="Arial"/>
+              </a:rPr>
+              <a:t>Background Pod</a:t>
+            </a:r>
+            <a:endParaRPr b="1" i="0" u="none" strike="noStrike" cap="none">
+              <a:solidFill>
+                <a:schemeClr val="lt1"/>
+              </a:solidFill>
+              <a:latin typeface="Arial"/>
+              <a:ea typeface="Arial"/>
+              <a:cs typeface="Arial"/>
+              <a:sym typeface="Arial"/>
+            </a:endParaRPr>
+          </a:p>
+        </p:txBody>
+      </p:sp>
+      <p:cxnSp>
+        <p:nvCxnSpPr>
+          <p:cNvPr id="233" name="Google Shape;137;p2">
+            <a:extLst>
+              <a:ext uri="{FF2B5EF4-FFF2-40B4-BE49-F238E27FC236}">
+                <a16:creationId xmlns:a16="http://schemas.microsoft.com/office/drawing/2014/main" id="{82E38202-C593-10AD-668A-AC8392AAA237}"/>
+              </a:ext>
+            </a:extLst>
+          </p:cNvPr>
+          <p:cNvCxnSpPr>
+            <a:cxnSpLocks/>
+            <a:stCxn id="217" idx="3"/>
+            <a:endCxn id="230" idx="1"/>
+          </p:cNvCxnSpPr>
+          <p:nvPr/>
+        </p:nvCxnSpPr>
+        <p:spPr>
+          <a:xfrm flipV="1">
+            <a:off x="7882425" y="5218078"/>
+            <a:ext cx="542305" cy="1"/>
+          </a:xfrm>
+          <a:prstGeom prst="straightConnector1">
+            <a:avLst/>
+          </a:prstGeom>
+          <a:noFill/>
+          <a:ln w="19050" cap="flat" cmpd="sng">
+            <a:solidFill>
+              <a:schemeClr val="dk1"/>
+            </a:solidFill>
+            <a:prstDash val="solid"/>
+            <a:miter lim="800000"/>
+            <a:headEnd type="none" w="med" len="med"/>
+            <a:tailEnd type="triangle" w="med" len="med"/>
+          </a:ln>
+        </p:spPr>
+      </p:cxnSp>
+      <p:cxnSp>
+        <p:nvCxnSpPr>
+          <p:cNvPr id="236" name="Google Shape;137;p2">
+            <a:extLst>
+              <a:ext uri="{FF2B5EF4-FFF2-40B4-BE49-F238E27FC236}">
+                <a16:creationId xmlns:a16="http://schemas.microsoft.com/office/drawing/2014/main" id="{0935E217-5AC3-8885-0C9D-450A2BEC872E}"/>
+              </a:ext>
+            </a:extLst>
+          </p:cNvPr>
+          <p:cNvCxnSpPr>
+            <a:cxnSpLocks/>
+            <a:stCxn id="217" idx="3"/>
+            <a:endCxn id="221" idx="1"/>
+          </p:cNvCxnSpPr>
+          <p:nvPr/>
+        </p:nvCxnSpPr>
+        <p:spPr>
+          <a:xfrm>
+            <a:off x="7882425" y="5218079"/>
+            <a:ext cx="609356" cy="64633"/>
+          </a:xfrm>
+          <a:prstGeom prst="straightConnector1">
+            <a:avLst/>
+          </a:prstGeom>
+          <a:noFill/>
+          <a:ln w="19050" cap="flat" cmpd="sng">
+            <a:solidFill>
+              <a:schemeClr val="dk1"/>
+            </a:solidFill>
+            <a:prstDash val="solid"/>
+            <a:miter lim="800000"/>
+            <a:headEnd type="none" w="med" len="med"/>
+            <a:tailEnd type="triangle" w="med" len="med"/>
+          </a:ln>
+        </p:spPr>
+      </p:cxnSp>
+      <p:cxnSp>
+        <p:nvCxnSpPr>
+          <p:cNvPr id="243" name="Google Shape;137;p2">
+            <a:extLst>
+              <a:ext uri="{FF2B5EF4-FFF2-40B4-BE49-F238E27FC236}">
+                <a16:creationId xmlns:a16="http://schemas.microsoft.com/office/drawing/2014/main" id="{F241B54C-0691-B52B-D6E5-7241EF3534E2}"/>
+              </a:ext>
+            </a:extLst>
+          </p:cNvPr>
+          <p:cNvCxnSpPr>
+            <a:cxnSpLocks/>
+            <a:stCxn id="207" idx="1"/>
+            <a:endCxn id="136" idx="2"/>
+          </p:cNvCxnSpPr>
+          <p:nvPr/>
+        </p:nvCxnSpPr>
+        <p:spPr>
+          <a:xfrm rot="10800000">
+            <a:off x="3245588" y="3202412"/>
+            <a:ext cx="3328021" cy="911799"/>
+          </a:xfrm>
+          <a:prstGeom prst="bentConnector2">
+            <a:avLst/>
+          </a:prstGeom>
+          <a:noFill/>
+          <a:ln w="19050" cap="flat" cmpd="sng">
+            <a:solidFill>
+              <a:schemeClr val="dk1"/>
+            </a:solidFill>
+            <a:prstDash val="solid"/>
+            <a:miter lim="800000"/>
+            <a:headEnd type="triangle" w="med" len="med"/>
+            <a:tailEnd type="triangle" w="med" len="med"/>
+          </a:ln>
+        </p:spPr>
+      </p:cxnSp>
+      <p:cxnSp>
+        <p:nvCxnSpPr>
+          <p:cNvPr id="247" name="Google Shape;137;p2">
+            <a:extLst>
+              <a:ext uri="{FF2B5EF4-FFF2-40B4-BE49-F238E27FC236}">
+                <a16:creationId xmlns:a16="http://schemas.microsoft.com/office/drawing/2014/main" id="{9483C1D8-CAF1-CF27-1F2D-C9702F7FA1FC}"/>
+              </a:ext>
+            </a:extLst>
+          </p:cNvPr>
+          <p:cNvCxnSpPr>
+            <a:cxnSpLocks/>
+            <a:stCxn id="217" idx="1"/>
+            <a:endCxn id="136" idx="2"/>
+          </p:cNvCxnSpPr>
+          <p:nvPr/>
+        </p:nvCxnSpPr>
+        <p:spPr>
+          <a:xfrm rot="10800000">
+            <a:off x="3245587" y="3202411"/>
+            <a:ext cx="3354812" cy="2015668"/>
+          </a:xfrm>
+          <a:prstGeom prst="bentConnector2">
+            <a:avLst/>
+          </a:prstGeom>
+          <a:noFill/>
+          <a:ln w="19050" cap="flat" cmpd="sng">
+            <a:solidFill>
+              <a:schemeClr val="dk1"/>
+            </a:solidFill>
+            <a:prstDash val="solid"/>
+            <a:miter lim="800000"/>
+            <a:headEnd type="triangle" w="med" len="med"/>
+            <a:tailEnd type="triangle" w="med" len="med"/>
+          </a:ln>
+        </p:spPr>
+      </p:cxnSp>
     </p:spTree>
   </p:cSld>
   <p:clrMapOvr>

--- a/static/images/kyverno_website_graphics.pptx
+++ b/static/images/kyverno_website_graphics.pptx
@@ -289,7 +289,7 @@
       </p15:sldGuideLst>
     </p:ext>
     <p:ext uri="http://customooxmlschemas.google.com/">
-      <go:slidesCustomData xmlns="" xmlns:mc="http://schemas.openxmlformats.org/markup-compatibility/2006" xmlns:mv="urn:schemas-microsoft-com:mac:vml" xmlns:c="http://schemas.openxmlformats.org/drawingml/2006/chart" xmlns:dgm="http://schemas.openxmlformats.org/drawingml/2006/diagram" xmlns:o="urn:schemas-microsoft-com:office:office" xmlns:v="urn:schemas-microsoft-com:vml" xmlns:pvml="urn:schemas-microsoft-com:office:powerpoint" xmlns:com="http://schemas.openxmlformats.org/drawingml/2006/compatibility" xmlns:p14="http://schemas.microsoft.com/office/powerpoint/2010/main" xmlns:p15="http://schemas.microsoft.com/office/powerpoint/2012/main" xmlns:ahyp="http://schemas.microsoft.com/office/drawing/2018/hyperlinkcolor" xmlns:go="http://customooxmlschemas.google.com/" r:id="rId13" roundtripDataSignature="AMtx7mi6Z4N5JfcDkIPXdx1+XT6Ohc5gxQ=="/>
+      <go:slidesCustomData xmlns:go="http://customooxmlschemas.google.com/" xmlns:ahyp="http://schemas.microsoft.com/office/drawing/2018/hyperlinkcolor" xmlns:p15="http://schemas.microsoft.com/office/powerpoint/2012/main" xmlns:p14="http://schemas.microsoft.com/office/powerpoint/2010/main" xmlns:com="http://schemas.openxmlformats.org/drawingml/2006/compatibility" xmlns:pvml="urn:schemas-microsoft-com:office:powerpoint" xmlns:v="urn:schemas-microsoft-com:vml" xmlns:o="urn:schemas-microsoft-com:office:office" xmlns:dgm="http://schemas.openxmlformats.org/drawingml/2006/diagram" xmlns:c="http://schemas.openxmlformats.org/drawingml/2006/chart" xmlns:mv="urn:schemas-microsoft-com:mac:vml" xmlns:mc="http://schemas.openxmlformats.org/markup-compatibility/2006" xmlns="" r:id="rId13" roundtripDataSignature="AMtx7mi6Z4N5JfcDkIPXdx1+XT6Ohc5gxQ=="/>
     </p:ext>
   </p:extLst>
 </p:presentation>
@@ -22949,8 +22949,8 @@
         </p:nvSpPr>
         <p:spPr>
           <a:xfrm>
-            <a:off x="8404102" y="555692"/>
-            <a:ext cx="2832827" cy="3477875"/>
+            <a:off x="8404102" y="236094"/>
+            <a:ext cx="2832827" cy="3816429"/>
           </a:xfrm>
           <a:prstGeom prst="rect">
             <a:avLst/>
@@ -23000,6 +23000,16 @@
             <a:r>
               <a:rPr lang="en-US" sz="2200"/>
               <a:t>Annotations</a:t>
+            </a:r>
+          </a:p>
+          <a:p>
+            <a:pPr marL="228600" indent="-228600">
+              <a:buFont typeface="Arial" panose="020B0604020202020204" pitchFamily="34" charset="0"/>
+              <a:buChar char="•"/>
+            </a:pPr>
+            <a:r>
+              <a:rPr lang="en-US" sz="2200"/>
+              <a:t>Operations</a:t>
             </a:r>
             <a:endParaRPr lang="en-US" sz="2200" dirty="0"/>
           </a:p>

--- a/static/images/kyverno_website_graphics.pptx
+++ b/static/images/kyverno_website_graphics.pptx
@@ -14766,8 +14766,8 @@
         </p:nvSpPr>
         <p:spPr>
           <a:xfrm>
-            <a:off x="3162300" y="1873166"/>
-            <a:ext cx="6711950" cy="2751600"/>
+            <a:off x="3027705" y="1873166"/>
+            <a:ext cx="6846545" cy="2751600"/>
           </a:xfrm>
           <a:prstGeom prst="rect">
             <a:avLst/>
@@ -15586,7 +15586,7 @@
               <a:buNone/>
             </a:pPr>
             <a:r>
-              <a:rPr lang="en-US" sz="2400" b="1" i="0" u="none" strike="noStrike" cap="none">
+              <a:rPr lang="en-US" sz="2400" b="1" i="0" u="none" strike="noStrike" cap="none" dirty="0">
                 <a:solidFill>
                   <a:schemeClr val="lt1"/>
                 </a:solidFill>
@@ -15595,7 +15595,7 @@
                 <a:cs typeface="Arial"/>
                 <a:sym typeface="Arial"/>
               </a:rPr>
-              <a:t>Webhook Server</a:t>
+              <a:t>Admission Controller</a:t>
             </a:r>
             <a:endParaRPr sz="1400" b="1" i="0" u="none" strike="noStrike" cap="none" dirty="0">
               <a:solidFill>
@@ -15673,8 +15673,8 @@
         </p:nvSpPr>
         <p:spPr>
           <a:xfrm>
-            <a:off x="3298078" y="1673066"/>
-            <a:ext cx="1268400" cy="400200"/>
+            <a:off x="3205240" y="4495671"/>
+            <a:ext cx="1731369" cy="215444"/>
           </a:xfrm>
           <a:prstGeom prst="rect">
             <a:avLst/>
@@ -15687,12 +15687,12 @@
           </a:ln>
         </p:spPr>
         <p:txBody>
-          <a:bodyPr spcFirstLastPara="1" wrap="square" lIns="91425" tIns="45700" rIns="91425" bIns="45700" anchor="t" anchorCtr="0">
+          <a:bodyPr spcFirstLastPara="1" wrap="square" lIns="0" tIns="0" rIns="0" bIns="0" anchor="t" anchorCtr="0">
             <a:spAutoFit/>
           </a:bodyPr>
           <a:lstStyle/>
           <a:p>
-            <a:pPr marL="0" marR="0" lvl="0" indent="0" algn="l" rtl="0">
+            <a:pPr marL="0" marR="0" lvl="0" indent="0" algn="ctr" rtl="0">
               <a:lnSpc>
                 <a:spcPct val="100000"/>
               </a:lnSpc>
@@ -15710,7 +15710,7 @@
               <a:buNone/>
             </a:pPr>
             <a:r>
-              <a:rPr lang="en-US" sz="2000" b="1" i="0" u="none" strike="noStrike" cap="none" dirty="0">
+              <a:rPr lang="en-US" b="1" i="0" u="none" strike="noStrike" cap="none" dirty="0">
                 <a:solidFill>
                   <a:schemeClr val="accent1"/>
                 </a:solidFill>
@@ -15719,9 +15719,9 @@
                 <a:cs typeface="Arial"/>
                 <a:sym typeface="Arial"/>
               </a:rPr>
-              <a:t>Kyverno</a:t>
+              <a:t>Kyverno Controllers</a:t>
             </a:r>
-            <a:endParaRPr sz="1800" b="1" i="0" u="none" strike="noStrike" cap="none" dirty="0">
+            <a:endParaRPr sz="1200" b="1" i="0" u="none" strike="noStrike" cap="none" dirty="0">
               <a:solidFill>
                 <a:schemeClr val="accent1"/>
               </a:solidFill>
@@ -17926,11 +17926,13 @@
             <a:off x="5616139" y="3173230"/>
             <a:ext cx="1853788" cy="652174"/>
           </a:xfrm>
-          <a:prstGeom prst="rect">
+          <a:prstGeom prst="roundRect">
             <a:avLst/>
           </a:prstGeom>
           <a:solidFill>
-            <a:schemeClr val="accent1"/>
+            <a:schemeClr val="bg1">
+              <a:lumMod val="50000"/>
+            </a:schemeClr>
           </a:solidFill>
           <a:ln w="12700" cap="flat" cmpd="sng">
             <a:noFill/>
@@ -18176,7 +18178,7 @@
               <a:buNone/>
             </a:pPr>
             <a:r>
-              <a:rPr lang="en-US" sz="1600" b="1" i="1" dirty="0" err="1">
+              <a:rPr lang="en-US" sz="1600" b="1" i="1" dirty="0">
                 <a:solidFill>
                   <a:schemeClr val="dk1"/>
                 </a:solidFill>
@@ -18245,7 +18247,6 @@
           <p:cNvCxnSpPr>
             <a:cxnSpLocks/>
             <a:stCxn id="48" idx="1"/>
-            <a:endCxn id="163" idx="2"/>
           </p:cNvCxnSpPr>
           <p:nvPr/>
         </p:nvCxnSpPr>

--- a/static/images/kyverno_website_graphics.pptx
+++ b/static/images/kyverno_website_graphics.pptx
@@ -275,7 +275,7 @@
       </p15:sldGuideLst>
     </p:ext>
     <p:ext uri="GoogleSlidesCustomDataVersion2">
-      <go:slidesCustomData xmlns:go="http://customooxmlschemas.google.com/" r:id="rId20" roundtripDataSignature="AMtx7mgtfMtXMjVwLdORKL9s2jdICx/Oog=="/>
+      <go:slidesCustomData xmlns:go="http://customooxmlschemas.google.com/" r:id="rId20" roundtripDataSignature="AMtx7mhKmdbaoWNqgBvvmxv5G1CBjYhyGg=="/>
     </p:ext>
   </p:extLst>
 </p:presentation>
@@ -14994,7 +14994,7 @@
         </p:nvSpPr>
         <p:spPr>
           <a:xfrm>
-            <a:off x="10506440" y="3219922"/>
+            <a:off x="10506440" y="3677122"/>
             <a:ext cx="1118700" cy="511500"/>
           </a:xfrm>
           <a:prstGeom prst="roundRect">
@@ -15072,7 +15072,7 @@
         </p:nvSpPr>
         <p:spPr>
           <a:xfrm>
-            <a:off x="3027700" y="1792538"/>
+            <a:off x="3027700" y="2249738"/>
             <a:ext cx="6980400" cy="2908500"/>
           </a:xfrm>
           <a:prstGeom prst="rect">
@@ -15852,7 +15852,7 @@
         </p:nvSpPr>
         <p:spPr>
           <a:xfrm>
-            <a:off x="3790592" y="2155083"/>
+            <a:off x="3790592" y="2612283"/>
             <a:ext cx="3676200" cy="470100"/>
           </a:xfrm>
           <a:prstGeom prst="rect">
@@ -15921,15 +15921,13 @@
       <p:cxnSp>
         <p:nvCxnSpPr>
           <p:cNvPr id="100" name="Google Shape;100;gdea865f612_0_48"/>
-          <p:cNvCxnSpPr>
-            <a:stCxn id="88" idx="2"/>
-          </p:cNvCxnSpPr>
+          <p:cNvCxnSpPr/>
           <p:nvPr/>
         </p:nvCxnSpPr>
         <p:spPr>
-          <a:xfrm>
-            <a:off x="4934196" y="994544"/>
-            <a:ext cx="0" cy="1134900"/>
+          <a:xfrm flipH="1">
+            <a:off x="5162825" y="1034250"/>
+            <a:ext cx="33000" cy="1552500"/>
           </a:xfrm>
           <a:prstGeom prst="straightConnector1">
             <a:avLst/>
@@ -15949,19 +15947,17 @@
       <p:cxnSp>
         <p:nvCxnSpPr>
           <p:cNvPr id="101" name="Google Shape;101;gdea865f612_0_48"/>
-          <p:cNvCxnSpPr>
-            <a:stCxn id="90" idx="2"/>
-          </p:cNvCxnSpPr>
+          <p:cNvCxnSpPr/>
           <p:nvPr/>
         </p:nvCxnSpPr>
         <p:spPr>
           <a:xfrm rot="5400000">
-            <a:off x="6990366" y="1009994"/>
+            <a:off x="6990366" y="1467194"/>
             <a:ext cx="1160100" cy="1129200"/>
           </a:xfrm>
           <a:prstGeom prst="bentConnector3">
             <a:avLst>
-              <a:gd fmla="val 79836" name="adj1"/>
+              <a:gd fmla="val 52102" name="adj1"/>
             </a:avLst>
           </a:prstGeom>
           <a:noFill/>
@@ -15984,8 +15980,8 @@
         </p:nvSpPr>
         <p:spPr>
           <a:xfrm>
-            <a:off x="3205240" y="4495671"/>
-            <a:ext cx="1731369" cy="215444"/>
+            <a:off x="3205240" y="5029071"/>
+            <a:ext cx="1731300" cy="215400"/>
           </a:xfrm>
           <a:prstGeom prst="rect">
             <a:avLst/>
@@ -16052,8 +16048,8 @@
         </p:nvSpPr>
         <p:spPr>
           <a:xfrm>
-            <a:off x="3658700" y="2808622"/>
-            <a:ext cx="1545078" cy="594550"/>
+            <a:off x="3582500" y="3265822"/>
+            <a:ext cx="1545000" cy="594600"/>
           </a:xfrm>
           <a:prstGeom prst="rect">
             <a:avLst/>
@@ -16152,7 +16148,7 @@
         </p:nvSpPr>
         <p:spPr>
           <a:xfrm>
-            <a:off x="822483" y="2674581"/>
+            <a:off x="822483" y="3131781"/>
             <a:ext cx="1589100" cy="646200"/>
           </a:xfrm>
           <a:prstGeom prst="roundRect">
@@ -16230,7 +16226,7 @@
         </p:nvSpPr>
         <p:spPr>
           <a:xfrm>
-            <a:off x="940238" y="2786938"/>
+            <a:off x="940238" y="3244138"/>
             <a:ext cx="1589100" cy="646200"/>
           </a:xfrm>
           <a:prstGeom prst="roundRect">
@@ -16317,7 +16313,7 @@
         </p:nvSpPr>
         <p:spPr>
           <a:xfrm>
-            <a:off x="820223" y="3649838"/>
+            <a:off x="820223" y="4107038"/>
             <a:ext cx="1589100" cy="646200"/>
           </a:xfrm>
           <a:prstGeom prst="roundRect">
@@ -16395,8 +16391,8 @@
         </p:nvSpPr>
         <p:spPr>
           <a:xfrm>
-            <a:off x="937978" y="3762195"/>
-            <a:ext cx="1589100" cy="646200"/>
+            <a:off x="10619441" y="3770504"/>
+            <a:ext cx="1155000" cy="511500"/>
           </a:xfrm>
           <a:prstGeom prst="roundRect">
             <a:avLst>
@@ -16451,7 +16447,7 @@
               <a:buNone/>
             </a:pPr>
             <a:r>
-              <a:rPr b="1" i="1" lang="en-US" sz="1600" u="none" cap="none" strike="noStrike">
+              <a:rPr b="1" i="1" lang="en-US" sz="1100" u="none" cap="none" strike="noStrike">
                 <a:solidFill>
                   <a:schemeClr val="dk1"/>
                 </a:solidFill>
@@ -16460,9 +16456,169 @@
                 <a:cs typeface="Arial"/>
                 <a:sym typeface="Arial"/>
               </a:rPr>
-              <a:t>Secrets</a:t>
+              <a:t>Policy</a:t>
             </a:r>
-            <a:endParaRPr b="0" i="0" sz="1200" u="none" cap="none" strike="noStrike">
+            <a:endParaRPr/>
+          </a:p>
+          <a:p>
+            <a:pPr indent="0" lvl="0" marL="0" marR="0" rtl="0" algn="ctr">
+              <a:lnSpc>
+                <a:spcPct val="100000"/>
+              </a:lnSpc>
+              <a:spcBef>
+                <a:spcPts val="0"/>
+              </a:spcBef>
+              <a:spcAft>
+                <a:spcPts val="0"/>
+              </a:spcAft>
+              <a:buClr>
+                <a:srgbClr val="000000"/>
+              </a:buClr>
+              <a:buSzPts val="1600"/>
+              <a:buFont typeface="Arial"/>
+              <a:buNone/>
+            </a:pPr>
+            <a:r>
+              <a:rPr b="1" i="1" lang="en-US" sz="1100" u="none" cap="none" strike="noStrike">
+                <a:solidFill>
+                  <a:schemeClr val="dk1"/>
+                </a:solidFill>
+                <a:latin typeface="Arial"/>
+                <a:ea typeface="Arial"/>
+                <a:cs typeface="Arial"/>
+                <a:sym typeface="Arial"/>
+              </a:rPr>
+              <a:t>Reports</a:t>
+            </a:r>
+            <a:endParaRPr b="0" i="0" sz="1100" u="none" cap="none" strike="noStrike">
+              <a:solidFill>
+                <a:srgbClr val="000000"/>
+              </a:solidFill>
+              <a:latin typeface="Arial"/>
+              <a:ea typeface="Arial"/>
+              <a:cs typeface="Arial"/>
+              <a:sym typeface="Arial"/>
+            </a:endParaRPr>
+          </a:p>
+        </p:txBody>
+      </p:sp>
+      <p:cxnSp>
+        <p:nvCxnSpPr>
+          <p:cNvPr id="108" name="Google Shape;108;gdea865f612_0_48"/>
+          <p:cNvCxnSpPr/>
+          <p:nvPr/>
+        </p:nvCxnSpPr>
+        <p:spPr>
+          <a:xfrm flipH="1">
+            <a:off x="9375490" y="3869018"/>
+            <a:ext cx="1116600" cy="600"/>
+          </a:xfrm>
+          <a:prstGeom prst="bentConnector3">
+            <a:avLst>
+              <a:gd fmla="val 50000" name="adj1"/>
+            </a:avLst>
+          </a:prstGeom>
+          <a:noFill/>
+          <a:ln cap="flat" cmpd="sng" w="19050">
+            <a:solidFill>
+              <a:srgbClr val="7F7F7F"/>
+            </a:solidFill>
+            <a:prstDash val="dash"/>
+            <a:miter lim="800000"/>
+            <a:headEnd len="med" w="med" type="triangle"/>
+            <a:tailEnd len="sm" w="sm" type="none"/>
+          </a:ln>
+        </p:spPr>
+      </p:cxnSp>
+      <p:sp>
+        <p:nvSpPr>
+          <p:cNvPr id="109" name="Google Shape;109;gdea865f612_0_48"/>
+          <p:cNvSpPr/>
+          <p:nvPr/>
+        </p:nvSpPr>
+        <p:spPr>
+          <a:xfrm>
+            <a:off x="7746889" y="3380011"/>
+            <a:ext cx="1628400" cy="594600"/>
+          </a:xfrm>
+          <a:prstGeom prst="rect">
+            <a:avLst/>
+          </a:prstGeom>
+          <a:solidFill>
+            <a:schemeClr val="accent1"/>
+          </a:solidFill>
+          <a:ln>
+            <a:noFill/>
+          </a:ln>
+        </p:spPr>
+        <p:txBody>
+          <a:bodyPr anchorCtr="0" anchor="ctr" bIns="45700" lIns="91425" spcFirstLastPara="1" rIns="91425" wrap="square" tIns="45700">
+            <a:noAutofit/>
+          </a:bodyPr>
+          <a:lstStyle/>
+          <a:p>
+            <a:pPr indent="0" lvl="0" marL="0" marR="0" rtl="0" algn="ctr">
+              <a:lnSpc>
+                <a:spcPct val="100000"/>
+              </a:lnSpc>
+              <a:spcBef>
+                <a:spcPts val="0"/>
+              </a:spcBef>
+              <a:spcAft>
+                <a:spcPts val="0"/>
+              </a:spcAft>
+              <a:buClr>
+                <a:srgbClr val="000000"/>
+              </a:buClr>
+              <a:buSzPts val="1800"/>
+              <a:buFont typeface="Arial"/>
+              <a:buNone/>
+            </a:pPr>
+            <a:r>
+              <a:rPr b="0" i="0" lang="en-US" sz="1800" u="none" cap="none" strike="noStrike">
+                <a:solidFill>
+                  <a:schemeClr val="lt1"/>
+                </a:solidFill>
+                <a:latin typeface="Arial"/>
+                <a:ea typeface="Arial"/>
+                <a:cs typeface="Arial"/>
+                <a:sym typeface="Arial"/>
+              </a:rPr>
+              <a:t>Report</a:t>
+            </a:r>
+            <a:endParaRPr/>
+          </a:p>
+          <a:p>
+            <a:pPr indent="0" lvl="0" marL="0" marR="0" rtl="0" algn="ctr">
+              <a:lnSpc>
+                <a:spcPct val="100000"/>
+              </a:lnSpc>
+              <a:spcBef>
+                <a:spcPts val="0"/>
+              </a:spcBef>
+              <a:spcAft>
+                <a:spcPts val="0"/>
+              </a:spcAft>
+              <a:buClr>
+                <a:srgbClr val="000000"/>
+              </a:buClr>
+              <a:buSzPts val="1800"/>
+              <a:buFont typeface="Arial"/>
+              <a:buNone/>
+            </a:pPr>
+            <a:r>
+              <a:rPr b="0" i="0" lang="en-US" sz="1800" u="none" cap="none" strike="noStrike">
+                <a:solidFill>
+                  <a:schemeClr val="lt1"/>
+                </a:solidFill>
+                <a:latin typeface="Arial"/>
+                <a:ea typeface="Arial"/>
+                <a:cs typeface="Arial"/>
+                <a:sym typeface="Arial"/>
+              </a:rPr>
+              <a:t>Controllers</a:t>
+            </a:r>
+            <a:endParaRPr b="0" i="0" sz="1600" u="none" cap="none" strike="noStrike">
               <a:solidFill>
                 <a:srgbClr val="000000"/>
               </a:solidFill>
@@ -16476,14 +16632,114 @@
       </p:sp>
       <p:sp>
         <p:nvSpPr>
-          <p:cNvPr id="108" name="Google Shape;108;gdea865f612_0_48"/>
+          <p:cNvPr id="110" name="Google Shape;110;gdea865f612_0_48"/>
           <p:cNvSpPr/>
           <p:nvPr/>
         </p:nvSpPr>
         <p:spPr>
           <a:xfrm>
-            <a:off x="10619441" y="3313304"/>
-            <a:ext cx="1155000" cy="511500"/>
+            <a:off x="7746889" y="4206657"/>
+            <a:ext cx="1628400" cy="594600"/>
+          </a:xfrm>
+          <a:prstGeom prst="rect">
+            <a:avLst/>
+          </a:prstGeom>
+          <a:solidFill>
+            <a:schemeClr val="accent1"/>
+          </a:solidFill>
+          <a:ln>
+            <a:noFill/>
+          </a:ln>
+        </p:spPr>
+        <p:txBody>
+          <a:bodyPr anchorCtr="0" anchor="ctr" bIns="45700" lIns="91425" spcFirstLastPara="1" rIns="91425" wrap="square" tIns="45700">
+            <a:noAutofit/>
+          </a:bodyPr>
+          <a:lstStyle/>
+          <a:p>
+            <a:pPr indent="0" lvl="0" marL="0" marR="0" rtl="0" algn="ctr">
+              <a:lnSpc>
+                <a:spcPct val="100000"/>
+              </a:lnSpc>
+              <a:spcBef>
+                <a:spcPts val="0"/>
+              </a:spcBef>
+              <a:spcAft>
+                <a:spcPts val="0"/>
+              </a:spcAft>
+              <a:buClr>
+                <a:srgbClr val="000000"/>
+              </a:buClr>
+              <a:buSzPts val="1800"/>
+              <a:buFont typeface="Arial"/>
+              <a:buNone/>
+            </a:pPr>
+            <a:r>
+              <a:rPr b="0" i="0" lang="en-US" sz="1800" u="none" cap="none" strike="noStrike">
+                <a:solidFill>
+                  <a:schemeClr val="lt1"/>
+                </a:solidFill>
+                <a:latin typeface="Arial"/>
+                <a:ea typeface="Arial"/>
+                <a:cs typeface="Arial"/>
+                <a:sym typeface="Arial"/>
+              </a:rPr>
+              <a:t>Background</a:t>
+            </a:r>
+            <a:endParaRPr/>
+          </a:p>
+          <a:p>
+            <a:pPr indent="0" lvl="0" marL="0" marR="0" rtl="0" algn="ctr">
+              <a:lnSpc>
+                <a:spcPct val="100000"/>
+              </a:lnSpc>
+              <a:spcBef>
+                <a:spcPts val="0"/>
+              </a:spcBef>
+              <a:spcAft>
+                <a:spcPts val="0"/>
+              </a:spcAft>
+              <a:buClr>
+                <a:srgbClr val="000000"/>
+              </a:buClr>
+              <a:buSzPts val="1800"/>
+              <a:buFont typeface="Arial"/>
+              <a:buNone/>
+            </a:pPr>
+            <a:r>
+              <a:rPr b="0" i="0" lang="en-US" sz="1800" u="none" cap="none" strike="noStrike">
+                <a:solidFill>
+                  <a:schemeClr val="lt1"/>
+                </a:solidFill>
+                <a:latin typeface="Arial"/>
+                <a:ea typeface="Arial"/>
+                <a:cs typeface="Arial"/>
+                <a:sym typeface="Arial"/>
+              </a:rPr>
+              <a:t>Controller</a:t>
+            </a:r>
+            <a:endParaRPr b="0" i="0" sz="1600" u="none" cap="none" strike="noStrike">
+              <a:solidFill>
+                <a:srgbClr val="000000"/>
+              </a:solidFill>
+              <a:latin typeface="Arial"/>
+              <a:ea typeface="Arial"/>
+              <a:cs typeface="Arial"/>
+              <a:sym typeface="Arial"/>
+            </a:endParaRPr>
+          </a:p>
+        </p:txBody>
+      </p:sp>
+      <p:sp>
+        <p:nvSpPr>
+          <p:cNvPr id="111" name="Google Shape;111;gdea865f612_0_48"/>
+          <p:cNvSpPr/>
+          <p:nvPr/>
+        </p:nvSpPr>
+        <p:spPr>
+          <a:xfrm>
+            <a:off x="4920336" y="5543151"/>
+            <a:ext cx="2079300" cy="646200"/>
           </a:xfrm>
           <a:prstGeom prst="roundRect">
             <a:avLst>
@@ -16533,285 +16789,16 @@
               <a:buClr>
                 <a:srgbClr val="000000"/>
               </a:buClr>
-              <a:buSzPts val="1600"/>
+              <a:buSzPts val="1800"/>
               <a:buFont typeface="Arial"/>
               <a:buNone/>
             </a:pPr>
             <a:r>
-              <a:rPr b="1" i="1" lang="en-US" sz="1100" u="none" cap="none" strike="noStrike">
-                <a:solidFill>
-                  <a:schemeClr val="dk1"/>
-                </a:solidFill>
-                <a:latin typeface="Arial"/>
-                <a:ea typeface="Arial"/>
-                <a:cs typeface="Arial"/>
-                <a:sym typeface="Arial"/>
-              </a:rPr>
-              <a:t>Policy</a:t>
+              <a:t/>
             </a:r>
-            <a:endParaRPr/>
-          </a:p>
-          <a:p>
-            <a:pPr indent="0" lvl="0" marL="0" marR="0" rtl="0" algn="ctr">
-              <a:lnSpc>
-                <a:spcPct val="100000"/>
-              </a:lnSpc>
-              <a:spcBef>
-                <a:spcPts val="0"/>
-              </a:spcBef>
-              <a:spcAft>
-                <a:spcPts val="0"/>
-              </a:spcAft>
-              <a:buClr>
-                <a:srgbClr val="000000"/>
-              </a:buClr>
-              <a:buSzPts val="1600"/>
-              <a:buFont typeface="Arial"/>
-              <a:buNone/>
-            </a:pPr>
-            <a:r>
-              <a:rPr b="1" i="1" lang="en-US" sz="1100" u="none" cap="none" strike="noStrike">
-                <a:solidFill>
-                  <a:schemeClr val="dk1"/>
-                </a:solidFill>
-                <a:latin typeface="Arial"/>
-                <a:ea typeface="Arial"/>
-                <a:cs typeface="Arial"/>
-                <a:sym typeface="Arial"/>
-              </a:rPr>
-              <a:t>Reports</a:t>
-            </a:r>
-            <a:endParaRPr b="0" i="0" sz="1100" u="none" cap="none" strike="noStrike">
+            <a:endParaRPr b="1" i="1" sz="1800" u="none" cap="none" strike="noStrike">
               <a:solidFill>
-                <a:srgbClr val="000000"/>
-              </a:solidFill>
-              <a:latin typeface="Arial"/>
-              <a:ea typeface="Arial"/>
-              <a:cs typeface="Arial"/>
-              <a:sym typeface="Arial"/>
-            </a:endParaRPr>
-          </a:p>
-        </p:txBody>
-      </p:sp>
-      <p:cxnSp>
-        <p:nvCxnSpPr>
-          <p:cNvPr id="109" name="Google Shape;109;gdea865f612_0_48"/>
-          <p:cNvCxnSpPr/>
-          <p:nvPr/>
-        </p:nvCxnSpPr>
-        <p:spPr>
-          <a:xfrm flipH="1">
-            <a:off x="9375490" y="3411818"/>
-            <a:ext cx="1116600" cy="600"/>
-          </a:xfrm>
-          <a:prstGeom prst="bentConnector3">
-            <a:avLst>
-              <a:gd fmla="val 50000" name="adj1"/>
-            </a:avLst>
-          </a:prstGeom>
-          <a:noFill/>
-          <a:ln cap="flat" cmpd="sng" w="19050">
-            <a:solidFill>
-              <a:srgbClr val="7F7F7F"/>
-            </a:solidFill>
-            <a:prstDash val="dash"/>
-            <a:miter lim="800000"/>
-            <a:headEnd len="med" w="med" type="triangle"/>
-            <a:tailEnd len="sm" w="sm" type="none"/>
-          </a:ln>
-        </p:spPr>
-      </p:cxnSp>
-      <p:sp>
-        <p:nvSpPr>
-          <p:cNvPr id="110" name="Google Shape;110;gdea865f612_0_48"/>
-          <p:cNvSpPr/>
-          <p:nvPr/>
-        </p:nvSpPr>
-        <p:spPr>
-          <a:xfrm>
-            <a:off x="3658699" y="3723283"/>
-            <a:ext cx="1545078" cy="685111"/>
-          </a:xfrm>
-          <a:prstGeom prst="rect">
-            <a:avLst/>
-          </a:prstGeom>
-          <a:solidFill>
-            <a:schemeClr val="accent1"/>
-          </a:solidFill>
-          <a:ln>
-            <a:noFill/>
-          </a:ln>
-        </p:spPr>
-        <p:txBody>
-          <a:bodyPr anchorCtr="0" anchor="ctr" bIns="45700" lIns="91425" spcFirstLastPara="1" rIns="91425" wrap="square" tIns="45700">
-            <a:noAutofit/>
-          </a:bodyPr>
-          <a:lstStyle/>
-          <a:p>
-            <a:pPr indent="0" lvl="0" marL="0" marR="0" rtl="0" algn="ctr">
-              <a:lnSpc>
-                <a:spcPct val="100000"/>
-              </a:lnSpc>
-              <a:spcBef>
-                <a:spcPts val="0"/>
-              </a:spcBef>
-              <a:spcAft>
-                <a:spcPts val="0"/>
-              </a:spcAft>
-              <a:buClr>
-                <a:srgbClr val="000000"/>
-              </a:buClr>
-              <a:buSzPts val="1800"/>
-              <a:buFont typeface="Arial"/>
-              <a:buNone/>
-            </a:pPr>
-            <a:r>
-              <a:rPr b="0" i="0" lang="en-US" sz="1800" u="none" cap="none" strike="noStrike">
-                <a:solidFill>
-                  <a:schemeClr val="lt1"/>
-                </a:solidFill>
-                <a:latin typeface="Arial"/>
-                <a:ea typeface="Arial"/>
-                <a:cs typeface="Arial"/>
-                <a:sym typeface="Arial"/>
-              </a:rPr>
-              <a:t>Cert</a:t>
-            </a:r>
-            <a:endParaRPr/>
-          </a:p>
-          <a:p>
-            <a:pPr indent="0" lvl="0" marL="0" marR="0" rtl="0" algn="ctr">
-              <a:lnSpc>
-                <a:spcPct val="100000"/>
-              </a:lnSpc>
-              <a:spcBef>
-                <a:spcPts val="0"/>
-              </a:spcBef>
-              <a:spcAft>
-                <a:spcPts val="0"/>
-              </a:spcAft>
-              <a:buClr>
-                <a:srgbClr val="000000"/>
-              </a:buClr>
-              <a:buSzPts val="1800"/>
-              <a:buFont typeface="Arial"/>
-              <a:buNone/>
-            </a:pPr>
-            <a:r>
-              <a:rPr b="0" i="0" lang="en-US" sz="1800" u="none" cap="none" strike="noStrike">
-                <a:solidFill>
-                  <a:schemeClr val="lt1"/>
-                </a:solidFill>
-                <a:latin typeface="Arial"/>
-                <a:ea typeface="Arial"/>
-                <a:cs typeface="Arial"/>
-                <a:sym typeface="Arial"/>
-              </a:rPr>
-              <a:t>Renewer</a:t>
-            </a:r>
-            <a:endParaRPr b="0" i="0" sz="1600" u="none" cap="none" strike="noStrike">
-              <a:solidFill>
-                <a:srgbClr val="000000"/>
-              </a:solidFill>
-              <a:latin typeface="Arial"/>
-              <a:ea typeface="Arial"/>
-              <a:cs typeface="Arial"/>
-              <a:sym typeface="Arial"/>
-            </a:endParaRPr>
-          </a:p>
-        </p:txBody>
-      </p:sp>
-      <p:sp>
-        <p:nvSpPr>
-          <p:cNvPr id="111" name="Google Shape;111;gdea865f612_0_48"/>
-          <p:cNvSpPr/>
-          <p:nvPr/>
-        </p:nvSpPr>
-        <p:spPr>
-          <a:xfrm>
-            <a:off x="7746889" y="2922811"/>
-            <a:ext cx="1628400" cy="594600"/>
-          </a:xfrm>
-          <a:prstGeom prst="rect">
-            <a:avLst/>
-          </a:prstGeom>
-          <a:solidFill>
-            <a:schemeClr val="accent1"/>
-          </a:solidFill>
-          <a:ln>
-            <a:noFill/>
-          </a:ln>
-        </p:spPr>
-        <p:txBody>
-          <a:bodyPr anchorCtr="0" anchor="ctr" bIns="45700" lIns="91425" spcFirstLastPara="1" rIns="91425" wrap="square" tIns="45700">
-            <a:noAutofit/>
-          </a:bodyPr>
-          <a:lstStyle/>
-          <a:p>
-            <a:pPr indent="0" lvl="0" marL="0" marR="0" rtl="0" algn="ctr">
-              <a:lnSpc>
-                <a:spcPct val="100000"/>
-              </a:lnSpc>
-              <a:spcBef>
-                <a:spcPts val="0"/>
-              </a:spcBef>
-              <a:spcAft>
-                <a:spcPts val="0"/>
-              </a:spcAft>
-              <a:buClr>
-                <a:srgbClr val="000000"/>
-              </a:buClr>
-              <a:buSzPts val="1800"/>
-              <a:buFont typeface="Arial"/>
-              <a:buNone/>
-            </a:pPr>
-            <a:r>
-              <a:rPr b="0" i="0" lang="en-US" sz="1800" u="none" cap="none" strike="noStrike">
-                <a:solidFill>
-                  <a:schemeClr val="lt1"/>
-                </a:solidFill>
-                <a:latin typeface="Arial"/>
-                <a:ea typeface="Arial"/>
-                <a:cs typeface="Arial"/>
-                <a:sym typeface="Arial"/>
-              </a:rPr>
-              <a:t>Report</a:t>
-            </a:r>
-            <a:endParaRPr/>
-          </a:p>
-          <a:p>
-            <a:pPr indent="0" lvl="0" marL="0" marR="0" rtl="0" algn="ctr">
-              <a:lnSpc>
-                <a:spcPct val="100000"/>
-              </a:lnSpc>
-              <a:spcBef>
-                <a:spcPts val="0"/>
-              </a:spcBef>
-              <a:spcAft>
-                <a:spcPts val="0"/>
-              </a:spcAft>
-              <a:buClr>
-                <a:srgbClr val="000000"/>
-              </a:buClr>
-              <a:buSzPts val="1800"/>
-              <a:buFont typeface="Arial"/>
-              <a:buNone/>
-            </a:pPr>
-            <a:r>
-              <a:rPr b="0" i="0" lang="en-US" sz="1800" u="none" cap="none" strike="noStrike">
-                <a:solidFill>
-                  <a:schemeClr val="lt1"/>
-                </a:solidFill>
-                <a:latin typeface="Arial"/>
-                <a:ea typeface="Arial"/>
-                <a:cs typeface="Arial"/>
-                <a:sym typeface="Arial"/>
-              </a:rPr>
-              <a:t>Controllers</a:t>
-            </a:r>
-            <a:endParaRPr b="0" i="0" sz="1600" u="none" cap="none" strike="noStrike">
-              <a:solidFill>
-                <a:srgbClr val="000000"/>
+                <a:schemeClr val="dk1"/>
               </a:solidFill>
               <a:latin typeface="Arial"/>
               <a:ea typeface="Arial"/>
@@ -16829,107 +16816,7 @@
         </p:nvSpPr>
         <p:spPr>
           <a:xfrm>
-            <a:off x="7746889" y="3749457"/>
-            <a:ext cx="1628509" cy="594550"/>
-          </a:xfrm>
-          <a:prstGeom prst="rect">
-            <a:avLst/>
-          </a:prstGeom>
-          <a:solidFill>
-            <a:schemeClr val="accent1"/>
-          </a:solidFill>
-          <a:ln>
-            <a:noFill/>
-          </a:ln>
-        </p:spPr>
-        <p:txBody>
-          <a:bodyPr anchorCtr="0" anchor="ctr" bIns="45700" lIns="91425" spcFirstLastPara="1" rIns="91425" wrap="square" tIns="45700">
-            <a:noAutofit/>
-          </a:bodyPr>
-          <a:lstStyle/>
-          <a:p>
-            <a:pPr indent="0" lvl="0" marL="0" marR="0" rtl="0" algn="ctr">
-              <a:lnSpc>
-                <a:spcPct val="100000"/>
-              </a:lnSpc>
-              <a:spcBef>
-                <a:spcPts val="0"/>
-              </a:spcBef>
-              <a:spcAft>
-                <a:spcPts val="0"/>
-              </a:spcAft>
-              <a:buClr>
-                <a:srgbClr val="000000"/>
-              </a:buClr>
-              <a:buSzPts val="1800"/>
-              <a:buFont typeface="Arial"/>
-              <a:buNone/>
-            </a:pPr>
-            <a:r>
-              <a:rPr b="0" i="0" lang="en-US" sz="1800" u="none" cap="none" strike="noStrike">
-                <a:solidFill>
-                  <a:schemeClr val="lt1"/>
-                </a:solidFill>
-                <a:latin typeface="Arial"/>
-                <a:ea typeface="Arial"/>
-                <a:cs typeface="Arial"/>
-                <a:sym typeface="Arial"/>
-              </a:rPr>
-              <a:t>Background</a:t>
-            </a:r>
-            <a:endParaRPr/>
-          </a:p>
-          <a:p>
-            <a:pPr indent="0" lvl="0" marL="0" marR="0" rtl="0" algn="ctr">
-              <a:lnSpc>
-                <a:spcPct val="100000"/>
-              </a:lnSpc>
-              <a:spcBef>
-                <a:spcPts val="0"/>
-              </a:spcBef>
-              <a:spcAft>
-                <a:spcPts val="0"/>
-              </a:spcAft>
-              <a:buClr>
-                <a:srgbClr val="000000"/>
-              </a:buClr>
-              <a:buSzPts val="1800"/>
-              <a:buFont typeface="Arial"/>
-              <a:buNone/>
-            </a:pPr>
-            <a:r>
-              <a:rPr b="0" i="0" lang="en-US" sz="1800" u="none" cap="none" strike="noStrike">
-                <a:solidFill>
-                  <a:schemeClr val="lt1"/>
-                </a:solidFill>
-                <a:latin typeface="Arial"/>
-                <a:ea typeface="Arial"/>
-                <a:cs typeface="Arial"/>
-                <a:sym typeface="Arial"/>
-              </a:rPr>
-              <a:t>Controller</a:t>
-            </a:r>
-            <a:endParaRPr b="0" i="0" sz="1600" u="none" cap="none" strike="noStrike">
-              <a:solidFill>
-                <a:srgbClr val="000000"/>
-              </a:solidFill>
-              <a:latin typeface="Arial"/>
-              <a:ea typeface="Arial"/>
-              <a:cs typeface="Arial"/>
-              <a:sym typeface="Arial"/>
-            </a:endParaRPr>
-          </a:p>
-        </p:txBody>
-      </p:sp>
-      <p:sp>
-        <p:nvSpPr>
-          <p:cNvPr id="113" name="Google Shape;113;gdea865f612_0_48"/>
-          <p:cNvSpPr/>
-          <p:nvPr/>
-        </p:nvSpPr>
-        <p:spPr>
-          <a:xfrm>
-            <a:off x="5225136" y="5543151"/>
+            <a:off x="5038091" y="5655508"/>
             <a:ext cx="2079300" cy="646200"/>
           </a:xfrm>
           <a:prstGeom prst="roundRect">
@@ -16980,35 +16867,36 @@
               <a:buClr>
                 <a:srgbClr val="000000"/>
               </a:buClr>
-              <a:buSzPts val="1800"/>
+              <a:buSzPts val="1600"/>
               <a:buFont typeface="Arial"/>
               <a:buNone/>
             </a:pPr>
             <a:r>
-              <a:t/>
+              <a:rPr b="1" i="1" lang="en-US" sz="1600" u="none" cap="none" strike="noStrike">
+                <a:solidFill>
+                  <a:schemeClr val="dk1"/>
+                </a:solidFill>
+                <a:latin typeface="Arial"/>
+                <a:ea typeface="Arial"/>
+                <a:cs typeface="Arial"/>
+                <a:sym typeface="Arial"/>
+              </a:rPr>
+              <a:t>Policies</a:t>
             </a:r>
-            <a:endParaRPr b="1" i="1" sz="1800" u="none" cap="none" strike="noStrike">
-              <a:solidFill>
-                <a:schemeClr val="dk1"/>
-              </a:solidFill>
-              <a:latin typeface="Arial"/>
-              <a:ea typeface="Arial"/>
-              <a:cs typeface="Arial"/>
-              <a:sym typeface="Arial"/>
-            </a:endParaRPr>
+            <a:endParaRPr/>
           </a:p>
         </p:txBody>
       </p:sp>
       <p:sp>
         <p:nvSpPr>
-          <p:cNvPr id="114" name="Google Shape;114;gdea865f612_0_48"/>
+          <p:cNvPr id="113" name="Google Shape;113;gdea865f612_0_48"/>
           <p:cNvSpPr/>
           <p:nvPr/>
         </p:nvSpPr>
         <p:spPr>
           <a:xfrm>
-            <a:off x="5342891" y="5655508"/>
-            <a:ext cx="2079300" cy="646200"/>
+            <a:off x="10431810" y="2917733"/>
+            <a:ext cx="1118700" cy="511500"/>
           </a:xfrm>
           <a:prstGeom prst="roundRect">
             <a:avLst>
@@ -17063,31 +16951,30 @@
               <a:buNone/>
             </a:pPr>
             <a:r>
-              <a:rPr b="1" i="1" lang="en-US" sz="1600" u="none" cap="none" strike="noStrike">
-                <a:solidFill>
-                  <a:schemeClr val="dk1"/>
-                </a:solidFill>
-                <a:latin typeface="Arial"/>
-                <a:ea typeface="Arial"/>
-                <a:cs typeface="Arial"/>
-                <a:sym typeface="Arial"/>
-              </a:rPr>
-              <a:t>Policies</a:t>
+              <a:t/>
             </a:r>
-            <a:endParaRPr/>
+            <a:endParaRPr b="0" i="0" sz="1100" u="none" cap="none" strike="noStrike">
+              <a:solidFill>
+                <a:srgbClr val="000000"/>
+              </a:solidFill>
+              <a:latin typeface="Arial"/>
+              <a:ea typeface="Arial"/>
+              <a:cs typeface="Arial"/>
+              <a:sym typeface="Arial"/>
+            </a:endParaRPr>
           </a:p>
         </p:txBody>
       </p:sp>
       <p:sp>
         <p:nvSpPr>
-          <p:cNvPr id="115" name="Google Shape;115;gdea865f612_0_48"/>
+          <p:cNvPr id="114" name="Google Shape;114;gdea865f612_0_48"/>
           <p:cNvSpPr/>
           <p:nvPr/>
         </p:nvSpPr>
         <p:spPr>
           <a:xfrm>
-            <a:off x="10431810" y="2460533"/>
-            <a:ext cx="1118700" cy="511500"/>
+            <a:off x="10544811" y="3011115"/>
+            <a:ext cx="1155000" cy="511500"/>
           </a:xfrm>
           <a:prstGeom prst="roundRect">
             <a:avLst>
@@ -17142,7 +17029,44 @@
               <a:buNone/>
             </a:pPr>
             <a:r>
-              <a:t/>
+              <a:rPr b="1" i="1" lang="en-US" sz="1100">
+                <a:solidFill>
+                  <a:schemeClr val="dk1"/>
+                </a:solidFill>
+              </a:rPr>
+              <a:t>Ephemeral</a:t>
+            </a:r>
+            <a:endParaRPr/>
+          </a:p>
+          <a:p>
+            <a:pPr indent="0" lvl="0" marL="0" marR="0" rtl="0" algn="ctr">
+              <a:lnSpc>
+                <a:spcPct val="100000"/>
+              </a:lnSpc>
+              <a:spcBef>
+                <a:spcPts val="0"/>
+              </a:spcBef>
+              <a:spcAft>
+                <a:spcPts val="0"/>
+              </a:spcAft>
+              <a:buClr>
+                <a:srgbClr val="000000"/>
+              </a:buClr>
+              <a:buSzPts val="1600"/>
+              <a:buFont typeface="Arial"/>
+              <a:buNone/>
+            </a:pPr>
+            <a:r>
+              <a:rPr b="1" i="1" lang="en-US" sz="1100" u="none" cap="none" strike="noStrike">
+                <a:solidFill>
+                  <a:schemeClr val="dk1"/>
+                </a:solidFill>
+                <a:latin typeface="Arial"/>
+                <a:ea typeface="Arial"/>
+                <a:cs typeface="Arial"/>
+                <a:sym typeface="Arial"/>
+              </a:rPr>
+              <a:t>Reports</a:t>
             </a:r>
             <a:endParaRPr b="0" i="0" sz="1100" u="none" cap="none" strike="noStrike">
               <a:solidFill>
@@ -17156,6 +17080,34 @@
           </a:p>
         </p:txBody>
       </p:sp>
+      <p:cxnSp>
+        <p:nvCxnSpPr>
+          <p:cNvPr id="115" name="Google Shape;115;gdea865f612_0_48"/>
+          <p:cNvCxnSpPr/>
+          <p:nvPr/>
+        </p:nvCxnSpPr>
+        <p:spPr>
+          <a:xfrm flipH="1">
+            <a:off x="9375285" y="3215383"/>
+            <a:ext cx="1053000" cy="378900"/>
+          </a:xfrm>
+          <a:prstGeom prst="bentConnector3">
+            <a:avLst>
+              <a:gd fmla="val 22188" name="adj1"/>
+            </a:avLst>
+          </a:prstGeom>
+          <a:noFill/>
+          <a:ln cap="flat" cmpd="sng" w="19050">
+            <a:solidFill>
+              <a:srgbClr val="7F7F7F"/>
+            </a:solidFill>
+            <a:prstDash val="dash"/>
+            <a:miter lim="800000"/>
+            <a:headEnd len="med" w="med" type="triangle"/>
+            <a:tailEnd len="med" w="med" type="triangle"/>
+          </a:ln>
+        </p:spPr>
+      </p:cxnSp>
       <p:sp>
         <p:nvSpPr>
           <p:cNvPr id="116" name="Google Shape;116;gdea865f612_0_48"/>
@@ -17164,8 +17116,8 @@
         </p:nvSpPr>
         <p:spPr>
           <a:xfrm>
-            <a:off x="10544811" y="2553915"/>
-            <a:ext cx="1155000" cy="511500"/>
+            <a:off x="10527986" y="4529876"/>
+            <a:ext cx="1118700" cy="511500"/>
           </a:xfrm>
           <a:prstGeom prst="roundRect">
             <a:avLst>
@@ -17220,44 +17172,7 @@
               <a:buNone/>
             </a:pPr>
             <a:r>
-              <a:rPr b="1" i="1" lang="en-US" sz="1100">
-                <a:solidFill>
-                  <a:schemeClr val="dk1"/>
-                </a:solidFill>
-              </a:rPr>
-              <a:t>Ephemeral</a:t>
-            </a:r>
-            <a:endParaRPr/>
-          </a:p>
-          <a:p>
-            <a:pPr indent="0" lvl="0" marL="0" marR="0" rtl="0" algn="ctr">
-              <a:lnSpc>
-                <a:spcPct val="100000"/>
-              </a:lnSpc>
-              <a:spcBef>
-                <a:spcPts val="0"/>
-              </a:spcBef>
-              <a:spcAft>
-                <a:spcPts val="0"/>
-              </a:spcAft>
-              <a:buClr>
-                <a:srgbClr val="000000"/>
-              </a:buClr>
-              <a:buSzPts val="1600"/>
-              <a:buFont typeface="Arial"/>
-              <a:buNone/>
-            </a:pPr>
-            <a:r>
-              <a:rPr b="1" i="1" lang="en-US" sz="1100" u="none" cap="none" strike="noStrike">
-                <a:solidFill>
-                  <a:schemeClr val="dk1"/>
-                </a:solidFill>
-                <a:latin typeface="Arial"/>
-                <a:ea typeface="Arial"/>
-                <a:cs typeface="Arial"/>
-                <a:sym typeface="Arial"/>
-              </a:rPr>
-              <a:t>Reports</a:t>
+              <a:t/>
             </a:r>
             <a:endParaRPr b="0" i="0" sz="1100" u="none" cap="none" strike="noStrike">
               <a:solidFill>
@@ -17271,44 +17186,16 @@
           </a:p>
         </p:txBody>
       </p:sp>
-      <p:cxnSp>
-        <p:nvCxnSpPr>
-          <p:cNvPr id="117" name="Google Shape;117;gdea865f612_0_48"/>
-          <p:cNvCxnSpPr/>
-          <p:nvPr/>
-        </p:nvCxnSpPr>
-        <p:spPr>
-          <a:xfrm flipH="1">
-            <a:off x="9375285" y="2758183"/>
-            <a:ext cx="1053000" cy="378900"/>
-          </a:xfrm>
-          <a:prstGeom prst="bentConnector3">
-            <a:avLst>
-              <a:gd fmla="val 22188" name="adj1"/>
-            </a:avLst>
-          </a:prstGeom>
-          <a:noFill/>
-          <a:ln cap="flat" cmpd="sng" w="19050">
-            <a:solidFill>
-              <a:srgbClr val="7F7F7F"/>
-            </a:solidFill>
-            <a:prstDash val="dash"/>
-            <a:miter lim="800000"/>
-            <a:headEnd len="med" w="med" type="triangle"/>
-            <a:tailEnd len="med" w="med" type="triangle"/>
-          </a:ln>
-        </p:spPr>
-      </p:cxnSp>
       <p:sp>
         <p:nvSpPr>
-          <p:cNvPr id="118" name="Google Shape;118;gdea865f612_0_48"/>
+          <p:cNvPr id="117" name="Google Shape;117;gdea865f612_0_48"/>
           <p:cNvSpPr/>
           <p:nvPr/>
         </p:nvSpPr>
         <p:spPr>
           <a:xfrm>
-            <a:off x="10527986" y="4072676"/>
-            <a:ext cx="1118700" cy="511500"/>
+            <a:off x="10640987" y="4623258"/>
+            <a:ext cx="1155000" cy="511500"/>
           </a:xfrm>
           <a:prstGeom prst="roundRect">
             <a:avLst>
@@ -17363,7 +17250,48 @@
               <a:buNone/>
             </a:pPr>
             <a:r>
-              <a:t/>
+              <a:rPr b="1" i="1" lang="en-US" sz="1100" u="none" cap="none" strike="noStrike">
+                <a:solidFill>
+                  <a:schemeClr val="dk1"/>
+                </a:solidFill>
+                <a:latin typeface="Arial"/>
+                <a:ea typeface="Arial"/>
+                <a:cs typeface="Arial"/>
+                <a:sym typeface="Arial"/>
+              </a:rPr>
+              <a:t>Update</a:t>
+            </a:r>
+            <a:endParaRPr/>
+          </a:p>
+          <a:p>
+            <a:pPr indent="0" lvl="0" marL="0" marR="0" rtl="0" algn="ctr">
+              <a:lnSpc>
+                <a:spcPct val="100000"/>
+              </a:lnSpc>
+              <a:spcBef>
+                <a:spcPts val="0"/>
+              </a:spcBef>
+              <a:spcAft>
+                <a:spcPts val="0"/>
+              </a:spcAft>
+              <a:buClr>
+                <a:srgbClr val="000000"/>
+              </a:buClr>
+              <a:buSzPts val="1600"/>
+              <a:buFont typeface="Arial"/>
+              <a:buNone/>
+            </a:pPr>
+            <a:r>
+              <a:rPr b="1" i="1" lang="en-US" sz="1100" u="none" cap="none" strike="noStrike">
+                <a:solidFill>
+                  <a:schemeClr val="dk1"/>
+                </a:solidFill>
+                <a:latin typeface="Arial"/>
+                <a:ea typeface="Arial"/>
+                <a:cs typeface="Arial"/>
+                <a:sym typeface="Arial"/>
+              </a:rPr>
+              <a:t>Requests</a:t>
             </a:r>
             <a:endParaRPr b="0" i="0" sz="1100" u="none" cap="none" strike="noStrike">
               <a:solidFill>
@@ -17377,16 +17305,283 @@
           </a:p>
         </p:txBody>
       </p:sp>
+      <p:cxnSp>
+        <p:nvCxnSpPr>
+          <p:cNvPr id="118" name="Google Shape;118;gdea865f612_0_48"/>
+          <p:cNvCxnSpPr/>
+          <p:nvPr/>
+        </p:nvCxnSpPr>
+        <p:spPr>
+          <a:xfrm rot="10800000">
+            <a:off x="9375486" y="4732576"/>
+            <a:ext cx="1165800" cy="1500"/>
+          </a:xfrm>
+          <a:prstGeom prst="straightConnector1">
+            <a:avLst/>
+          </a:prstGeom>
+          <a:noFill/>
+          <a:ln cap="flat" cmpd="sng" w="19050">
+            <a:solidFill>
+              <a:srgbClr val="7F7F7F"/>
+            </a:solidFill>
+            <a:prstDash val="dash"/>
+            <a:miter lim="800000"/>
+            <a:headEnd len="med" w="med" type="triangle"/>
+            <a:tailEnd len="med" w="med" type="triangle"/>
+          </a:ln>
+        </p:spPr>
+      </p:cxnSp>
+      <p:cxnSp>
+        <p:nvCxnSpPr>
+          <p:cNvPr id="119" name="Google Shape;119;gdea865f612_0_48"/>
+          <p:cNvCxnSpPr>
+            <a:stCxn id="110" idx="2"/>
+            <a:endCxn id="112" idx="3"/>
+          </p:cNvCxnSpPr>
+          <p:nvPr/>
+        </p:nvCxnSpPr>
+        <p:spPr>
+          <a:xfrm rot="5400000">
+            <a:off x="7250539" y="4668207"/>
+            <a:ext cx="1177500" cy="1443600"/>
+          </a:xfrm>
+          <a:prstGeom prst="bentConnector2">
+            <a:avLst/>
+          </a:prstGeom>
+          <a:noFill/>
+          <a:ln cap="flat" cmpd="sng" w="19050">
+            <a:solidFill>
+              <a:srgbClr val="7F7F7F"/>
+            </a:solidFill>
+            <a:prstDash val="dash"/>
+            <a:miter lim="800000"/>
+            <a:headEnd len="med" w="med" type="triangle"/>
+            <a:tailEnd len="sm" w="sm" type="none"/>
+          </a:ln>
+        </p:spPr>
+      </p:cxnSp>
+      <p:cxnSp>
+        <p:nvCxnSpPr>
+          <p:cNvPr id="120" name="Google Shape;120;gdea865f612_0_48"/>
+          <p:cNvCxnSpPr>
+            <a:stCxn id="109" idx="1"/>
+            <a:endCxn id="112" idx="3"/>
+          </p:cNvCxnSpPr>
+          <p:nvPr/>
+        </p:nvCxnSpPr>
+        <p:spPr>
+          <a:xfrm flipH="1">
+            <a:off x="7117489" y="3677311"/>
+            <a:ext cx="629400" cy="2301300"/>
+          </a:xfrm>
+          <a:prstGeom prst="bentConnector3">
+            <a:avLst>
+              <a:gd fmla="val 21900" name="adj1"/>
+            </a:avLst>
+          </a:prstGeom>
+          <a:noFill/>
+          <a:ln cap="flat" cmpd="sng" w="19050">
+            <a:solidFill>
+              <a:srgbClr val="7F7F7F"/>
+            </a:solidFill>
+            <a:prstDash val="dash"/>
+            <a:miter lim="800000"/>
+            <a:headEnd len="med" w="med" type="triangle"/>
+            <a:tailEnd len="sm" w="sm" type="none"/>
+          </a:ln>
+        </p:spPr>
+      </p:cxnSp>
+      <p:cxnSp>
+        <p:nvCxnSpPr>
+          <p:cNvPr id="121" name="Google Shape;121;gdea865f612_0_48"/>
+          <p:cNvCxnSpPr>
+            <a:stCxn id="103" idx="1"/>
+            <a:endCxn id="105" idx="3"/>
+          </p:cNvCxnSpPr>
+          <p:nvPr/>
+        </p:nvCxnSpPr>
+        <p:spPr>
+          <a:xfrm flipH="1">
+            <a:off x="2529200" y="3563122"/>
+            <a:ext cx="1053300" cy="4200"/>
+          </a:xfrm>
+          <a:prstGeom prst="straightConnector1">
+            <a:avLst/>
+          </a:prstGeom>
+          <a:noFill/>
+          <a:ln cap="flat" cmpd="sng" w="19050">
+            <a:solidFill>
+              <a:srgbClr val="7F7F7F"/>
+            </a:solidFill>
+            <a:prstDash val="dash"/>
+            <a:miter lim="800000"/>
+            <a:headEnd len="sm" w="sm" type="none"/>
+            <a:tailEnd len="med" w="med" type="triangle"/>
+          </a:ln>
+        </p:spPr>
+      </p:cxnSp>
+      <p:cxnSp>
+        <p:nvCxnSpPr>
+          <p:cNvPr id="122" name="Google Shape;122;gdea865f612_0_48"/>
+          <p:cNvCxnSpPr/>
+          <p:nvPr/>
+        </p:nvCxnSpPr>
+        <p:spPr>
+          <a:xfrm flipH="1">
+            <a:off x="2468298" y="3706166"/>
+            <a:ext cx="1114200" cy="699900"/>
+          </a:xfrm>
+          <a:prstGeom prst="bentConnector3">
+            <a:avLst>
+              <a:gd fmla="val 68239" name="adj1"/>
+            </a:avLst>
+          </a:prstGeom>
+          <a:noFill/>
+          <a:ln cap="flat" cmpd="sng" w="19050">
+            <a:solidFill>
+              <a:srgbClr val="7F7F7F"/>
+            </a:solidFill>
+            <a:prstDash val="dash"/>
+            <a:miter lim="800000"/>
+            <a:headEnd len="med" w="med" type="triangle"/>
+            <a:tailEnd len="sm" w="sm" type="none"/>
+          </a:ln>
+        </p:spPr>
+      </p:cxnSp>
+      <p:cxnSp>
+        <p:nvCxnSpPr>
+          <p:cNvPr id="123" name="Google Shape;123;gdea865f612_0_48"/>
+          <p:cNvCxnSpPr/>
+          <p:nvPr/>
+        </p:nvCxnSpPr>
+        <p:spPr>
+          <a:xfrm rot="10800000">
+            <a:off x="2544498" y="4686418"/>
+            <a:ext cx="1114200" cy="0"/>
+          </a:xfrm>
+          <a:prstGeom prst="straightConnector1">
+            <a:avLst/>
+          </a:prstGeom>
+          <a:noFill/>
+          <a:ln cap="flat" cmpd="sng" w="19050">
+            <a:solidFill>
+              <a:srgbClr val="7F7F7F"/>
+            </a:solidFill>
+            <a:prstDash val="dash"/>
+            <a:miter lim="800000"/>
+            <a:headEnd len="sm" w="sm" type="none"/>
+            <a:tailEnd len="med" w="med" type="triangle"/>
+          </a:ln>
+        </p:spPr>
+      </p:cxnSp>
       <p:sp>
         <p:nvSpPr>
-          <p:cNvPr id="119" name="Google Shape;119;gdea865f612_0_48"/>
+          <p:cNvPr id="124" name="Google Shape;124;gdea865f612_0_48"/>
           <p:cNvSpPr/>
           <p:nvPr/>
         </p:nvSpPr>
         <p:spPr>
           <a:xfrm>
-            <a:off x="10640987" y="4166058"/>
-            <a:ext cx="1155000" cy="511500"/>
+            <a:off x="5692339" y="3630430"/>
+            <a:ext cx="1853700" cy="652200"/>
+          </a:xfrm>
+          <a:prstGeom prst="roundRect">
+            <a:avLst>
+              <a:gd fmla="val 16667" name="adj"/>
+            </a:avLst>
+          </a:prstGeom>
+          <a:solidFill>
+            <a:srgbClr val="7F7F7F"/>
+          </a:solidFill>
+          <a:ln>
+            <a:noFill/>
+          </a:ln>
+        </p:spPr>
+        <p:txBody>
+          <a:bodyPr anchorCtr="0" anchor="ctr" bIns="45700" lIns="91425" spcFirstLastPara="1" rIns="91425" wrap="square" tIns="45700">
+            <a:noAutofit/>
+          </a:bodyPr>
+          <a:lstStyle/>
+          <a:p>
+            <a:pPr indent="0" lvl="0" marL="0" marR="0" rtl="0" algn="ctr">
+              <a:lnSpc>
+                <a:spcPct val="100000"/>
+              </a:lnSpc>
+              <a:spcBef>
+                <a:spcPts val="0"/>
+              </a:spcBef>
+              <a:spcAft>
+                <a:spcPts val="0"/>
+              </a:spcAft>
+              <a:buClr>
+                <a:srgbClr val="000000"/>
+              </a:buClr>
+              <a:buSzPts val="1800"/>
+              <a:buFont typeface="Arial"/>
+              <a:buNone/>
+            </a:pPr>
+            <a:r>
+              <a:rPr b="1" i="0" lang="en-US" sz="2400" u="none" cap="none" strike="noStrike">
+                <a:solidFill>
+                  <a:schemeClr val="lt1"/>
+                </a:solidFill>
+                <a:latin typeface="Arial"/>
+                <a:ea typeface="Arial"/>
+                <a:cs typeface="Arial"/>
+                <a:sym typeface="Arial"/>
+              </a:rPr>
+              <a:t>Engine</a:t>
+            </a:r>
+            <a:endParaRPr b="1" i="0" sz="1600" u="none" cap="none" strike="noStrike">
+              <a:solidFill>
+                <a:srgbClr val="000000"/>
+              </a:solidFill>
+              <a:latin typeface="Arial"/>
+              <a:ea typeface="Arial"/>
+              <a:cs typeface="Arial"/>
+              <a:sym typeface="Arial"/>
+            </a:endParaRPr>
+          </a:p>
+        </p:txBody>
+      </p:sp>
+      <p:cxnSp>
+        <p:nvCxnSpPr>
+          <p:cNvPr id="125" name="Google Shape;125;gdea865f612_0_48"/>
+          <p:cNvCxnSpPr/>
+          <p:nvPr/>
+        </p:nvCxnSpPr>
+        <p:spPr>
+          <a:xfrm rot="-5400000">
+            <a:off x="6269435" y="3356230"/>
+            <a:ext cx="547800" cy="600"/>
+          </a:xfrm>
+          <a:prstGeom prst="bentConnector3">
+            <a:avLst>
+              <a:gd fmla="val 50013" name="adj1"/>
+            </a:avLst>
+          </a:prstGeom>
+          <a:noFill/>
+          <a:ln cap="flat" cmpd="sng" w="19050">
+            <a:solidFill>
+              <a:srgbClr val="7F7F7F"/>
+            </a:solidFill>
+            <a:prstDash val="dash"/>
+            <a:miter lim="800000"/>
+            <a:headEnd len="med" w="med" type="triangle"/>
+            <a:tailEnd len="sm" w="sm" type="none"/>
+          </a:ln>
+        </p:spPr>
+      </p:cxnSp>
+      <p:sp>
+        <p:nvSpPr>
+          <p:cNvPr id="126" name="Google Shape;126;gdea865f612_0_48"/>
+          <p:cNvSpPr/>
+          <p:nvPr/>
+        </p:nvSpPr>
+        <p:spPr>
+          <a:xfrm>
+            <a:off x="8939215" y="5479263"/>
+            <a:ext cx="2079300" cy="646200"/>
           </a:xfrm>
           <a:prstGeom prst="roundRect">
             <a:avLst>
@@ -17436,57 +17631,16 @@
               <a:buClr>
                 <a:srgbClr val="000000"/>
               </a:buClr>
-              <a:buSzPts val="1600"/>
+              <a:buSzPts val="1800"/>
               <a:buFont typeface="Arial"/>
               <a:buNone/>
             </a:pPr>
             <a:r>
-              <a:rPr b="1" i="1" lang="en-US" sz="1100" u="none" cap="none" strike="noStrike">
-                <a:solidFill>
-                  <a:schemeClr val="dk1"/>
-                </a:solidFill>
-                <a:latin typeface="Arial"/>
-                <a:ea typeface="Arial"/>
-                <a:cs typeface="Arial"/>
-                <a:sym typeface="Arial"/>
-              </a:rPr>
-              <a:t>Update</a:t>
+              <a:t/>
             </a:r>
-            <a:endParaRPr/>
-          </a:p>
-          <a:p>
-            <a:pPr indent="0" lvl="0" marL="0" marR="0" rtl="0" algn="ctr">
-              <a:lnSpc>
-                <a:spcPct val="100000"/>
-              </a:lnSpc>
-              <a:spcBef>
-                <a:spcPts val="0"/>
-              </a:spcBef>
-              <a:spcAft>
-                <a:spcPts val="0"/>
-              </a:spcAft>
-              <a:buClr>
-                <a:srgbClr val="000000"/>
-              </a:buClr>
-              <a:buSzPts val="1600"/>
-              <a:buFont typeface="Arial"/>
-              <a:buNone/>
-            </a:pPr>
-            <a:r>
-              <a:rPr b="1" i="1" lang="en-US" sz="1100" u="none" cap="none" strike="noStrike">
-                <a:solidFill>
-                  <a:schemeClr val="dk1"/>
-                </a:solidFill>
-                <a:latin typeface="Arial"/>
-                <a:ea typeface="Arial"/>
-                <a:cs typeface="Arial"/>
-                <a:sym typeface="Arial"/>
-              </a:rPr>
-              <a:t>Requests</a:t>
-            </a:r>
-            <a:endParaRPr b="0" i="0" sz="1100" u="none" cap="none" strike="noStrike">
+            <a:endParaRPr b="1" i="1" sz="1800" u="none" cap="none" strike="noStrike">
               <a:solidFill>
-                <a:srgbClr val="000000"/>
+                <a:schemeClr val="dk1"/>
               </a:solidFill>
               <a:latin typeface="Arial"/>
               <a:ea typeface="Arial"/>
@@ -17496,282 +17650,15 @@
           </a:p>
         </p:txBody>
       </p:sp>
-      <p:cxnSp>
-        <p:nvCxnSpPr>
-          <p:cNvPr id="120" name="Google Shape;120;gdea865f612_0_48"/>
-          <p:cNvCxnSpPr/>
-          <p:nvPr/>
-        </p:nvCxnSpPr>
-        <p:spPr>
-          <a:xfrm rot="10800000">
-            <a:off x="9375486" y="4275376"/>
-            <a:ext cx="1165800" cy="1500"/>
-          </a:xfrm>
-          <a:prstGeom prst="straightConnector1">
-            <a:avLst/>
-          </a:prstGeom>
-          <a:noFill/>
-          <a:ln cap="flat" cmpd="sng" w="19050">
-            <a:solidFill>
-              <a:srgbClr val="7F7F7F"/>
-            </a:solidFill>
-            <a:prstDash val="dash"/>
-            <a:miter lim="800000"/>
-            <a:headEnd len="med" w="med" type="triangle"/>
-            <a:tailEnd len="med" w="med" type="triangle"/>
-          </a:ln>
-        </p:spPr>
-      </p:cxnSp>
-      <p:cxnSp>
-        <p:nvCxnSpPr>
-          <p:cNvPr id="121" name="Google Shape;121;gdea865f612_0_48"/>
-          <p:cNvCxnSpPr>
-            <a:stCxn id="112" idx="2"/>
-            <a:endCxn id="114" idx="3"/>
-          </p:cNvCxnSpPr>
-          <p:nvPr/>
-        </p:nvCxnSpPr>
-        <p:spPr>
-          <a:xfrm rot="5400000">
-            <a:off x="7174244" y="4591807"/>
-            <a:ext cx="1634700" cy="1139100"/>
-          </a:xfrm>
-          <a:prstGeom prst="bentConnector2">
-            <a:avLst/>
-          </a:prstGeom>
-          <a:noFill/>
-          <a:ln cap="flat" cmpd="sng" w="19050">
-            <a:solidFill>
-              <a:srgbClr val="7F7F7F"/>
-            </a:solidFill>
-            <a:prstDash val="dash"/>
-            <a:miter lim="800000"/>
-            <a:headEnd len="med" w="med" type="triangle"/>
-            <a:tailEnd len="sm" w="sm" type="none"/>
-          </a:ln>
-        </p:spPr>
-      </p:cxnSp>
-      <p:cxnSp>
-        <p:nvCxnSpPr>
-          <p:cNvPr id="122" name="Google Shape;122;gdea865f612_0_48"/>
-          <p:cNvCxnSpPr>
-            <a:stCxn id="111" idx="1"/>
-            <a:endCxn id="114" idx="3"/>
-          </p:cNvCxnSpPr>
-          <p:nvPr/>
-        </p:nvCxnSpPr>
-        <p:spPr>
-          <a:xfrm flipH="1">
-            <a:off x="7422289" y="3220111"/>
-            <a:ext cx="324600" cy="2758500"/>
-          </a:xfrm>
-          <a:prstGeom prst="bentConnector3">
-            <a:avLst>
-              <a:gd fmla="val 50015" name="adj1"/>
-            </a:avLst>
-          </a:prstGeom>
-          <a:noFill/>
-          <a:ln cap="flat" cmpd="sng" w="19050">
-            <a:solidFill>
-              <a:srgbClr val="7F7F7F"/>
-            </a:solidFill>
-            <a:prstDash val="dash"/>
-            <a:miter lim="800000"/>
-            <a:headEnd len="med" w="med" type="triangle"/>
-            <a:tailEnd len="sm" w="sm" type="none"/>
-          </a:ln>
-        </p:spPr>
-      </p:cxnSp>
-      <p:cxnSp>
-        <p:nvCxnSpPr>
-          <p:cNvPr id="123" name="Google Shape;123;gdea865f612_0_48"/>
-          <p:cNvCxnSpPr>
-            <a:stCxn id="103" idx="1"/>
-            <a:endCxn id="105" idx="3"/>
-          </p:cNvCxnSpPr>
-          <p:nvPr/>
-        </p:nvCxnSpPr>
-        <p:spPr>
-          <a:xfrm flipH="1">
-            <a:off x="2529200" y="3105897"/>
-            <a:ext cx="1129500" cy="4200"/>
-          </a:xfrm>
-          <a:prstGeom prst="straightConnector1">
-            <a:avLst/>
-          </a:prstGeom>
-          <a:noFill/>
-          <a:ln cap="flat" cmpd="sng" w="19050">
-            <a:solidFill>
-              <a:srgbClr val="7F7F7F"/>
-            </a:solidFill>
-            <a:prstDash val="dash"/>
-            <a:miter lim="800000"/>
-            <a:headEnd len="sm" w="sm" type="none"/>
-            <a:tailEnd len="med" w="med" type="triangle"/>
-          </a:ln>
-        </p:spPr>
-      </p:cxnSp>
-      <p:cxnSp>
-        <p:nvCxnSpPr>
-          <p:cNvPr id="124" name="Google Shape;124;gdea865f612_0_48"/>
-          <p:cNvCxnSpPr/>
-          <p:nvPr/>
-        </p:nvCxnSpPr>
-        <p:spPr>
-          <a:xfrm rot="10800000">
-            <a:off x="2544459" y="4229218"/>
-            <a:ext cx="1114239" cy="0"/>
-          </a:xfrm>
-          <a:prstGeom prst="straightConnector1">
-            <a:avLst/>
-          </a:prstGeom>
-          <a:noFill/>
-          <a:ln cap="flat" cmpd="sng" w="19050">
-            <a:solidFill>
-              <a:srgbClr val="7F7F7F"/>
-            </a:solidFill>
-            <a:prstDash val="dash"/>
-            <a:miter lim="800000"/>
-            <a:headEnd len="sm" w="sm" type="none"/>
-            <a:tailEnd len="med" w="med" type="triangle"/>
-          </a:ln>
-        </p:spPr>
-      </p:cxnSp>
-      <p:cxnSp>
-        <p:nvCxnSpPr>
-          <p:cNvPr id="125" name="Google Shape;125;gdea865f612_0_48"/>
-          <p:cNvCxnSpPr/>
-          <p:nvPr/>
-        </p:nvCxnSpPr>
-        <p:spPr>
-          <a:xfrm flipH="1">
-            <a:off x="2544498" y="3248966"/>
-            <a:ext cx="1114200" cy="699900"/>
-          </a:xfrm>
-          <a:prstGeom prst="bentConnector3">
-            <a:avLst>
-              <a:gd fmla="val 68239" name="adj1"/>
-            </a:avLst>
-          </a:prstGeom>
-          <a:noFill/>
-          <a:ln cap="flat" cmpd="sng" w="19050">
-            <a:solidFill>
-              <a:srgbClr val="7F7F7F"/>
-            </a:solidFill>
-            <a:prstDash val="dash"/>
-            <a:miter lim="800000"/>
-            <a:headEnd len="med" w="med" type="triangle"/>
-            <a:tailEnd len="sm" w="sm" type="none"/>
-          </a:ln>
-        </p:spPr>
-      </p:cxnSp>
       <p:sp>
         <p:nvSpPr>
-          <p:cNvPr id="126" name="Google Shape;126;gdea865f612_0_48"/>
+          <p:cNvPr id="127" name="Google Shape;127;gdea865f612_0_48"/>
           <p:cNvSpPr/>
           <p:nvPr/>
         </p:nvSpPr>
         <p:spPr>
           <a:xfrm>
-            <a:off x="5616139" y="3173230"/>
-            <a:ext cx="1853700" cy="652200"/>
-          </a:xfrm>
-          <a:prstGeom prst="roundRect">
-            <a:avLst>
-              <a:gd fmla="val 16667" name="adj"/>
-            </a:avLst>
-          </a:prstGeom>
-          <a:solidFill>
-            <a:srgbClr val="7F7F7F"/>
-          </a:solidFill>
-          <a:ln>
-            <a:noFill/>
-          </a:ln>
-        </p:spPr>
-        <p:txBody>
-          <a:bodyPr anchorCtr="0" anchor="ctr" bIns="45700" lIns="91425" spcFirstLastPara="1" rIns="91425" wrap="square" tIns="45700">
-            <a:noAutofit/>
-          </a:bodyPr>
-          <a:lstStyle/>
-          <a:p>
-            <a:pPr indent="0" lvl="0" marL="0" marR="0" rtl="0" algn="ctr">
-              <a:lnSpc>
-                <a:spcPct val="100000"/>
-              </a:lnSpc>
-              <a:spcBef>
-                <a:spcPts val="0"/>
-              </a:spcBef>
-              <a:spcAft>
-                <a:spcPts val="0"/>
-              </a:spcAft>
-              <a:buClr>
-                <a:srgbClr val="000000"/>
-              </a:buClr>
-              <a:buSzPts val="1800"/>
-              <a:buFont typeface="Arial"/>
-              <a:buNone/>
-            </a:pPr>
-            <a:r>
-              <a:rPr b="1" i="0" lang="en-US" sz="2400" u="none" cap="none" strike="noStrike">
-                <a:solidFill>
-                  <a:schemeClr val="lt1"/>
-                </a:solidFill>
-                <a:latin typeface="Arial"/>
-                <a:ea typeface="Arial"/>
-                <a:cs typeface="Arial"/>
-                <a:sym typeface="Arial"/>
-              </a:rPr>
-              <a:t>Engine</a:t>
-            </a:r>
-            <a:endParaRPr b="1" i="0" sz="1600" u="none" cap="none" strike="noStrike">
-              <a:solidFill>
-                <a:srgbClr val="000000"/>
-              </a:solidFill>
-              <a:latin typeface="Arial"/>
-              <a:ea typeface="Arial"/>
-              <a:cs typeface="Arial"/>
-              <a:sym typeface="Arial"/>
-            </a:endParaRPr>
-          </a:p>
-        </p:txBody>
-      </p:sp>
-      <p:cxnSp>
-        <p:nvCxnSpPr>
-          <p:cNvPr id="127" name="Google Shape;127;gdea865f612_0_48"/>
-          <p:cNvCxnSpPr/>
-          <p:nvPr/>
-        </p:nvCxnSpPr>
-        <p:spPr>
-          <a:xfrm rot="-5400000">
-            <a:off x="6269435" y="2899030"/>
-            <a:ext cx="547800" cy="600"/>
-          </a:xfrm>
-          <a:prstGeom prst="bentConnector3">
-            <a:avLst>
-              <a:gd fmla="val 50013" name="adj1"/>
-            </a:avLst>
-          </a:prstGeom>
-          <a:noFill/>
-          <a:ln cap="flat" cmpd="sng" w="19050">
-            <a:solidFill>
-              <a:srgbClr val="7F7F7F"/>
-            </a:solidFill>
-            <a:prstDash val="dash"/>
-            <a:miter lim="800000"/>
-            <a:headEnd len="med" w="med" type="triangle"/>
-            <a:tailEnd len="sm" w="sm" type="none"/>
-          </a:ln>
-        </p:spPr>
-      </p:cxnSp>
-      <p:sp>
-        <p:nvSpPr>
-          <p:cNvPr id="128" name="Google Shape;128;gdea865f612_0_48"/>
-          <p:cNvSpPr/>
-          <p:nvPr/>
-        </p:nvSpPr>
-        <p:spPr>
-          <a:xfrm>
-            <a:off x="8939215" y="5479263"/>
+            <a:off x="9056970" y="5591620"/>
             <a:ext cx="2079300" cy="646200"/>
           </a:xfrm>
           <a:prstGeom prst="roundRect">
@@ -17822,16 +17709,25 @@
               <a:buClr>
                 <a:srgbClr val="000000"/>
               </a:buClr>
-              <a:buSzPts val="1800"/>
+              <a:buSzPts val="1600"/>
               <a:buFont typeface="Arial"/>
               <a:buNone/>
             </a:pPr>
             <a:r>
-              <a:t/>
+              <a:rPr b="1" i="1" lang="en-US" sz="1600" u="none" cap="none" strike="noStrike">
+                <a:solidFill>
+                  <a:schemeClr val="dk1"/>
+                </a:solidFill>
+                <a:latin typeface="Arial"/>
+                <a:ea typeface="Arial"/>
+                <a:cs typeface="Arial"/>
+                <a:sym typeface="Arial"/>
+              </a:rPr>
+              <a:t>PolicyExceptions</a:t>
             </a:r>
-            <a:endParaRPr b="1" i="1" sz="1800" u="none" cap="none" strike="noStrike">
+            <a:endParaRPr b="0" i="0" sz="1200" u="none" cap="none" strike="noStrike">
               <a:solidFill>
-                <a:schemeClr val="dk1"/>
+                <a:srgbClr val="000000"/>
               </a:solidFill>
               <a:latin typeface="Arial"/>
               <a:ea typeface="Arial"/>
@@ -17841,16 +17737,340 @@
           </a:p>
         </p:txBody>
       </p:sp>
+      <p:cxnSp>
+        <p:nvCxnSpPr>
+          <p:cNvPr id="128" name="Google Shape;128;gdea865f612_0_48"/>
+          <p:cNvCxnSpPr/>
+          <p:nvPr/>
+        </p:nvCxnSpPr>
+        <p:spPr>
+          <a:xfrm flipH="1">
+            <a:off x="7017925" y="3476050"/>
+            <a:ext cx="751200" cy="182400"/>
+          </a:xfrm>
+          <a:prstGeom prst="bentConnector3">
+            <a:avLst>
+              <a:gd fmla="val 99983" name="adj1"/>
+            </a:avLst>
+          </a:prstGeom>
+          <a:noFill/>
+          <a:ln cap="flat" cmpd="sng" w="19050">
+            <a:solidFill>
+              <a:srgbClr val="7F7F7F"/>
+            </a:solidFill>
+            <a:prstDash val="dash"/>
+            <a:miter lim="800000"/>
+            <a:headEnd len="sm" w="sm" type="none"/>
+            <a:tailEnd len="med" w="med" type="triangle"/>
+          </a:ln>
+        </p:spPr>
+      </p:cxnSp>
+      <p:cxnSp>
+        <p:nvCxnSpPr>
+          <p:cNvPr id="129" name="Google Shape;129;gdea865f612_0_48"/>
+          <p:cNvCxnSpPr>
+            <a:stCxn id="110" idx="1"/>
+          </p:cNvCxnSpPr>
+          <p:nvPr/>
+        </p:nvCxnSpPr>
+        <p:spPr>
+          <a:xfrm rot="10800000">
+            <a:off x="6542989" y="4282557"/>
+            <a:ext cx="1203900" cy="221400"/>
+          </a:xfrm>
+          <a:prstGeom prst="bentConnector2">
+            <a:avLst/>
+          </a:prstGeom>
+          <a:noFill/>
+          <a:ln cap="flat" cmpd="sng" w="19050">
+            <a:solidFill>
+              <a:srgbClr val="7F7F7F"/>
+            </a:solidFill>
+            <a:prstDash val="dash"/>
+            <a:miter lim="800000"/>
+            <a:headEnd len="sm" w="sm" type="none"/>
+            <a:tailEnd len="med" w="med" type="triangle"/>
+          </a:ln>
+        </p:spPr>
+      </p:cxnSp>
+      <p:cxnSp>
+        <p:nvCxnSpPr>
+          <p:cNvPr id="130" name="Google Shape;130;gdea865f612_0_48"/>
+          <p:cNvCxnSpPr/>
+          <p:nvPr/>
+        </p:nvCxnSpPr>
+        <p:spPr>
+          <a:xfrm flipH="1" rot="5400000">
+            <a:off x="4239350" y="4451272"/>
+            <a:ext cx="1977600" cy="201300"/>
+          </a:xfrm>
+          <a:prstGeom prst="bentConnector3">
+            <a:avLst>
+              <a:gd fmla="val 100867" name="adj1"/>
+            </a:avLst>
+          </a:prstGeom>
+          <a:noFill/>
+          <a:ln cap="flat" cmpd="sng" w="19050">
+            <a:solidFill>
+              <a:srgbClr val="7F7F7F"/>
+            </a:solidFill>
+            <a:prstDash val="dash"/>
+            <a:miter lim="800000"/>
+            <a:headEnd len="sm" w="sm" type="none"/>
+            <a:tailEnd len="med" w="med" type="triangle"/>
+          </a:ln>
+        </p:spPr>
+      </p:cxnSp>
+      <p:cxnSp>
+        <p:nvCxnSpPr>
+          <p:cNvPr id="131" name="Google Shape;131;gdea865f612_0_48"/>
+          <p:cNvCxnSpPr>
+            <a:endCxn id="126" idx="1"/>
+          </p:cNvCxnSpPr>
+          <p:nvPr/>
+        </p:nvCxnSpPr>
+        <p:spPr>
+          <a:xfrm>
+            <a:off x="7252015" y="4260063"/>
+            <a:ext cx="1687200" cy="1542300"/>
+          </a:xfrm>
+          <a:prstGeom prst="bentConnector3">
+            <a:avLst>
+              <a:gd fmla="val 728" name="adj1"/>
+            </a:avLst>
+          </a:prstGeom>
+          <a:noFill/>
+          <a:ln cap="flat" cmpd="sng" w="19050">
+            <a:solidFill>
+              <a:srgbClr val="7F7F7F"/>
+            </a:solidFill>
+            <a:prstDash val="dash"/>
+            <a:miter lim="800000"/>
+            <a:headEnd len="med" w="med" type="triangle"/>
+            <a:tailEnd len="sm" w="sm" type="none"/>
+          </a:ln>
+        </p:spPr>
+      </p:cxnSp>
+      <p:cxnSp>
+        <p:nvCxnSpPr>
+          <p:cNvPr id="132" name="Google Shape;132;gdea865f612_0_48"/>
+          <p:cNvCxnSpPr>
+            <a:endCxn id="99" idx="2"/>
+          </p:cNvCxnSpPr>
+          <p:nvPr/>
+        </p:nvCxnSpPr>
+        <p:spPr>
+          <a:xfrm rot="10800000">
+            <a:off x="5628692" y="3082383"/>
+            <a:ext cx="4927800" cy="1916400"/>
+          </a:xfrm>
+          <a:prstGeom prst="bentConnector2">
+            <a:avLst/>
+          </a:prstGeom>
+          <a:noFill/>
+          <a:ln cap="flat" cmpd="sng" w="19050">
+            <a:solidFill>
+              <a:srgbClr val="7F7F7F"/>
+            </a:solidFill>
+            <a:prstDash val="dash"/>
+            <a:miter lim="800000"/>
+            <a:headEnd len="med" w="med" type="triangle"/>
+            <a:tailEnd len="sm" w="sm" type="none"/>
+          </a:ln>
+        </p:spPr>
+      </p:cxnSp>
+      <p:cxnSp>
+        <p:nvCxnSpPr>
+          <p:cNvPr id="133" name="Google Shape;133;gdea865f612_0_48"/>
+          <p:cNvCxnSpPr>
+            <a:endCxn id="111" idx="0"/>
+          </p:cNvCxnSpPr>
+          <p:nvPr/>
+        </p:nvCxnSpPr>
+        <p:spPr>
+          <a:xfrm rot="5400000">
+            <a:off x="5306886" y="4887951"/>
+            <a:ext cx="1308300" cy="2100"/>
+          </a:xfrm>
+          <a:prstGeom prst="bentConnector3">
+            <a:avLst>
+              <a:gd fmla="val 50000" name="adj1"/>
+            </a:avLst>
+          </a:prstGeom>
+          <a:noFill/>
+          <a:ln cap="flat" cmpd="sng" w="19050">
+            <a:solidFill>
+              <a:srgbClr val="7F7F7F"/>
+            </a:solidFill>
+            <a:prstDash val="dash"/>
+            <a:miter lim="800000"/>
+            <a:headEnd len="med" w="med" type="triangle"/>
+            <a:tailEnd len="sm" w="sm" type="none"/>
+          </a:ln>
+        </p:spPr>
+      </p:cxnSp>
+      <p:cxnSp>
+        <p:nvCxnSpPr>
+          <p:cNvPr id="134" name="Google Shape;134;gdea865f612_0_48"/>
+          <p:cNvCxnSpPr/>
+          <p:nvPr/>
+        </p:nvCxnSpPr>
+        <p:spPr>
+          <a:xfrm flipH="1" rot="5400000">
+            <a:off x="4252775" y="4302000"/>
+            <a:ext cx="2445900" cy="6600"/>
+          </a:xfrm>
+          <a:prstGeom prst="bentConnector3">
+            <a:avLst>
+              <a:gd fmla="val 50000" name="adj1"/>
+            </a:avLst>
+          </a:prstGeom>
+          <a:noFill/>
+          <a:ln cap="flat" cmpd="sng" w="19050">
+            <a:solidFill>
+              <a:srgbClr val="7F7F7F"/>
+            </a:solidFill>
+            <a:prstDash val="dash"/>
+            <a:miter lim="800000"/>
+            <a:headEnd len="sm" w="sm" type="none"/>
+            <a:tailEnd len="med" w="med" type="triangle"/>
+          </a:ln>
+        </p:spPr>
+      </p:cxnSp>
       <p:sp>
         <p:nvSpPr>
-          <p:cNvPr id="129" name="Google Shape;129;gdea865f612_0_48"/>
+          <p:cNvPr id="135" name="Google Shape;135;gdea865f612_0_48"/>
           <p:cNvSpPr/>
           <p:nvPr/>
         </p:nvSpPr>
         <p:spPr>
           <a:xfrm>
-            <a:off x="9056970" y="5591620"/>
-            <a:ext cx="2079300" cy="646200"/>
+            <a:off x="7744550" y="2611425"/>
+            <a:ext cx="1589100" cy="511500"/>
+          </a:xfrm>
+          <a:prstGeom prst="rect">
+            <a:avLst/>
+          </a:prstGeom>
+          <a:solidFill>
+            <a:schemeClr val="accent1"/>
+          </a:solidFill>
+          <a:ln>
+            <a:noFill/>
+          </a:ln>
+        </p:spPr>
+        <p:txBody>
+          <a:bodyPr anchorCtr="0" anchor="ctr" bIns="45700" lIns="91425" spcFirstLastPara="1" rIns="91425" wrap="square" tIns="45700">
+            <a:noAutofit/>
+          </a:bodyPr>
+          <a:lstStyle/>
+          <a:p>
+            <a:pPr indent="0" lvl="0" marL="0" marR="0" rtl="0" algn="ctr">
+              <a:lnSpc>
+                <a:spcPct val="100000"/>
+              </a:lnSpc>
+              <a:spcBef>
+                <a:spcPts val="0"/>
+              </a:spcBef>
+              <a:spcAft>
+                <a:spcPts val="0"/>
+              </a:spcAft>
+              <a:buClr>
+                <a:srgbClr val="000000"/>
+              </a:buClr>
+              <a:buSzPts val="1800"/>
+              <a:buFont typeface="Arial"/>
+              <a:buNone/>
+            </a:pPr>
+            <a:r>
+              <a:rPr lang="en-US" sz="1800">
+                <a:solidFill>
+                  <a:schemeClr val="lt1"/>
+                </a:solidFill>
+              </a:rPr>
+              <a:t>Cleanup</a:t>
+            </a:r>
+            <a:endParaRPr/>
+          </a:p>
+          <a:p>
+            <a:pPr indent="0" lvl="0" marL="0" marR="0" rtl="0" algn="ctr">
+              <a:lnSpc>
+                <a:spcPct val="100000"/>
+              </a:lnSpc>
+              <a:spcBef>
+                <a:spcPts val="0"/>
+              </a:spcBef>
+              <a:spcAft>
+                <a:spcPts val="0"/>
+              </a:spcAft>
+              <a:buClr>
+                <a:srgbClr val="000000"/>
+              </a:buClr>
+              <a:buSzPts val="1800"/>
+              <a:buFont typeface="Arial"/>
+              <a:buNone/>
+            </a:pPr>
+            <a:r>
+              <a:rPr b="0" i="0" lang="en-US" sz="1800" u="none" cap="none" strike="noStrike">
+                <a:solidFill>
+                  <a:schemeClr val="lt1"/>
+                </a:solidFill>
+                <a:latin typeface="Arial"/>
+                <a:ea typeface="Arial"/>
+                <a:cs typeface="Arial"/>
+                <a:sym typeface="Arial"/>
+              </a:rPr>
+              <a:t>Controller</a:t>
+            </a:r>
+            <a:endParaRPr b="0" i="0" sz="1600" u="none" cap="none" strike="noStrike">
+              <a:solidFill>
+                <a:srgbClr val="000000"/>
+              </a:solidFill>
+              <a:latin typeface="Arial"/>
+              <a:ea typeface="Arial"/>
+              <a:cs typeface="Arial"/>
+              <a:sym typeface="Arial"/>
+            </a:endParaRPr>
+          </a:p>
+        </p:txBody>
+      </p:sp>
+      <p:cxnSp>
+        <p:nvCxnSpPr>
+          <p:cNvPr id="136" name="Google Shape;136;gdea865f612_0_48"/>
+          <p:cNvCxnSpPr/>
+          <p:nvPr/>
+        </p:nvCxnSpPr>
+        <p:spPr>
+          <a:xfrm flipH="1" rot="-5400000">
+            <a:off x="7528550" y="1600875"/>
+            <a:ext cx="1617000" cy="404100"/>
+          </a:xfrm>
+          <a:prstGeom prst="bentConnector3">
+            <a:avLst>
+              <a:gd fmla="val 64900" name="adj1"/>
+            </a:avLst>
+          </a:prstGeom>
+          <a:noFill/>
+          <a:ln cap="flat" cmpd="sng" w="38100">
+            <a:solidFill>
+              <a:schemeClr val="dk1"/>
+            </a:solidFill>
+            <a:prstDash val="dash"/>
+            <a:miter lim="800000"/>
+            <a:headEnd len="med" w="med" type="triangle"/>
+            <a:tailEnd len="med" w="med" type="triangle"/>
+          </a:ln>
+        </p:spPr>
+      </p:cxnSp>
+      <p:sp>
+        <p:nvSpPr>
+          <p:cNvPr id="137" name="Google Shape;137;gdea865f612_0_48"/>
+          <p:cNvSpPr/>
+          <p:nvPr/>
+        </p:nvSpPr>
+        <p:spPr>
+          <a:xfrm>
+            <a:off x="4739880" y="1406825"/>
+            <a:ext cx="3525000" cy="335100"/>
           </a:xfrm>
           <a:prstGeom prst="roundRect">
             <a:avLst>
@@ -17900,25 +18120,16 @@
               <a:buClr>
                 <a:srgbClr val="000000"/>
               </a:buClr>
-              <a:buSzPts val="1600"/>
+              <a:buSzPts val="2000"/>
               <a:buFont typeface="Arial"/>
               <a:buNone/>
             </a:pPr>
             <a:r>
-              <a:rPr b="1" i="1" lang="en-US" sz="1600" u="none" cap="none" strike="noStrike">
-                <a:solidFill>
-                  <a:schemeClr val="dk1"/>
-                </a:solidFill>
-                <a:latin typeface="Arial"/>
-                <a:ea typeface="Arial"/>
-                <a:cs typeface="Arial"/>
-                <a:sym typeface="Arial"/>
-              </a:rPr>
-              <a:t>PolicyExceptions</a:t>
+              <a:t/>
             </a:r>
-            <a:endParaRPr b="0" i="0" sz="1200" u="none" cap="none" strike="noStrike">
+            <a:endParaRPr b="1" i="1" sz="2000" u="none" cap="none" strike="noStrike">
               <a:solidFill>
-                <a:srgbClr val="000000"/>
+                <a:schemeClr val="dk1"/>
               </a:solidFill>
               <a:latin typeface="Arial"/>
               <a:ea typeface="Arial"/>
@@ -17928,341 +18139,16 @@
           </a:p>
         </p:txBody>
       </p:sp>
-      <p:cxnSp>
-        <p:nvCxnSpPr>
-          <p:cNvPr id="130" name="Google Shape;130;gdea865f612_0_48"/>
-          <p:cNvCxnSpPr/>
-          <p:nvPr/>
-        </p:nvCxnSpPr>
-        <p:spPr>
-          <a:xfrm flipH="1">
-            <a:off x="7017925" y="3018850"/>
-            <a:ext cx="751200" cy="182400"/>
-          </a:xfrm>
-          <a:prstGeom prst="bentConnector3">
-            <a:avLst>
-              <a:gd fmla="val 99983" name="adj1"/>
-            </a:avLst>
-          </a:prstGeom>
-          <a:noFill/>
-          <a:ln cap="flat" cmpd="sng" w="19050">
-            <a:solidFill>
-              <a:srgbClr val="7F7F7F"/>
-            </a:solidFill>
-            <a:prstDash val="dash"/>
-            <a:miter lim="800000"/>
-            <a:headEnd len="sm" w="sm" type="none"/>
-            <a:tailEnd len="med" w="med" type="triangle"/>
-          </a:ln>
-        </p:spPr>
-      </p:cxnSp>
-      <p:cxnSp>
-        <p:nvCxnSpPr>
-          <p:cNvPr id="131" name="Google Shape;131;gdea865f612_0_48"/>
-          <p:cNvCxnSpPr>
-            <a:stCxn id="112" idx="1"/>
-          </p:cNvCxnSpPr>
-          <p:nvPr/>
-        </p:nvCxnSpPr>
-        <p:spPr>
-          <a:xfrm rot="10800000">
-            <a:off x="6542989" y="3825332"/>
-            <a:ext cx="1203900" cy="221400"/>
-          </a:xfrm>
-          <a:prstGeom prst="bentConnector2">
-            <a:avLst/>
-          </a:prstGeom>
-          <a:noFill/>
-          <a:ln cap="flat" cmpd="sng" w="19050">
-            <a:solidFill>
-              <a:srgbClr val="7F7F7F"/>
-            </a:solidFill>
-            <a:prstDash val="dash"/>
-            <a:miter lim="800000"/>
-            <a:headEnd len="sm" w="sm" type="none"/>
-            <a:tailEnd len="med" w="med" type="triangle"/>
-          </a:ln>
-        </p:spPr>
-      </p:cxnSp>
-      <p:cxnSp>
-        <p:nvCxnSpPr>
-          <p:cNvPr id="132" name="Google Shape;132;gdea865f612_0_48"/>
-          <p:cNvCxnSpPr>
-            <a:endCxn id="103" idx="3"/>
-          </p:cNvCxnSpPr>
-          <p:nvPr/>
-        </p:nvCxnSpPr>
-        <p:spPr>
-          <a:xfrm flipH="1" rot="5400000">
-            <a:off x="4087028" y="4222647"/>
-            <a:ext cx="2422500" cy="189000"/>
-          </a:xfrm>
-          <a:prstGeom prst="bentConnector2">
-            <a:avLst/>
-          </a:prstGeom>
-          <a:noFill/>
-          <a:ln cap="flat" cmpd="sng" w="19050">
-            <a:solidFill>
-              <a:srgbClr val="7F7F7F"/>
-            </a:solidFill>
-            <a:prstDash val="dash"/>
-            <a:miter lim="800000"/>
-            <a:headEnd len="sm" w="sm" type="none"/>
-            <a:tailEnd len="med" w="med" type="triangle"/>
-          </a:ln>
-        </p:spPr>
-      </p:cxnSp>
-      <p:cxnSp>
-        <p:nvCxnSpPr>
-          <p:cNvPr id="133" name="Google Shape;133;gdea865f612_0_48"/>
-          <p:cNvCxnSpPr/>
-          <p:nvPr/>
-        </p:nvCxnSpPr>
-        <p:spPr>
-          <a:xfrm flipH="1" rot="-5400000">
-            <a:off x="7270575" y="3869825"/>
-            <a:ext cx="1748400" cy="1539300"/>
-          </a:xfrm>
-          <a:prstGeom prst="bentConnector3">
-            <a:avLst>
-              <a:gd fmla="val 104355" name="adj1"/>
-            </a:avLst>
-          </a:prstGeom>
-          <a:noFill/>
-          <a:ln cap="flat" cmpd="sng" w="19050">
-            <a:solidFill>
-              <a:srgbClr val="7F7F7F"/>
-            </a:solidFill>
-            <a:prstDash val="dash"/>
-            <a:miter lim="800000"/>
-            <a:headEnd len="med" w="med" type="triangle"/>
-            <a:tailEnd len="sm" w="sm" type="none"/>
-          </a:ln>
-        </p:spPr>
-      </p:cxnSp>
-      <p:cxnSp>
-        <p:nvCxnSpPr>
-          <p:cNvPr id="134" name="Google Shape;134;gdea865f612_0_48"/>
-          <p:cNvCxnSpPr>
-            <a:endCxn id="99" idx="2"/>
-          </p:cNvCxnSpPr>
-          <p:nvPr/>
-        </p:nvCxnSpPr>
-        <p:spPr>
-          <a:xfrm rot="10800000">
-            <a:off x="5628692" y="2625183"/>
-            <a:ext cx="4899300" cy="1931700"/>
-          </a:xfrm>
-          <a:prstGeom prst="bentConnector2">
-            <a:avLst/>
-          </a:prstGeom>
-          <a:noFill/>
-          <a:ln cap="flat" cmpd="sng" w="19050">
-            <a:solidFill>
-              <a:srgbClr val="7F7F7F"/>
-            </a:solidFill>
-            <a:prstDash val="dash"/>
-            <a:miter lim="800000"/>
-            <a:headEnd len="med" w="med" type="triangle"/>
-            <a:tailEnd len="sm" w="sm" type="none"/>
-          </a:ln>
-        </p:spPr>
-      </p:cxnSp>
-      <p:cxnSp>
-        <p:nvCxnSpPr>
-          <p:cNvPr id="135" name="Google Shape;135;gdea865f612_0_48"/>
-          <p:cNvCxnSpPr>
-            <a:endCxn id="113" idx="0"/>
-          </p:cNvCxnSpPr>
-          <p:nvPr/>
-        </p:nvCxnSpPr>
-        <p:spPr>
-          <a:xfrm rot="5400000">
-            <a:off x="5383086" y="4659351"/>
-            <a:ext cx="1765500" cy="2100"/>
-          </a:xfrm>
-          <a:prstGeom prst="bentConnector3">
-            <a:avLst>
-              <a:gd fmla="val 50000" name="adj1"/>
-            </a:avLst>
-          </a:prstGeom>
-          <a:noFill/>
-          <a:ln cap="flat" cmpd="sng" w="19050">
-            <a:solidFill>
-              <a:srgbClr val="7F7F7F"/>
-            </a:solidFill>
-            <a:prstDash val="dash"/>
-            <a:miter lim="800000"/>
-            <a:headEnd len="med" w="med" type="triangle"/>
-            <a:tailEnd len="sm" w="sm" type="none"/>
-          </a:ln>
-        </p:spPr>
-      </p:cxnSp>
-      <p:cxnSp>
-        <p:nvCxnSpPr>
-          <p:cNvPr id="136" name="Google Shape;136;gdea865f612_0_48"/>
-          <p:cNvCxnSpPr/>
-          <p:nvPr/>
-        </p:nvCxnSpPr>
-        <p:spPr>
-          <a:xfrm flipH="1" rot="5400000">
-            <a:off x="4036475" y="4061075"/>
-            <a:ext cx="2878500" cy="6600"/>
-          </a:xfrm>
-          <a:prstGeom prst="bentConnector3">
-            <a:avLst>
-              <a:gd fmla="val 50000" name="adj1"/>
-            </a:avLst>
-          </a:prstGeom>
-          <a:noFill/>
-          <a:ln cap="flat" cmpd="sng" w="19050">
-            <a:solidFill>
-              <a:srgbClr val="7F7F7F"/>
-            </a:solidFill>
-            <a:prstDash val="dash"/>
-            <a:miter lim="800000"/>
-            <a:headEnd len="sm" w="sm" type="none"/>
-            <a:tailEnd len="med" w="med" type="triangle"/>
-          </a:ln>
-        </p:spPr>
-      </p:cxnSp>
       <p:sp>
         <p:nvSpPr>
-          <p:cNvPr id="137" name="Google Shape;137;gdea865f612_0_48"/>
+          <p:cNvPr id="138" name="Google Shape;138;gdea865f612_0_48"/>
           <p:cNvSpPr/>
           <p:nvPr/>
         </p:nvSpPr>
         <p:spPr>
           <a:xfrm>
-            <a:off x="7744550" y="2154225"/>
-            <a:ext cx="1589100" cy="511500"/>
-          </a:xfrm>
-          <a:prstGeom prst="rect">
-            <a:avLst/>
-          </a:prstGeom>
-          <a:solidFill>
-            <a:schemeClr val="accent1"/>
-          </a:solidFill>
-          <a:ln>
-            <a:noFill/>
-          </a:ln>
-        </p:spPr>
-        <p:txBody>
-          <a:bodyPr anchorCtr="0" anchor="ctr" bIns="45700" lIns="91425" spcFirstLastPara="1" rIns="91425" wrap="square" tIns="45700">
-            <a:noAutofit/>
-          </a:bodyPr>
-          <a:lstStyle/>
-          <a:p>
-            <a:pPr indent="0" lvl="0" marL="0" marR="0" rtl="0" algn="ctr">
-              <a:lnSpc>
-                <a:spcPct val="100000"/>
-              </a:lnSpc>
-              <a:spcBef>
-                <a:spcPts val="0"/>
-              </a:spcBef>
-              <a:spcAft>
-                <a:spcPts val="0"/>
-              </a:spcAft>
-              <a:buClr>
-                <a:srgbClr val="000000"/>
-              </a:buClr>
-              <a:buSzPts val="1800"/>
-              <a:buFont typeface="Arial"/>
-              <a:buNone/>
-            </a:pPr>
-            <a:r>
-              <a:rPr lang="en-US" sz="1800">
-                <a:solidFill>
-                  <a:schemeClr val="lt1"/>
-                </a:solidFill>
-              </a:rPr>
-              <a:t>Cleanup</a:t>
-            </a:r>
-            <a:endParaRPr/>
-          </a:p>
-          <a:p>
-            <a:pPr indent="0" lvl="0" marL="0" marR="0" rtl="0" algn="ctr">
-              <a:lnSpc>
-                <a:spcPct val="100000"/>
-              </a:lnSpc>
-              <a:spcBef>
-                <a:spcPts val="0"/>
-              </a:spcBef>
-              <a:spcAft>
-                <a:spcPts val="0"/>
-              </a:spcAft>
-              <a:buClr>
-                <a:srgbClr val="000000"/>
-              </a:buClr>
-              <a:buSzPts val="1800"/>
-              <a:buFont typeface="Arial"/>
-              <a:buNone/>
-            </a:pPr>
-            <a:r>
-              <a:rPr b="0" i="0" lang="en-US" sz="1800" u="none" cap="none" strike="noStrike">
-                <a:solidFill>
-                  <a:schemeClr val="lt1"/>
-                </a:solidFill>
-                <a:latin typeface="Arial"/>
-                <a:ea typeface="Arial"/>
-                <a:cs typeface="Arial"/>
-                <a:sym typeface="Arial"/>
-              </a:rPr>
-              <a:t>Controller</a:t>
-            </a:r>
-            <a:endParaRPr b="0" i="0" sz="1600" u="none" cap="none" strike="noStrike">
-              <a:solidFill>
-                <a:srgbClr val="000000"/>
-              </a:solidFill>
-              <a:latin typeface="Arial"/>
-              <a:ea typeface="Arial"/>
-              <a:cs typeface="Arial"/>
-              <a:sym typeface="Arial"/>
-            </a:endParaRPr>
-          </a:p>
-        </p:txBody>
-      </p:sp>
-      <p:cxnSp>
-        <p:nvCxnSpPr>
-          <p:cNvPr id="138" name="Google Shape;138;gdea865f612_0_48"/>
-          <p:cNvCxnSpPr>
-            <a:stCxn id="90" idx="2"/>
-            <a:endCxn id="137" idx="0"/>
-          </p:cNvCxnSpPr>
-          <p:nvPr/>
-        </p:nvCxnSpPr>
-        <p:spPr>
-          <a:xfrm flipH="1" rot="-5400000">
-            <a:off x="7757166" y="1372394"/>
-            <a:ext cx="1159800" cy="404100"/>
-          </a:xfrm>
-          <a:prstGeom prst="bentConnector3">
-            <a:avLst>
-              <a:gd fmla="val 78796" name="adj1"/>
-            </a:avLst>
-          </a:prstGeom>
-          <a:noFill/>
-          <a:ln cap="flat" cmpd="sng" w="38100">
-            <a:solidFill>
-              <a:schemeClr val="dk1"/>
-            </a:solidFill>
-            <a:prstDash val="dash"/>
-            <a:miter lim="800000"/>
-            <a:headEnd len="med" w="med" type="triangle"/>
-            <a:tailEnd len="med" w="med" type="triangle"/>
-          </a:ln>
-        </p:spPr>
-      </p:cxnSp>
-      <p:sp>
-        <p:nvSpPr>
-          <p:cNvPr id="139" name="Google Shape;139;gdea865f612_0_48"/>
-          <p:cNvSpPr/>
-          <p:nvPr/>
-        </p:nvSpPr>
-        <p:spPr>
-          <a:xfrm>
-            <a:off x="4739880" y="1254425"/>
-            <a:ext cx="3524973" cy="335100"/>
+            <a:off x="4830923" y="1503907"/>
+            <a:ext cx="3525000" cy="335100"/>
           </a:xfrm>
           <a:prstGeom prst="roundRect">
             <a:avLst>
@@ -18312,16 +18198,25 @@
               <a:buClr>
                 <a:srgbClr val="000000"/>
               </a:buClr>
-              <a:buSzPts val="2000"/>
+              <a:buSzPts val="1800"/>
               <a:buFont typeface="Arial"/>
               <a:buNone/>
             </a:pPr>
             <a:r>
-              <a:t/>
+              <a:rPr b="1" i="1" lang="en-US" sz="1800" u="none" cap="none" strike="noStrike">
+                <a:solidFill>
+                  <a:schemeClr val="dk1"/>
+                </a:solidFill>
+                <a:latin typeface="Arial"/>
+                <a:ea typeface="Arial"/>
+                <a:cs typeface="Arial"/>
+                <a:sym typeface="Arial"/>
+              </a:rPr>
+              <a:t>Admission Review</a:t>
             </a:r>
-            <a:endParaRPr b="1" i="1" sz="2000" u="none" cap="none" strike="noStrike">
+            <a:endParaRPr b="0" i="0" sz="1200" u="none" cap="none" strike="noStrike">
               <a:solidFill>
-                <a:schemeClr val="dk1"/>
+                <a:srgbClr val="000000"/>
               </a:solidFill>
               <a:latin typeface="Arial"/>
               <a:ea typeface="Arial"/>
@@ -18333,14 +18228,14 @@
       </p:sp>
       <p:sp>
         <p:nvSpPr>
-          <p:cNvPr id="140" name="Google Shape;140;gdea865f612_0_48"/>
+          <p:cNvPr id="139" name="Google Shape;139;gdea865f612_0_48"/>
           <p:cNvSpPr/>
           <p:nvPr/>
         </p:nvSpPr>
         <p:spPr>
           <a:xfrm>
-            <a:off x="4830923" y="1351507"/>
-            <a:ext cx="3524973" cy="335100"/>
+            <a:off x="10431810" y="2064933"/>
+            <a:ext cx="1118700" cy="511500"/>
           </a:xfrm>
           <a:prstGeom prst="roundRect">
             <a:avLst>
@@ -18390,23 +18285,14 @@
               <a:buClr>
                 <a:srgbClr val="000000"/>
               </a:buClr>
-              <a:buSzPts val="1800"/>
+              <a:buSzPts val="1600"/>
               <a:buFont typeface="Arial"/>
               <a:buNone/>
             </a:pPr>
             <a:r>
-              <a:rPr b="1" i="1" lang="en-US" sz="1800" u="none" cap="none" strike="noStrike">
-                <a:solidFill>
-                  <a:schemeClr val="dk1"/>
-                </a:solidFill>
-                <a:latin typeface="Arial"/>
-                <a:ea typeface="Arial"/>
-                <a:cs typeface="Arial"/>
-                <a:sym typeface="Arial"/>
-              </a:rPr>
-              <a:t>Admission Review</a:t>
+              <a:t/>
             </a:r>
-            <a:endParaRPr b="0" i="0" sz="1200" u="none" cap="none" strike="noStrike">
+            <a:endParaRPr b="0" i="0" sz="1100" u="none" cap="none" strike="noStrike">
               <a:solidFill>
                 <a:srgbClr val="000000"/>
               </a:solidFill>
@@ -18420,14 +18306,14 @@
       </p:sp>
       <p:sp>
         <p:nvSpPr>
-          <p:cNvPr id="141" name="Google Shape;141;gdea865f612_0_48"/>
+          <p:cNvPr id="140" name="Google Shape;140;gdea865f612_0_48"/>
           <p:cNvSpPr/>
           <p:nvPr/>
         </p:nvSpPr>
         <p:spPr>
           <a:xfrm>
-            <a:off x="10431810" y="1607733"/>
-            <a:ext cx="1118700" cy="511500"/>
+            <a:off x="10544811" y="2158315"/>
+            <a:ext cx="1155000" cy="511500"/>
           </a:xfrm>
           <a:prstGeom prst="roundRect">
             <a:avLst>
@@ -18482,7 +18368,12 @@
               <a:buNone/>
             </a:pPr>
             <a:r>
-              <a:t/>
+              <a:rPr b="1" i="1" lang="en-US" sz="1100">
+                <a:solidFill>
+                  <a:schemeClr val="dk1"/>
+                </a:solidFill>
+              </a:rPr>
+              <a:t>Cleanup Policies</a:t>
             </a:r>
             <a:endParaRPr b="0" i="0" sz="1100" u="none" cap="none" strike="noStrike">
               <a:solidFill>
@@ -18496,6 +18387,37 @@
           </a:p>
         </p:txBody>
       </p:sp>
+      <p:cxnSp>
+        <p:nvCxnSpPr>
+          <p:cNvPr id="141" name="Google Shape;141;gdea865f612_0_48"/>
+          <p:cNvCxnSpPr>
+            <a:stCxn id="135" idx="3"/>
+            <a:endCxn id="139" idx="1"/>
+          </p:cNvCxnSpPr>
+          <p:nvPr/>
+        </p:nvCxnSpPr>
+        <p:spPr>
+          <a:xfrm flipH="1" rot="10800000">
+            <a:off x="9333650" y="2320575"/>
+            <a:ext cx="1098300" cy="546600"/>
+          </a:xfrm>
+          <a:prstGeom prst="bentConnector3">
+            <a:avLst>
+              <a:gd fmla="val 77274" name="adj1"/>
+            </a:avLst>
+          </a:prstGeom>
+          <a:noFill/>
+          <a:ln cap="flat" cmpd="sng" w="19050">
+            <a:solidFill>
+              <a:srgbClr val="7F7F7F"/>
+            </a:solidFill>
+            <a:prstDash val="dash"/>
+            <a:miter lim="800000"/>
+            <a:headEnd len="med" w="med" type="triangle"/>
+            <a:tailEnd len="sm" w="sm" type="none"/>
+          </a:ln>
+        </p:spPr>
+      </p:cxnSp>
       <p:sp>
         <p:nvSpPr>
           <p:cNvPr id="142" name="Google Shape;142;gdea865f612_0_48"/>
@@ -18504,8 +18426,8 @@
         </p:nvSpPr>
         <p:spPr>
           <a:xfrm>
-            <a:off x="10544811" y="1701115"/>
-            <a:ext cx="1155000" cy="511500"/>
+            <a:off x="937978" y="4219395"/>
+            <a:ext cx="1589100" cy="646200"/>
           </a:xfrm>
           <a:prstGeom prst="roundRect">
             <a:avLst>
@@ -18560,14 +18482,18 @@
               <a:buNone/>
             </a:pPr>
             <a:r>
-              <a:rPr b="1" i="1" lang="en-US" sz="1100">
+              <a:rPr b="1" i="1" lang="en-US" sz="1600" u="none" cap="none" strike="noStrike">
                 <a:solidFill>
                   <a:schemeClr val="dk1"/>
                 </a:solidFill>
+                <a:latin typeface="Arial"/>
+                <a:ea typeface="Arial"/>
+                <a:cs typeface="Arial"/>
+                <a:sym typeface="Arial"/>
               </a:rPr>
-              <a:t>Cleanup Policies</a:t>
+              <a:t>Secrets</a:t>
             </a:r>
-            <a:endParaRPr b="0" i="0" sz="1100" u="none" cap="none" strike="noStrike">
+            <a:endParaRPr b="0" i="0" sz="1200" u="none" cap="none" strike="noStrike">
               <a:solidFill>
                 <a:srgbClr val="000000"/>
               </a:solidFill>
@@ -18579,37 +18505,106 @@
           </a:p>
         </p:txBody>
       </p:sp>
-      <p:cxnSp>
-        <p:nvCxnSpPr>
+      <p:sp>
+        <p:nvSpPr>
           <p:cNvPr id="143" name="Google Shape;143;gdea865f612_0_48"/>
-          <p:cNvCxnSpPr>
-            <a:stCxn id="137" idx="3"/>
-            <a:endCxn id="141" idx="1"/>
-          </p:cNvCxnSpPr>
+          <p:cNvSpPr/>
           <p:nvPr/>
-        </p:nvCxnSpPr>
-        <p:spPr>
-          <a:xfrm flipH="1" rot="10800000">
-            <a:off x="9333650" y="1863375"/>
-            <a:ext cx="1098300" cy="546600"/>
-          </a:xfrm>
-          <a:prstGeom prst="bentConnector3">
-            <a:avLst>
-              <a:gd fmla="val 77274" name="adj1"/>
-            </a:avLst>
-          </a:prstGeom>
-          <a:noFill/>
-          <a:ln cap="flat" cmpd="sng" w="19050">
-            <a:solidFill>
-              <a:srgbClr val="7F7F7F"/>
-            </a:solidFill>
-            <a:prstDash val="dash"/>
-            <a:miter lim="800000"/>
-            <a:headEnd len="med" w="med" type="triangle"/>
-            <a:tailEnd len="sm" w="sm" type="none"/>
-          </a:ln>
-        </p:spPr>
-      </p:cxnSp>
+        </p:nvSpPr>
+        <p:spPr>
+          <a:xfrm>
+            <a:off x="3582499" y="4180483"/>
+            <a:ext cx="1545000" cy="685200"/>
+          </a:xfrm>
+          <a:prstGeom prst="rect">
+            <a:avLst/>
+          </a:prstGeom>
+          <a:solidFill>
+            <a:schemeClr val="accent1"/>
+          </a:solidFill>
+          <a:ln>
+            <a:noFill/>
+          </a:ln>
+        </p:spPr>
+        <p:txBody>
+          <a:bodyPr anchorCtr="0" anchor="ctr" bIns="45700" lIns="91425" spcFirstLastPara="1" rIns="91425" wrap="square" tIns="45700">
+            <a:noAutofit/>
+          </a:bodyPr>
+          <a:lstStyle/>
+          <a:p>
+            <a:pPr indent="0" lvl="0" marL="0" marR="0" rtl="0" algn="ctr">
+              <a:lnSpc>
+                <a:spcPct val="100000"/>
+              </a:lnSpc>
+              <a:spcBef>
+                <a:spcPts val="0"/>
+              </a:spcBef>
+              <a:spcAft>
+                <a:spcPts val="0"/>
+              </a:spcAft>
+              <a:buClr>
+                <a:srgbClr val="000000"/>
+              </a:buClr>
+              <a:buSzPts val="1800"/>
+              <a:buFont typeface="Arial"/>
+              <a:buNone/>
+            </a:pPr>
+            <a:r>
+              <a:rPr b="0" i="0" lang="en-US" sz="1800" u="none" cap="none" strike="noStrike">
+                <a:solidFill>
+                  <a:schemeClr val="lt1"/>
+                </a:solidFill>
+                <a:latin typeface="Arial"/>
+                <a:ea typeface="Arial"/>
+                <a:cs typeface="Arial"/>
+                <a:sym typeface="Arial"/>
+              </a:rPr>
+              <a:t>Cert</a:t>
+            </a:r>
+            <a:endParaRPr/>
+          </a:p>
+          <a:p>
+            <a:pPr indent="0" lvl="0" marL="0" marR="0" rtl="0" algn="ctr">
+              <a:lnSpc>
+                <a:spcPct val="100000"/>
+              </a:lnSpc>
+              <a:spcBef>
+                <a:spcPts val="0"/>
+              </a:spcBef>
+              <a:spcAft>
+                <a:spcPts val="0"/>
+              </a:spcAft>
+              <a:buClr>
+                <a:srgbClr val="000000"/>
+              </a:buClr>
+              <a:buSzPts val="1800"/>
+              <a:buFont typeface="Arial"/>
+              <a:buNone/>
+            </a:pPr>
+            <a:r>
+              <a:rPr b="0" i="0" lang="en-US" sz="1800" u="none" cap="none" strike="noStrike">
+                <a:solidFill>
+                  <a:schemeClr val="lt1"/>
+                </a:solidFill>
+                <a:latin typeface="Arial"/>
+                <a:ea typeface="Arial"/>
+                <a:cs typeface="Arial"/>
+                <a:sym typeface="Arial"/>
+              </a:rPr>
+              <a:t>Renewer</a:t>
+            </a:r>
+            <a:endParaRPr b="0" i="0" sz="1600" u="none" cap="none" strike="noStrike">
+              <a:solidFill>
+                <a:srgbClr val="000000"/>
+              </a:solidFill>
+              <a:latin typeface="Arial"/>
+              <a:ea typeface="Arial"/>
+              <a:cs typeface="Arial"/>
+              <a:sym typeface="Arial"/>
+            </a:endParaRPr>
+          </a:p>
+        </p:txBody>
+      </p:sp>
     </p:spTree>
   </p:cSld>
   <p:clrMapOvr>

--- a/static/images/kyverno_website_graphics.pptx
+++ b/static/images/kyverno_website_graphics.pptx
@@ -275,7 +275,7 @@
       </p15:sldGuideLst>
     </p:ext>
     <p:ext uri="GoogleSlidesCustomDataVersion2">
-      <go:slidesCustomData xmlns:go="http://customooxmlschemas.google.com/" r:id="rId20" roundtripDataSignature="AMtx7mhKmdbaoWNqgBvvmxv5G1CBjYhyGg=="/>
+      <go:slidesCustomData xmlns:go="http://customooxmlschemas.google.com/" r:id="rId20" roundtripDataSignature="AMtx7mjFB5kWHPu5vRlaui1o4hKQSJUW2g=="/>
     </p:ext>
   </p:extLst>
 </p:presentation>
@@ -15844,83 +15844,9 @@
           </a:p>
         </p:txBody>
       </p:sp>
-      <p:sp>
-        <p:nvSpPr>
-          <p:cNvPr id="99" name="Google Shape;99;gdea865f612_0_48"/>
-          <p:cNvSpPr/>
-          <p:nvPr/>
-        </p:nvSpPr>
-        <p:spPr>
-          <a:xfrm>
-            <a:off x="3790592" y="2612283"/>
-            <a:ext cx="3676200" cy="470100"/>
-          </a:xfrm>
-          <a:prstGeom prst="rect">
-            <a:avLst/>
-          </a:prstGeom>
-          <a:solidFill>
-            <a:schemeClr val="accent1"/>
-          </a:solidFill>
-          <a:ln cap="flat" cmpd="sng" w="12700">
-            <a:solidFill>
-              <a:srgbClr val="31538F"/>
-            </a:solidFill>
-            <a:prstDash val="solid"/>
-            <a:miter lim="800000"/>
-            <a:headEnd len="sm" w="sm" type="none"/>
-            <a:tailEnd len="sm" w="sm" type="none"/>
-          </a:ln>
-        </p:spPr>
-        <p:txBody>
-          <a:bodyPr anchorCtr="0" anchor="ctr" bIns="45700" lIns="91425" spcFirstLastPara="1" rIns="91425" wrap="square" tIns="45700">
-            <a:noAutofit/>
-          </a:bodyPr>
-          <a:lstStyle/>
-          <a:p>
-            <a:pPr indent="0" lvl="0" marL="0" marR="0" rtl="0" algn="ctr">
-              <a:lnSpc>
-                <a:spcPct val="100000"/>
-              </a:lnSpc>
-              <a:spcBef>
-                <a:spcPts val="0"/>
-              </a:spcBef>
-              <a:spcAft>
-                <a:spcPts val="0"/>
-              </a:spcAft>
-              <a:buClr>
-                <a:srgbClr val="000000"/>
-              </a:buClr>
-              <a:buSzPts val="2400"/>
-              <a:buFont typeface="Arial"/>
-              <a:buNone/>
-            </a:pPr>
-            <a:r>
-              <a:rPr b="1" i="0" lang="en-US" sz="2400" u="none" cap="none" strike="noStrike">
-                <a:solidFill>
-                  <a:schemeClr val="lt1"/>
-                </a:solidFill>
-                <a:latin typeface="Arial"/>
-                <a:ea typeface="Arial"/>
-                <a:cs typeface="Arial"/>
-                <a:sym typeface="Arial"/>
-              </a:rPr>
-              <a:t>Admission Controller</a:t>
-            </a:r>
-            <a:endParaRPr b="1" i="0" sz="1400" u="none" cap="none" strike="noStrike">
-              <a:solidFill>
-                <a:schemeClr val="lt1"/>
-              </a:solidFill>
-              <a:latin typeface="Arial"/>
-              <a:ea typeface="Arial"/>
-              <a:cs typeface="Arial"/>
-              <a:sym typeface="Arial"/>
-            </a:endParaRPr>
-          </a:p>
-        </p:txBody>
-      </p:sp>
       <p:cxnSp>
         <p:nvCxnSpPr>
-          <p:cNvPr id="100" name="Google Shape;100;gdea865f612_0_48"/>
+          <p:cNvPr id="99" name="Google Shape;99;gdea865f612_0_48"/>
           <p:cNvCxnSpPr/>
           <p:nvPr/>
         </p:nvCxnSpPr>
@@ -15946,7 +15872,7 @@
       </p:cxnSp>
       <p:cxnSp>
         <p:nvCxnSpPr>
-          <p:cNvPr id="101" name="Google Shape;101;gdea865f612_0_48"/>
+          <p:cNvPr id="100" name="Google Shape;100;gdea865f612_0_48"/>
           <p:cNvCxnSpPr/>
           <p:nvPr/>
         </p:nvCxnSpPr>
@@ -15974,7 +15900,7 @@
       </p:cxnSp>
       <p:sp>
         <p:nvSpPr>
-          <p:cNvPr id="102" name="Google Shape;102;gdea865f612_0_48"/>
+          <p:cNvPr id="101" name="Google Shape;101;gdea865f612_0_48"/>
           <p:cNvSpPr txBox="1"/>
           <p:nvPr/>
         </p:nvSpPr>
@@ -16042,7 +15968,7 @@
       </p:sp>
       <p:sp>
         <p:nvSpPr>
-          <p:cNvPr id="103" name="Google Shape;103;gdea865f612_0_48"/>
+          <p:cNvPr id="102" name="Google Shape;102;gdea865f612_0_48"/>
           <p:cNvSpPr/>
           <p:nvPr/>
         </p:nvSpPr>
@@ -16142,7 +16068,7 @@
       </p:sp>
       <p:sp>
         <p:nvSpPr>
-          <p:cNvPr id="104" name="Google Shape;104;gdea865f612_0_48"/>
+          <p:cNvPr id="103" name="Google Shape;103;gdea865f612_0_48"/>
           <p:cNvSpPr/>
           <p:nvPr/>
         </p:nvSpPr>
@@ -16220,7 +16146,7 @@
       </p:sp>
       <p:sp>
         <p:nvSpPr>
-          <p:cNvPr id="105" name="Google Shape;105;gdea865f612_0_48"/>
+          <p:cNvPr id="104" name="Google Shape;104;gdea865f612_0_48"/>
           <p:cNvSpPr/>
           <p:nvPr/>
         </p:nvSpPr>
@@ -16307,7 +16233,7 @@
       </p:sp>
       <p:sp>
         <p:nvSpPr>
-          <p:cNvPr id="106" name="Google Shape;106;gdea865f612_0_48"/>
+          <p:cNvPr id="105" name="Google Shape;105;gdea865f612_0_48"/>
           <p:cNvSpPr/>
           <p:nvPr/>
         </p:nvSpPr>
@@ -16385,7 +16311,7 @@
       </p:sp>
       <p:sp>
         <p:nvSpPr>
-          <p:cNvPr id="107" name="Google Shape;107;gdea865f612_0_48"/>
+          <p:cNvPr id="106" name="Google Shape;106;gdea865f612_0_48"/>
           <p:cNvSpPr/>
           <p:nvPr/>
         </p:nvSpPr>
@@ -16504,7 +16430,7 @@
       </p:sp>
       <p:cxnSp>
         <p:nvCxnSpPr>
-          <p:cNvPr id="108" name="Google Shape;108;gdea865f612_0_48"/>
+          <p:cNvPr id="107" name="Google Shape;107;gdea865f612_0_48"/>
           <p:cNvCxnSpPr/>
           <p:nvPr/>
         </p:nvCxnSpPr>
@@ -16532,7 +16458,7 @@
       </p:cxnSp>
       <p:sp>
         <p:nvSpPr>
-          <p:cNvPr id="109" name="Google Shape;109;gdea865f612_0_48"/>
+          <p:cNvPr id="108" name="Google Shape;108;gdea865f612_0_48"/>
           <p:cNvSpPr/>
           <p:nvPr/>
         </p:nvSpPr>
@@ -16617,6 +16543,106 @@
                 <a:sym typeface="Arial"/>
               </a:rPr>
               <a:t>Controllers</a:t>
+            </a:r>
+            <a:endParaRPr b="0" i="0" sz="1600" u="none" cap="none" strike="noStrike">
+              <a:solidFill>
+                <a:srgbClr val="000000"/>
+              </a:solidFill>
+              <a:latin typeface="Arial"/>
+              <a:ea typeface="Arial"/>
+              <a:cs typeface="Arial"/>
+              <a:sym typeface="Arial"/>
+            </a:endParaRPr>
+          </a:p>
+        </p:txBody>
+      </p:sp>
+      <p:sp>
+        <p:nvSpPr>
+          <p:cNvPr id="109" name="Google Shape;109;gdea865f612_0_48"/>
+          <p:cNvSpPr/>
+          <p:nvPr/>
+        </p:nvSpPr>
+        <p:spPr>
+          <a:xfrm>
+            <a:off x="7746889" y="4206657"/>
+            <a:ext cx="1628400" cy="594600"/>
+          </a:xfrm>
+          <a:prstGeom prst="rect">
+            <a:avLst/>
+          </a:prstGeom>
+          <a:solidFill>
+            <a:schemeClr val="accent1"/>
+          </a:solidFill>
+          <a:ln>
+            <a:noFill/>
+          </a:ln>
+        </p:spPr>
+        <p:txBody>
+          <a:bodyPr anchorCtr="0" anchor="ctr" bIns="45700" lIns="91425" spcFirstLastPara="1" rIns="91425" wrap="square" tIns="45700">
+            <a:noAutofit/>
+          </a:bodyPr>
+          <a:lstStyle/>
+          <a:p>
+            <a:pPr indent="0" lvl="0" marL="0" marR="0" rtl="0" algn="ctr">
+              <a:lnSpc>
+                <a:spcPct val="100000"/>
+              </a:lnSpc>
+              <a:spcBef>
+                <a:spcPts val="0"/>
+              </a:spcBef>
+              <a:spcAft>
+                <a:spcPts val="0"/>
+              </a:spcAft>
+              <a:buClr>
+                <a:srgbClr val="000000"/>
+              </a:buClr>
+              <a:buSzPts val="1800"/>
+              <a:buFont typeface="Arial"/>
+              <a:buNone/>
+            </a:pPr>
+            <a:r>
+              <a:rPr b="0" i="0" lang="en-US" sz="1800" u="none" cap="none" strike="noStrike">
+                <a:solidFill>
+                  <a:schemeClr val="lt1"/>
+                </a:solidFill>
+                <a:latin typeface="Arial"/>
+                <a:ea typeface="Arial"/>
+                <a:cs typeface="Arial"/>
+                <a:sym typeface="Arial"/>
+              </a:rPr>
+              <a:t>Background</a:t>
+            </a:r>
+            <a:endParaRPr/>
+          </a:p>
+          <a:p>
+            <a:pPr indent="0" lvl="0" marL="0" marR="0" rtl="0" algn="ctr">
+              <a:lnSpc>
+                <a:spcPct val="100000"/>
+              </a:lnSpc>
+              <a:spcBef>
+                <a:spcPts val="0"/>
+              </a:spcBef>
+              <a:spcAft>
+                <a:spcPts val="0"/>
+              </a:spcAft>
+              <a:buClr>
+                <a:srgbClr val="000000"/>
+              </a:buClr>
+              <a:buSzPts val="1800"/>
+              <a:buFont typeface="Arial"/>
+              <a:buNone/>
+            </a:pPr>
+            <a:r>
+              <a:rPr b="0" i="0" lang="en-US" sz="1800" u="none" cap="none" strike="noStrike">
+                <a:solidFill>
+                  <a:schemeClr val="lt1"/>
+                </a:solidFill>
+                <a:latin typeface="Arial"/>
+                <a:ea typeface="Arial"/>
+                <a:cs typeface="Arial"/>
+                <a:sym typeface="Arial"/>
+              </a:rPr>
+              <a:t>Controller</a:t>
             </a:r>
             <a:endParaRPr b="0" i="0" sz="1600" u="none" cap="none" strike="noStrike">
               <a:solidFill>
@@ -16633,106 +16659,6 @@
       <p:sp>
         <p:nvSpPr>
           <p:cNvPr id="110" name="Google Shape;110;gdea865f612_0_48"/>
-          <p:cNvSpPr/>
-          <p:nvPr/>
-        </p:nvSpPr>
-        <p:spPr>
-          <a:xfrm>
-            <a:off x="7746889" y="4206657"/>
-            <a:ext cx="1628400" cy="594600"/>
-          </a:xfrm>
-          <a:prstGeom prst="rect">
-            <a:avLst/>
-          </a:prstGeom>
-          <a:solidFill>
-            <a:schemeClr val="accent1"/>
-          </a:solidFill>
-          <a:ln>
-            <a:noFill/>
-          </a:ln>
-        </p:spPr>
-        <p:txBody>
-          <a:bodyPr anchorCtr="0" anchor="ctr" bIns="45700" lIns="91425" spcFirstLastPara="1" rIns="91425" wrap="square" tIns="45700">
-            <a:noAutofit/>
-          </a:bodyPr>
-          <a:lstStyle/>
-          <a:p>
-            <a:pPr indent="0" lvl="0" marL="0" marR="0" rtl="0" algn="ctr">
-              <a:lnSpc>
-                <a:spcPct val="100000"/>
-              </a:lnSpc>
-              <a:spcBef>
-                <a:spcPts val="0"/>
-              </a:spcBef>
-              <a:spcAft>
-                <a:spcPts val="0"/>
-              </a:spcAft>
-              <a:buClr>
-                <a:srgbClr val="000000"/>
-              </a:buClr>
-              <a:buSzPts val="1800"/>
-              <a:buFont typeface="Arial"/>
-              <a:buNone/>
-            </a:pPr>
-            <a:r>
-              <a:rPr b="0" i="0" lang="en-US" sz="1800" u="none" cap="none" strike="noStrike">
-                <a:solidFill>
-                  <a:schemeClr val="lt1"/>
-                </a:solidFill>
-                <a:latin typeface="Arial"/>
-                <a:ea typeface="Arial"/>
-                <a:cs typeface="Arial"/>
-                <a:sym typeface="Arial"/>
-              </a:rPr>
-              <a:t>Background</a:t>
-            </a:r>
-            <a:endParaRPr/>
-          </a:p>
-          <a:p>
-            <a:pPr indent="0" lvl="0" marL="0" marR="0" rtl="0" algn="ctr">
-              <a:lnSpc>
-                <a:spcPct val="100000"/>
-              </a:lnSpc>
-              <a:spcBef>
-                <a:spcPts val="0"/>
-              </a:spcBef>
-              <a:spcAft>
-                <a:spcPts val="0"/>
-              </a:spcAft>
-              <a:buClr>
-                <a:srgbClr val="000000"/>
-              </a:buClr>
-              <a:buSzPts val="1800"/>
-              <a:buFont typeface="Arial"/>
-              <a:buNone/>
-            </a:pPr>
-            <a:r>
-              <a:rPr b="0" i="0" lang="en-US" sz="1800" u="none" cap="none" strike="noStrike">
-                <a:solidFill>
-                  <a:schemeClr val="lt1"/>
-                </a:solidFill>
-                <a:latin typeface="Arial"/>
-                <a:ea typeface="Arial"/>
-                <a:cs typeface="Arial"/>
-                <a:sym typeface="Arial"/>
-              </a:rPr>
-              <a:t>Controller</a:t>
-            </a:r>
-            <a:endParaRPr b="0" i="0" sz="1600" u="none" cap="none" strike="noStrike">
-              <a:solidFill>
-                <a:srgbClr val="000000"/>
-              </a:solidFill>
-              <a:latin typeface="Arial"/>
-              <a:ea typeface="Arial"/>
-              <a:cs typeface="Arial"/>
-              <a:sym typeface="Arial"/>
-            </a:endParaRPr>
-          </a:p>
-        </p:txBody>
-      </p:sp>
-      <p:sp>
-        <p:nvSpPr>
-          <p:cNvPr id="111" name="Google Shape;111;gdea865f612_0_48"/>
           <p:cNvSpPr/>
           <p:nvPr/>
         </p:nvSpPr>
@@ -16810,7 +16736,7 @@
       </p:sp>
       <p:sp>
         <p:nvSpPr>
-          <p:cNvPr id="112" name="Google Shape;112;gdea865f612_0_48"/>
+          <p:cNvPr id="111" name="Google Shape;111;gdea865f612_0_48"/>
           <p:cNvSpPr/>
           <p:nvPr/>
         </p:nvSpPr>
@@ -16889,7 +16815,7 @@
       </p:sp>
       <p:sp>
         <p:nvSpPr>
-          <p:cNvPr id="113" name="Google Shape;113;gdea865f612_0_48"/>
+          <p:cNvPr id="112" name="Google Shape;112;gdea865f612_0_48"/>
           <p:cNvSpPr/>
           <p:nvPr/>
         </p:nvSpPr>
@@ -16967,7 +16893,7 @@
       </p:sp>
       <p:sp>
         <p:nvSpPr>
-          <p:cNvPr id="114" name="Google Shape;114;gdea865f612_0_48"/>
+          <p:cNvPr id="113" name="Google Shape;113;gdea865f612_0_48"/>
           <p:cNvSpPr/>
           <p:nvPr/>
         </p:nvSpPr>
@@ -17082,7 +17008,7 @@
       </p:sp>
       <p:cxnSp>
         <p:nvCxnSpPr>
-          <p:cNvPr id="115" name="Google Shape;115;gdea865f612_0_48"/>
+          <p:cNvPr id="114" name="Google Shape;114;gdea865f612_0_48"/>
           <p:cNvCxnSpPr/>
           <p:nvPr/>
         </p:nvCxnSpPr>
@@ -17110,7 +17036,7 @@
       </p:cxnSp>
       <p:sp>
         <p:nvSpPr>
-          <p:cNvPr id="116" name="Google Shape;116;gdea865f612_0_48"/>
+          <p:cNvPr id="115" name="Google Shape;115;gdea865f612_0_48"/>
           <p:cNvSpPr/>
           <p:nvPr/>
         </p:nvSpPr>
@@ -17188,7 +17114,7 @@
       </p:sp>
       <p:sp>
         <p:nvSpPr>
-          <p:cNvPr id="117" name="Google Shape;117;gdea865f612_0_48"/>
+          <p:cNvPr id="116" name="Google Shape;116;gdea865f612_0_48"/>
           <p:cNvSpPr/>
           <p:nvPr/>
         </p:nvSpPr>
@@ -17307,7 +17233,7 @@
       </p:sp>
       <p:cxnSp>
         <p:nvCxnSpPr>
-          <p:cNvPr id="118" name="Google Shape;118;gdea865f612_0_48"/>
+          <p:cNvPr id="117" name="Google Shape;117;gdea865f612_0_48"/>
           <p:cNvCxnSpPr/>
           <p:nvPr/>
         </p:nvCxnSpPr>
@@ -17333,10 +17259,10 @@
       </p:cxnSp>
       <p:cxnSp>
         <p:nvCxnSpPr>
-          <p:cNvPr id="119" name="Google Shape;119;gdea865f612_0_48"/>
+          <p:cNvPr id="118" name="Google Shape;118;gdea865f612_0_48"/>
           <p:cNvCxnSpPr>
-            <a:stCxn id="110" idx="2"/>
-            <a:endCxn id="112" idx="3"/>
+            <a:stCxn id="109" idx="2"/>
+            <a:endCxn id="111" idx="3"/>
           </p:cNvCxnSpPr>
           <p:nvPr/>
         </p:nvCxnSpPr>
@@ -17362,10 +17288,10 @@
       </p:cxnSp>
       <p:cxnSp>
         <p:nvCxnSpPr>
-          <p:cNvPr id="120" name="Google Shape;120;gdea865f612_0_48"/>
+          <p:cNvPr id="119" name="Google Shape;119;gdea865f612_0_48"/>
           <p:cNvCxnSpPr>
-            <a:stCxn id="109" idx="1"/>
-            <a:endCxn id="112" idx="3"/>
+            <a:stCxn id="108" idx="1"/>
+            <a:endCxn id="111" idx="3"/>
           </p:cNvCxnSpPr>
           <p:nvPr/>
         </p:nvCxnSpPr>
@@ -17393,10 +17319,10 @@
       </p:cxnSp>
       <p:cxnSp>
         <p:nvCxnSpPr>
-          <p:cNvPr id="121" name="Google Shape;121;gdea865f612_0_48"/>
+          <p:cNvPr id="120" name="Google Shape;120;gdea865f612_0_48"/>
           <p:cNvCxnSpPr>
-            <a:stCxn id="103" idx="1"/>
-            <a:endCxn id="105" idx="3"/>
+            <a:stCxn id="102" idx="1"/>
+            <a:endCxn id="104" idx="3"/>
           </p:cNvCxnSpPr>
           <p:nvPr/>
         </p:nvCxnSpPr>
@@ -17422,7 +17348,7 @@
       </p:cxnSp>
       <p:cxnSp>
         <p:nvCxnSpPr>
-          <p:cNvPr id="122" name="Google Shape;122;gdea865f612_0_48"/>
+          <p:cNvPr id="121" name="Google Shape;121;gdea865f612_0_48"/>
           <p:cNvCxnSpPr/>
           <p:nvPr/>
         </p:nvCxnSpPr>
@@ -17450,7 +17376,7 @@
       </p:cxnSp>
       <p:cxnSp>
         <p:nvCxnSpPr>
-          <p:cNvPr id="123" name="Google Shape;123;gdea865f612_0_48"/>
+          <p:cNvPr id="122" name="Google Shape;122;gdea865f612_0_48"/>
           <p:cNvCxnSpPr/>
           <p:nvPr/>
         </p:nvCxnSpPr>
@@ -17476,7 +17402,7 @@
       </p:cxnSp>
       <p:sp>
         <p:nvSpPr>
-          <p:cNvPr id="124" name="Google Shape;124;gdea865f612_0_48"/>
+          <p:cNvPr id="123" name="Google Shape;123;gdea865f612_0_48"/>
           <p:cNvSpPr/>
           <p:nvPr/>
         </p:nvSpPr>
@@ -17546,7 +17472,7 @@
       </p:sp>
       <p:cxnSp>
         <p:nvCxnSpPr>
-          <p:cNvPr id="125" name="Google Shape;125;gdea865f612_0_48"/>
+          <p:cNvPr id="124" name="Google Shape;124;gdea865f612_0_48"/>
           <p:cNvCxnSpPr/>
           <p:nvPr/>
         </p:nvCxnSpPr>
@@ -17574,7 +17500,7 @@
       </p:cxnSp>
       <p:sp>
         <p:nvSpPr>
-          <p:cNvPr id="126" name="Google Shape;126;gdea865f612_0_48"/>
+          <p:cNvPr id="125" name="Google Shape;125;gdea865f612_0_48"/>
           <p:cNvSpPr/>
           <p:nvPr/>
         </p:nvSpPr>
@@ -17652,7 +17578,7 @@
       </p:sp>
       <p:sp>
         <p:nvSpPr>
-          <p:cNvPr id="127" name="Google Shape;127;gdea865f612_0_48"/>
+          <p:cNvPr id="126" name="Google Shape;126;gdea865f612_0_48"/>
           <p:cNvSpPr/>
           <p:nvPr/>
         </p:nvSpPr>
@@ -17739,7 +17665,7 @@
       </p:sp>
       <p:cxnSp>
         <p:nvCxnSpPr>
-          <p:cNvPr id="128" name="Google Shape;128;gdea865f612_0_48"/>
+          <p:cNvPr id="127" name="Google Shape;127;gdea865f612_0_48"/>
           <p:cNvCxnSpPr/>
           <p:nvPr/>
         </p:nvCxnSpPr>
@@ -17767,9 +17693,9 @@
       </p:cxnSp>
       <p:cxnSp>
         <p:nvCxnSpPr>
-          <p:cNvPr id="129" name="Google Shape;129;gdea865f612_0_48"/>
+          <p:cNvPr id="128" name="Google Shape;128;gdea865f612_0_48"/>
           <p:cNvCxnSpPr>
-            <a:stCxn id="110" idx="1"/>
+            <a:stCxn id="109" idx="1"/>
           </p:cNvCxnSpPr>
           <p:nvPr/>
         </p:nvCxnSpPr>
@@ -17795,7 +17721,7 @@
       </p:cxnSp>
       <p:cxnSp>
         <p:nvCxnSpPr>
-          <p:cNvPr id="130" name="Google Shape;130;gdea865f612_0_48"/>
+          <p:cNvPr id="129" name="Google Shape;129;gdea865f612_0_48"/>
           <p:cNvCxnSpPr/>
           <p:nvPr/>
         </p:nvCxnSpPr>
@@ -17823,9 +17749,9 @@
       </p:cxnSp>
       <p:cxnSp>
         <p:nvCxnSpPr>
-          <p:cNvPr id="131" name="Google Shape;131;gdea865f612_0_48"/>
+          <p:cNvPr id="130" name="Google Shape;130;gdea865f612_0_48"/>
           <p:cNvCxnSpPr>
-            <a:endCxn id="126" idx="1"/>
+            <a:endCxn id="125" idx="1"/>
           </p:cNvCxnSpPr>
           <p:nvPr/>
         </p:nvCxnSpPr>
@@ -17853,10 +17779,8 @@
       </p:cxnSp>
       <p:cxnSp>
         <p:nvCxnSpPr>
-          <p:cNvPr id="132" name="Google Shape;132;gdea865f612_0_48"/>
-          <p:cNvCxnSpPr>
-            <a:endCxn id="99" idx="2"/>
-          </p:cNvCxnSpPr>
+          <p:cNvPr id="131" name="Google Shape;131;gdea865f612_0_48"/>
+          <p:cNvCxnSpPr/>
           <p:nvPr/>
         </p:nvCxnSpPr>
         <p:spPr>
@@ -17864,8 +17788,10 @@
             <a:off x="5628692" y="3082383"/>
             <a:ext cx="4927800" cy="1916400"/>
           </a:xfrm>
-          <a:prstGeom prst="bentConnector2">
-            <a:avLst/>
+          <a:prstGeom prst="bentConnector3">
+            <a:avLst>
+              <a:gd fmla="val 99789" name="adj1"/>
+            </a:avLst>
           </a:prstGeom>
           <a:noFill/>
           <a:ln cap="flat" cmpd="sng" w="19050">
@@ -17881,9 +17807,9 @@
       </p:cxnSp>
       <p:cxnSp>
         <p:nvCxnSpPr>
-          <p:cNvPr id="133" name="Google Shape;133;gdea865f612_0_48"/>
+          <p:cNvPr id="132" name="Google Shape;132;gdea865f612_0_48"/>
           <p:cNvCxnSpPr>
-            <a:endCxn id="111" idx="0"/>
+            <a:endCxn id="110" idx="0"/>
           </p:cNvCxnSpPr>
           <p:nvPr/>
         </p:nvCxnSpPr>
@@ -17911,7 +17837,7 @@
       </p:cxnSp>
       <p:cxnSp>
         <p:nvCxnSpPr>
-          <p:cNvPr id="134" name="Google Shape;134;gdea865f612_0_48"/>
+          <p:cNvPr id="133" name="Google Shape;133;gdea865f612_0_48"/>
           <p:cNvCxnSpPr/>
           <p:nvPr/>
         </p:nvCxnSpPr>
@@ -17939,7 +17865,7 @@
       </p:cxnSp>
       <p:sp>
         <p:nvSpPr>
-          <p:cNvPr id="135" name="Google Shape;135;gdea865f612_0_48"/>
+          <p:cNvPr id="134" name="Google Shape;134;gdea865f612_0_48"/>
           <p:cNvSpPr/>
           <p:nvPr/>
         </p:nvSpPr>
@@ -18035,7 +17961,7 @@
       </p:sp>
       <p:cxnSp>
         <p:nvCxnSpPr>
-          <p:cNvPr id="136" name="Google Shape;136;gdea865f612_0_48"/>
+          <p:cNvPr id="135" name="Google Shape;135;gdea865f612_0_48"/>
           <p:cNvCxnSpPr/>
           <p:nvPr/>
         </p:nvCxnSpPr>
@@ -18063,7 +17989,7 @@
       </p:cxnSp>
       <p:sp>
         <p:nvSpPr>
-          <p:cNvPr id="137" name="Google Shape;137;gdea865f612_0_48"/>
+          <p:cNvPr id="136" name="Google Shape;136;gdea865f612_0_48"/>
           <p:cNvSpPr/>
           <p:nvPr/>
         </p:nvSpPr>
@@ -18141,7 +18067,7 @@
       </p:sp>
       <p:sp>
         <p:nvSpPr>
-          <p:cNvPr id="138" name="Google Shape;138;gdea865f612_0_48"/>
+          <p:cNvPr id="137" name="Google Shape;137;gdea865f612_0_48"/>
           <p:cNvSpPr/>
           <p:nvPr/>
         </p:nvSpPr>
@@ -18228,7 +18154,7 @@
       </p:sp>
       <p:sp>
         <p:nvSpPr>
-          <p:cNvPr id="139" name="Google Shape;139;gdea865f612_0_48"/>
+          <p:cNvPr id="138" name="Google Shape;138;gdea865f612_0_48"/>
           <p:cNvSpPr/>
           <p:nvPr/>
         </p:nvSpPr>
@@ -18306,7 +18232,7 @@
       </p:sp>
       <p:sp>
         <p:nvSpPr>
-          <p:cNvPr id="140" name="Google Shape;140;gdea865f612_0_48"/>
+          <p:cNvPr id="139" name="Google Shape;139;gdea865f612_0_48"/>
           <p:cNvSpPr/>
           <p:nvPr/>
         </p:nvSpPr>
@@ -18389,10 +18315,10 @@
       </p:sp>
       <p:cxnSp>
         <p:nvCxnSpPr>
-          <p:cNvPr id="141" name="Google Shape;141;gdea865f612_0_48"/>
+          <p:cNvPr id="140" name="Google Shape;140;gdea865f612_0_48"/>
           <p:cNvCxnSpPr>
-            <a:stCxn id="135" idx="3"/>
-            <a:endCxn id="139" idx="1"/>
+            <a:stCxn id="134" idx="3"/>
+            <a:endCxn id="138" idx="1"/>
           </p:cNvCxnSpPr>
           <p:nvPr/>
         </p:nvCxnSpPr>
@@ -18420,7 +18346,7 @@
       </p:cxnSp>
       <p:sp>
         <p:nvSpPr>
-          <p:cNvPr id="142" name="Google Shape;142;gdea865f612_0_48"/>
+          <p:cNvPr id="141" name="Google Shape;141;gdea865f612_0_48"/>
           <p:cNvSpPr/>
           <p:nvPr/>
         </p:nvSpPr>
@@ -18507,7 +18433,7 @@
       </p:sp>
       <p:sp>
         <p:nvSpPr>
-          <p:cNvPr id="143" name="Google Shape;143;gdea865f612_0_48"/>
+          <p:cNvPr id="142" name="Google Shape;142;gdea865f612_0_48"/>
           <p:cNvSpPr/>
           <p:nvPr/>
         </p:nvSpPr>
@@ -18596,6 +18522,80 @@
             <a:endParaRPr b="0" i="0" sz="1600" u="none" cap="none" strike="noStrike">
               <a:solidFill>
                 <a:srgbClr val="000000"/>
+              </a:solidFill>
+              <a:latin typeface="Arial"/>
+              <a:ea typeface="Arial"/>
+              <a:cs typeface="Arial"/>
+              <a:sym typeface="Arial"/>
+            </a:endParaRPr>
+          </a:p>
+        </p:txBody>
+      </p:sp>
+      <p:sp>
+        <p:nvSpPr>
+          <p:cNvPr id="143" name="Google Shape;143;gdea865f612_0_48"/>
+          <p:cNvSpPr/>
+          <p:nvPr/>
+        </p:nvSpPr>
+        <p:spPr>
+          <a:xfrm>
+            <a:off x="3638192" y="2612283"/>
+            <a:ext cx="3676200" cy="470100"/>
+          </a:xfrm>
+          <a:prstGeom prst="rect">
+            <a:avLst/>
+          </a:prstGeom>
+          <a:solidFill>
+            <a:schemeClr val="accent1"/>
+          </a:solidFill>
+          <a:ln cap="flat" cmpd="sng" w="12700">
+            <a:solidFill>
+              <a:srgbClr val="31538F"/>
+            </a:solidFill>
+            <a:prstDash val="solid"/>
+            <a:miter lim="800000"/>
+            <a:headEnd len="sm" w="sm" type="none"/>
+            <a:tailEnd len="sm" w="sm" type="none"/>
+          </a:ln>
+        </p:spPr>
+        <p:txBody>
+          <a:bodyPr anchorCtr="0" anchor="ctr" bIns="45700" lIns="91425" spcFirstLastPara="1" rIns="91425" wrap="square" tIns="45700">
+            <a:noAutofit/>
+          </a:bodyPr>
+          <a:lstStyle/>
+          <a:p>
+            <a:pPr indent="0" lvl="0" marL="0" marR="0" rtl="0" algn="ctr">
+              <a:lnSpc>
+                <a:spcPct val="100000"/>
+              </a:lnSpc>
+              <a:spcBef>
+                <a:spcPts val="0"/>
+              </a:spcBef>
+              <a:spcAft>
+                <a:spcPts val="0"/>
+              </a:spcAft>
+              <a:buClr>
+                <a:srgbClr val="000000"/>
+              </a:buClr>
+              <a:buSzPts val="2400"/>
+              <a:buFont typeface="Arial"/>
+              <a:buNone/>
+            </a:pPr>
+            <a:r>
+              <a:rPr b="1" i="0" lang="en-US" sz="2400" u="none" cap="none" strike="noStrike">
+                <a:solidFill>
+                  <a:schemeClr val="lt1"/>
+                </a:solidFill>
+                <a:latin typeface="Arial"/>
+                <a:ea typeface="Arial"/>
+                <a:cs typeface="Arial"/>
+                <a:sym typeface="Arial"/>
+              </a:rPr>
+              <a:t>Admission Controller</a:t>
+            </a:r>
+            <a:endParaRPr b="1" i="0" sz="1400" u="none" cap="none" strike="noStrike">
+              <a:solidFill>
+                <a:schemeClr val="lt1"/>
               </a:solidFill>
               <a:latin typeface="Arial"/>
               <a:ea typeface="Arial"/>
